--- a/Spectra/image/Spectra使用说明&演示.pptx
+++ b/Spectra/image/Spectra使用说明&演示.pptx
@@ -5,10 +5,10 @@
     <p:sldMasterId id="2147483648" r:id="rId1"/>
   </p:sldMasterIdLst>
   <p:notesMasterIdLst>
-    <p:notesMasterId r:id="rId8"/>
+    <p:notesMasterId r:id="rId11"/>
   </p:notesMasterIdLst>
   <p:handoutMasterIdLst>
-    <p:handoutMasterId r:id="rId9"/>
+    <p:handoutMasterId r:id="rId12"/>
   </p:handoutMasterIdLst>
   <p:sldIdLst>
     <p:sldId id="256" r:id="rId2"/>
@@ -17,6 +17,9 @@
     <p:sldId id="258" r:id="rId5"/>
     <p:sldId id="262" r:id="rId6"/>
     <p:sldId id="259" r:id="rId7"/>
+    <p:sldId id="263" r:id="rId8"/>
+    <p:sldId id="264" r:id="rId9"/>
+    <p:sldId id="265" r:id="rId10"/>
   </p:sldIdLst>
   <p:sldSz cx="12192000" cy="6858000"/>
   <p:notesSz cx="6858000" cy="9144000"/>
@@ -115,6 +118,14 @@
       </a:defRPr>
     </a:lvl9pPr>
   </p:defaultTextStyle>
+  <p:extLst>
+    <p:ext uri="{EFAFB233-063F-42B5-8137-9DF3F51BA10A}">
+      <p15:sldGuideLst xmlns:p15="http://schemas.microsoft.com/office/powerpoint/2012/main"/>
+    </p:ext>
+    <p:ext uri="{2D200454-40CA-4A62-9FC3-DE9A4176ACB9}">
+      <p15:notesGuideLst xmlns:p15="http://schemas.microsoft.com/office/powerpoint/2012/main"/>
+    </p:ext>
+  </p:extLst>
 </p:presentation>
 </file>
 
@@ -7651,8 +7662,505 @@
         </p:blipFill>
         <p:spPr>
           <a:xfrm>
-            <a:off x="5072576" y="1809750"/>
-            <a:ext cx="6414574" cy="3609975"/>
+            <a:off x="7466642" y="1273802"/>
+            <a:ext cx="3148711" cy="1772022"/>
+          </a:xfrm>
+          <a:prstGeom prst="rect">
+            <a:avLst/>
+          </a:prstGeom>
+        </p:spPr>
+      </p:pic>
+      <p:sp>
+        <p:nvSpPr>
+          <p:cNvPr id="3" name="矩形 2"/>
+          <p:cNvSpPr/>
+          <p:nvPr/>
+        </p:nvSpPr>
+        <p:spPr>
+          <a:xfrm>
+            <a:off x="636814" y="540523"/>
+            <a:ext cx="3655168" cy="637675"/>
+          </a:xfrm>
+          <a:prstGeom prst="rect">
+            <a:avLst/>
+          </a:prstGeom>
+        </p:spPr>
+        <p:txBody>
+          <a:bodyPr wrap="none">
+            <a:spAutoFit/>
+          </a:bodyPr>
+          <a:lstStyle/>
+          <a:p>
+            <a:pPr>
+              <a:lnSpc>
+                <a:spcPct val="150000"/>
+              </a:lnSpc>
+            </a:pPr>
+            <a:r>
+              <a:rPr lang="zh-CN" altLang="en-US" sz="2800" dirty="0">
+                <a:latin typeface="黑体" panose="02010609060101010101" pitchFamily="49" charset="-122"/>
+                <a:ea typeface="黑体" panose="02010609060101010101" pitchFamily="49" charset="-122"/>
+              </a:rPr>
+              <a:t>一</a:t>
+            </a:r>
+            <a:r>
+              <a:rPr lang="zh-CN" altLang="en-US" sz="2800" dirty="0" smtClean="0">
+                <a:latin typeface="黑体" panose="02010609060101010101" pitchFamily="49" charset="-122"/>
+                <a:ea typeface="黑体" panose="02010609060101010101" pitchFamily="49" charset="-122"/>
+              </a:rPr>
+              <a:t>、系统概述</a:t>
+            </a:r>
+            <a:r>
+              <a:rPr lang="en-US" altLang="zh-CN" sz="2800" baseline="-25000" dirty="0" smtClean="0">
+                <a:latin typeface="黑体" panose="02010609060101010101" pitchFamily="49" charset="-122"/>
+                <a:ea typeface="黑体" panose="02010609060101010101" pitchFamily="49" charset="-122"/>
+              </a:rPr>
+              <a:t>   </a:t>
+            </a:r>
+            <a:r>
+              <a:rPr lang="zh-CN" altLang="en-US" sz="2800" baseline="-25000" dirty="0" smtClean="0">
+                <a:solidFill>
+                  <a:srgbClr val="FFFF00"/>
+                </a:solidFill>
+                <a:latin typeface="幼圆" panose="02010509060101010101" pitchFamily="49" charset="-122"/>
+                <a:ea typeface="幼圆" panose="02010509060101010101" pitchFamily="49" charset="-122"/>
+              </a:rPr>
+              <a:t>数据管理</a:t>
+            </a:r>
+            <a:endParaRPr lang="en-US" altLang="zh-CN" sz="2800" dirty="0">
+              <a:solidFill>
+                <a:srgbClr val="FFFF00"/>
+              </a:solidFill>
+              <a:latin typeface="幼圆" panose="02010509060101010101" pitchFamily="49" charset="-122"/>
+              <a:ea typeface="幼圆" panose="02010509060101010101" pitchFamily="49" charset="-122"/>
+            </a:endParaRPr>
+          </a:p>
+        </p:txBody>
+      </p:sp>
+      <p:pic>
+        <p:nvPicPr>
+          <p:cNvPr id="4" name="图片 3"/>
+          <p:cNvPicPr>
+            <a:picLocks noChangeAspect="1"/>
+          </p:cNvPicPr>
+          <p:nvPr/>
+        </p:nvPicPr>
+        <p:blipFill>
+          <a:blip r:embed="rId3"/>
+          <a:stretch>
+            <a:fillRect/>
+          </a:stretch>
+        </p:blipFill>
+        <p:spPr>
+          <a:xfrm>
+            <a:off x="7466642" y="3091809"/>
+            <a:ext cx="3148711" cy="1772022"/>
+          </a:xfrm>
+          <a:prstGeom prst="rect">
+            <a:avLst/>
+          </a:prstGeom>
+        </p:spPr>
+      </p:pic>
+      <p:pic>
+        <p:nvPicPr>
+          <p:cNvPr id="5" name="图片 4"/>
+          <p:cNvPicPr>
+            <a:picLocks noChangeAspect="1"/>
+          </p:cNvPicPr>
+          <p:nvPr/>
+        </p:nvPicPr>
+        <p:blipFill>
+          <a:blip r:embed="rId4"/>
+          <a:stretch>
+            <a:fillRect/>
+          </a:stretch>
+        </p:blipFill>
+        <p:spPr>
+          <a:xfrm>
+            <a:off x="7466641" y="4926443"/>
+            <a:ext cx="3148711" cy="1772021"/>
+          </a:xfrm>
+          <a:prstGeom prst="rect">
+            <a:avLst/>
+          </a:prstGeom>
+        </p:spPr>
+      </p:pic>
+      <p:sp>
+        <p:nvSpPr>
+          <p:cNvPr id="6" name="文本框 5"/>
+          <p:cNvSpPr txBox="1"/>
+          <p:nvPr/>
+        </p:nvSpPr>
+        <p:spPr>
+          <a:xfrm>
+            <a:off x="809625" y="2159813"/>
+            <a:ext cx="6487673" cy="2354491"/>
+          </a:xfrm>
+          <a:prstGeom prst="rect">
+            <a:avLst/>
+          </a:prstGeom>
+          <a:noFill/>
+        </p:spPr>
+        <p:txBody>
+          <a:bodyPr wrap="none" rtlCol="0">
+            <a:spAutoFit/>
+          </a:bodyPr>
+          <a:lstStyle/>
+          <a:p>
+            <a:pPr>
+              <a:lnSpc>
+                <a:spcPct val="150000"/>
+              </a:lnSpc>
+            </a:pPr>
+            <a:r>
+              <a:rPr lang="zh-CN" altLang="en-US" sz="1400" dirty="0" smtClean="0"/>
+              <a:t>数据处理：对星上下发数据完成校验、解包、解压、拼接、存储、记录等操作。</a:t>
+            </a:r>
+            <a:endParaRPr lang="en-US" altLang="zh-CN" sz="1400" dirty="0" smtClean="0"/>
+          </a:p>
+          <a:p>
+            <a:pPr>
+              <a:lnSpc>
+                <a:spcPct val="150000"/>
+              </a:lnSpc>
+            </a:pPr>
+            <a:r>
+              <a:rPr lang="en-US" altLang="zh-CN" sz="1400" dirty="0" smtClean="0"/>
+              <a:t>	</a:t>
+            </a:r>
+            <a:r>
+              <a:rPr lang="zh-CN" altLang="en-US" sz="1400" dirty="0" smtClean="0"/>
+              <a:t>（文件格式涵盖：星上</a:t>
+            </a:r>
+            <a:r>
+              <a:rPr lang="en-US" altLang="zh-CN" sz="1400" dirty="0" smtClean="0"/>
+              <a:t>1024</a:t>
+            </a:r>
+            <a:r>
+              <a:rPr lang="zh-CN" altLang="en-US" sz="1400" dirty="0" smtClean="0"/>
+              <a:t>包长未解包文件、</a:t>
+            </a:r>
+            <a:r>
+              <a:rPr lang="en-US" altLang="zh-CN" sz="1400" dirty="0" smtClean="0"/>
+              <a:t>288</a:t>
+            </a:r>
+            <a:r>
+              <a:rPr lang="zh-CN" altLang="en-US" sz="1400" dirty="0" smtClean="0"/>
+              <a:t>或</a:t>
+            </a:r>
+            <a:r>
+              <a:rPr lang="en-US" altLang="zh-CN" sz="1400" dirty="0" smtClean="0"/>
+              <a:t>280</a:t>
+            </a:r>
+            <a:r>
+              <a:rPr lang="zh-CN" altLang="en-US" sz="1400" dirty="0" smtClean="0"/>
+              <a:t>包长未解压文件）</a:t>
+            </a:r>
+            <a:endParaRPr lang="en-US" altLang="zh-CN" sz="1400" dirty="0" smtClean="0"/>
+          </a:p>
+          <a:p>
+            <a:pPr>
+              <a:lnSpc>
+                <a:spcPct val="150000"/>
+              </a:lnSpc>
+            </a:pPr>
+            <a:endParaRPr lang="en-US" altLang="zh-CN" sz="1400" dirty="0" smtClean="0"/>
+          </a:p>
+          <a:p>
+            <a:pPr>
+              <a:lnSpc>
+                <a:spcPct val="150000"/>
+              </a:lnSpc>
+            </a:pPr>
+            <a:r>
+              <a:rPr lang="zh-CN" altLang="en-US" sz="1400" dirty="0" smtClean="0"/>
+              <a:t>数据存储：选择图像区域裁剪另存，存储路径由用户定义。</a:t>
+            </a:r>
+            <a:endParaRPr lang="en-US" altLang="zh-CN" sz="1400" dirty="0" smtClean="0"/>
+          </a:p>
+          <a:p>
+            <a:pPr>
+              <a:lnSpc>
+                <a:spcPct val="150000"/>
+              </a:lnSpc>
+            </a:pPr>
+            <a:endParaRPr lang="en-US" altLang="zh-CN" sz="1400" dirty="0" smtClean="0"/>
+          </a:p>
+          <a:p>
+            <a:pPr>
+              <a:lnSpc>
+                <a:spcPct val="150000"/>
+              </a:lnSpc>
+            </a:pPr>
+            <a:r>
+              <a:rPr lang="zh-CN" altLang="en-US" sz="1400" dirty="0" smtClean="0"/>
+              <a:t>文件检索：所有经过系统打开过的文件均被记录，可查询文件处理情况及处理后</a:t>
+            </a:r>
+            <a:endParaRPr lang="en-US" altLang="zh-CN" sz="1400" dirty="0" smtClean="0"/>
+          </a:p>
+          <a:p>
+            <a:pPr>
+              <a:lnSpc>
+                <a:spcPct val="150000"/>
+              </a:lnSpc>
+            </a:pPr>
+            <a:r>
+              <a:rPr lang="en-US" altLang="zh-CN" sz="1400" dirty="0"/>
+              <a:t>	</a:t>
+            </a:r>
+            <a:r>
+              <a:rPr lang="en-US" altLang="zh-CN" sz="1400" dirty="0" smtClean="0"/>
+              <a:t>	</a:t>
+            </a:r>
+            <a:r>
+              <a:rPr lang="zh-CN" altLang="en-US" sz="1400" dirty="0" smtClean="0"/>
+              <a:t>文件路径。</a:t>
+            </a:r>
+            <a:endParaRPr lang="zh-CN" altLang="en-US" sz="1400" dirty="0" smtClean="0"/>
+          </a:p>
+        </p:txBody>
+      </p:sp>
+    </p:spTree>
+    <p:extLst>
+      <p:ext uri="{BB962C8B-B14F-4D97-AF65-F5344CB8AC3E}">
+        <p14:creationId xmlns:p14="http://schemas.microsoft.com/office/powerpoint/2010/main" val="1839795714"/>
+      </p:ext>
+    </p:extLst>
+  </p:cSld>
+  <p:clrMapOvr>
+    <a:masterClrMapping/>
+  </p:clrMapOvr>
+  <p:timing>
+    <p:tnLst>
+      <p:par>
+        <p:cTn id="1" dur="indefinite" restart="never" nodeType="tmRoot"/>
+      </p:par>
+    </p:tnLst>
+  </p:timing>
+</p:sld>
+</file>
+
+<file path=ppt/slides/slide7.xml><?xml version="1.0" encoding="utf-8"?>
+<p:sld xmlns:a="http://schemas.openxmlformats.org/drawingml/2006/main" xmlns:r="http://schemas.openxmlformats.org/officeDocument/2006/relationships" xmlns:p="http://schemas.openxmlformats.org/presentationml/2006/main">
+  <p:cSld>
+    <p:spTree>
+      <p:nvGrpSpPr>
+        <p:cNvPr id="1" name=""/>
+        <p:cNvGrpSpPr/>
+        <p:nvPr/>
+      </p:nvGrpSpPr>
+      <p:grpSpPr>
+        <a:xfrm>
+          <a:off x="0" y="0"/>
+          <a:ext cx="0" cy="0"/>
+          <a:chOff x="0" y="0"/>
+          <a:chExt cx="0" cy="0"/>
+        </a:xfrm>
+      </p:grpSpPr>
+      <p:sp>
+        <p:nvSpPr>
+          <p:cNvPr id="3" name="矩形 2"/>
+          <p:cNvSpPr/>
+          <p:nvPr/>
+        </p:nvSpPr>
+        <p:spPr>
+          <a:xfrm>
+            <a:off x="636814" y="540523"/>
+            <a:ext cx="3655168" cy="738664"/>
+          </a:xfrm>
+          <a:prstGeom prst="rect">
+            <a:avLst/>
+          </a:prstGeom>
+        </p:spPr>
+        <p:txBody>
+          <a:bodyPr wrap="none">
+            <a:spAutoFit/>
+          </a:bodyPr>
+          <a:lstStyle/>
+          <a:p>
+            <a:pPr>
+              <a:lnSpc>
+                <a:spcPct val="150000"/>
+              </a:lnSpc>
+            </a:pPr>
+            <a:r>
+              <a:rPr lang="zh-CN" altLang="en-US" sz="2800" dirty="0">
+                <a:latin typeface="黑体" panose="02010609060101010101" pitchFamily="49" charset="-122"/>
+                <a:ea typeface="黑体" panose="02010609060101010101" pitchFamily="49" charset="-122"/>
+              </a:rPr>
+              <a:t>一</a:t>
+            </a:r>
+            <a:r>
+              <a:rPr lang="zh-CN" altLang="en-US" sz="2800" dirty="0" smtClean="0">
+                <a:latin typeface="黑体" panose="02010609060101010101" pitchFamily="49" charset="-122"/>
+                <a:ea typeface="黑体" panose="02010609060101010101" pitchFamily="49" charset="-122"/>
+              </a:rPr>
+              <a:t>、系统概述</a:t>
+            </a:r>
+            <a:r>
+              <a:rPr lang="en-US" altLang="zh-CN" sz="2800" baseline="-25000" dirty="0" smtClean="0">
+                <a:latin typeface="黑体" panose="02010609060101010101" pitchFamily="49" charset="-122"/>
+                <a:ea typeface="黑体" panose="02010609060101010101" pitchFamily="49" charset="-122"/>
+              </a:rPr>
+              <a:t>   </a:t>
+            </a:r>
+            <a:r>
+              <a:rPr lang="zh-CN" altLang="en-US" sz="2800" baseline="-25000" dirty="0" smtClean="0">
+                <a:solidFill>
+                  <a:srgbClr val="FFFF00"/>
+                </a:solidFill>
+                <a:latin typeface="幼圆" panose="02010509060101010101" pitchFamily="49" charset="-122"/>
+                <a:ea typeface="幼圆" panose="02010509060101010101" pitchFamily="49" charset="-122"/>
+              </a:rPr>
+              <a:t>光谱分析</a:t>
+            </a:r>
+            <a:endParaRPr lang="en-US" altLang="zh-CN" sz="2800" dirty="0">
+              <a:solidFill>
+                <a:srgbClr val="FFFF00"/>
+              </a:solidFill>
+              <a:latin typeface="幼圆" panose="02010509060101010101" pitchFamily="49" charset="-122"/>
+              <a:ea typeface="幼圆" panose="02010509060101010101" pitchFamily="49" charset="-122"/>
+            </a:endParaRPr>
+          </a:p>
+        </p:txBody>
+      </p:sp>
+      <p:sp>
+        <p:nvSpPr>
+          <p:cNvPr id="6" name="文本框 5"/>
+          <p:cNvSpPr txBox="1"/>
+          <p:nvPr/>
+        </p:nvSpPr>
+        <p:spPr>
+          <a:xfrm>
+            <a:off x="819150" y="2652763"/>
+            <a:ext cx="6109365" cy="2677656"/>
+          </a:xfrm>
+          <a:prstGeom prst="rect">
+            <a:avLst/>
+          </a:prstGeom>
+          <a:noFill/>
+        </p:spPr>
+        <p:txBody>
+          <a:bodyPr wrap="none" rtlCol="0">
+            <a:spAutoFit/>
+          </a:bodyPr>
+          <a:lstStyle/>
+          <a:p>
+            <a:pPr>
+              <a:lnSpc>
+                <a:spcPct val="150000"/>
+              </a:lnSpc>
+            </a:pPr>
+            <a:r>
+              <a:rPr lang="zh-CN" altLang="en-US" sz="1400" dirty="0" smtClean="0"/>
+              <a:t>数据检索：通过时间、坐标、帧号检索图像内容。</a:t>
+            </a:r>
+            <a:endParaRPr lang="en-US" altLang="zh-CN" sz="1400" dirty="0" smtClean="0"/>
+          </a:p>
+          <a:p>
+            <a:pPr>
+              <a:lnSpc>
+                <a:spcPct val="150000"/>
+              </a:lnSpc>
+            </a:pPr>
+            <a:endParaRPr lang="en-US" altLang="zh-CN" sz="1400" dirty="0" smtClean="0"/>
+          </a:p>
+          <a:p>
+            <a:pPr>
+              <a:lnSpc>
+                <a:spcPct val="150000"/>
+              </a:lnSpc>
+            </a:pPr>
+            <a:endParaRPr lang="en-US" altLang="zh-CN" sz="1400" dirty="0" smtClean="0"/>
+          </a:p>
+          <a:p>
+            <a:pPr>
+              <a:lnSpc>
+                <a:spcPct val="150000"/>
+              </a:lnSpc>
+            </a:pPr>
+            <a:endParaRPr lang="en-US" altLang="zh-CN" sz="1400" dirty="0"/>
+          </a:p>
+          <a:p>
+            <a:pPr>
+              <a:lnSpc>
+                <a:spcPct val="150000"/>
+              </a:lnSpc>
+            </a:pPr>
+            <a:endParaRPr lang="en-US" altLang="zh-CN" sz="1400" dirty="0" smtClean="0"/>
+          </a:p>
+          <a:p>
+            <a:pPr>
+              <a:lnSpc>
+                <a:spcPct val="150000"/>
+              </a:lnSpc>
+            </a:pPr>
+            <a:endParaRPr lang="en-US" altLang="zh-CN" sz="1400" dirty="0"/>
+          </a:p>
+          <a:p>
+            <a:pPr>
+              <a:lnSpc>
+                <a:spcPct val="150000"/>
+              </a:lnSpc>
+            </a:pPr>
+            <a:endParaRPr lang="en-US" altLang="zh-CN" sz="1400" dirty="0"/>
+          </a:p>
+          <a:p>
+            <a:pPr>
+              <a:lnSpc>
+                <a:spcPct val="150000"/>
+              </a:lnSpc>
+            </a:pPr>
+            <a:r>
+              <a:rPr lang="zh-CN" altLang="en-US" sz="1400" dirty="0" smtClean="0"/>
+              <a:t>光谱显示：根据用户需求展示图像信息，通过参数设置更改图像展示内容。</a:t>
+            </a:r>
+            <a:endParaRPr lang="zh-CN" altLang="en-US" sz="1400" dirty="0" smtClean="0"/>
+          </a:p>
+        </p:txBody>
+      </p:sp>
+      <p:pic>
+        <p:nvPicPr>
+          <p:cNvPr id="7" name="图片 6"/>
+          <p:cNvPicPr>
+            <a:picLocks noChangeAspect="1"/>
+          </p:cNvPicPr>
+          <p:nvPr/>
+        </p:nvPicPr>
+        <p:blipFill>
+          <a:blip r:embed="rId2"/>
+          <a:stretch>
+            <a:fillRect/>
+          </a:stretch>
+        </p:blipFill>
+        <p:spPr>
+          <a:xfrm>
+            <a:off x="7096125" y="1343025"/>
+            <a:ext cx="4476750" cy="2519412"/>
+          </a:xfrm>
+          <a:prstGeom prst="rect">
+            <a:avLst/>
+          </a:prstGeom>
+        </p:spPr>
+      </p:pic>
+      <p:pic>
+        <p:nvPicPr>
+          <p:cNvPr id="8" name="图片 7"/>
+          <p:cNvPicPr>
+            <a:picLocks noChangeAspect="1"/>
+          </p:cNvPicPr>
+          <p:nvPr/>
+        </p:nvPicPr>
+        <p:blipFill>
+          <a:blip r:embed="rId3"/>
+          <a:stretch>
+            <a:fillRect/>
+          </a:stretch>
+        </p:blipFill>
+        <p:spPr>
+          <a:xfrm>
+            <a:off x="7096125" y="3971926"/>
+            <a:ext cx="4476750" cy="2519412"/>
           </a:xfrm>
           <a:prstGeom prst="rect">
             <a:avLst/>
@@ -7662,7 +8170,565 @@
     </p:spTree>
     <p:extLst>
       <p:ext uri="{BB962C8B-B14F-4D97-AF65-F5344CB8AC3E}">
-        <p14:creationId xmlns:p14="http://schemas.microsoft.com/office/powerpoint/2010/main" val="1839795714"/>
+        <p14:creationId xmlns:p14="http://schemas.microsoft.com/office/powerpoint/2010/main" val="2583372087"/>
+      </p:ext>
+    </p:extLst>
+  </p:cSld>
+  <p:clrMapOvr>
+    <a:masterClrMapping/>
+  </p:clrMapOvr>
+  <p:timing>
+    <p:tnLst>
+      <p:par>
+        <p:cTn id="1" dur="indefinite" restart="never" nodeType="tmRoot"/>
+      </p:par>
+    </p:tnLst>
+  </p:timing>
+</p:sld>
+</file>
+
+<file path=ppt/slides/slide8.xml><?xml version="1.0" encoding="utf-8"?>
+<p:sld xmlns:a="http://schemas.openxmlformats.org/drawingml/2006/main" xmlns:r="http://schemas.openxmlformats.org/officeDocument/2006/relationships" xmlns:p="http://schemas.openxmlformats.org/presentationml/2006/main">
+  <p:cSld>
+    <p:spTree>
+      <p:nvGrpSpPr>
+        <p:cNvPr id="1" name=""/>
+        <p:cNvGrpSpPr/>
+        <p:nvPr/>
+      </p:nvGrpSpPr>
+      <p:grpSpPr>
+        <a:xfrm>
+          <a:off x="0" y="0"/>
+          <a:ext cx="0" cy="0"/>
+          <a:chOff x="0" y="0"/>
+          <a:chExt cx="0" cy="0"/>
+        </a:xfrm>
+      </p:grpSpPr>
+      <p:sp>
+        <p:nvSpPr>
+          <p:cNvPr id="3" name="矩形 2"/>
+          <p:cNvSpPr/>
+          <p:nvPr/>
+        </p:nvSpPr>
+        <p:spPr>
+          <a:xfrm>
+            <a:off x="636814" y="540523"/>
+            <a:ext cx="3655168" cy="738664"/>
+          </a:xfrm>
+          <a:prstGeom prst="rect">
+            <a:avLst/>
+          </a:prstGeom>
+        </p:spPr>
+        <p:txBody>
+          <a:bodyPr wrap="none">
+            <a:spAutoFit/>
+          </a:bodyPr>
+          <a:lstStyle/>
+          <a:p>
+            <a:pPr>
+              <a:lnSpc>
+                <a:spcPct val="150000"/>
+              </a:lnSpc>
+            </a:pPr>
+            <a:r>
+              <a:rPr lang="zh-CN" altLang="en-US" sz="2800" dirty="0">
+                <a:latin typeface="黑体" panose="02010609060101010101" pitchFamily="49" charset="-122"/>
+                <a:ea typeface="黑体" panose="02010609060101010101" pitchFamily="49" charset="-122"/>
+              </a:rPr>
+              <a:t>一</a:t>
+            </a:r>
+            <a:r>
+              <a:rPr lang="zh-CN" altLang="en-US" sz="2800" dirty="0" smtClean="0">
+                <a:latin typeface="黑体" panose="02010609060101010101" pitchFamily="49" charset="-122"/>
+                <a:ea typeface="黑体" panose="02010609060101010101" pitchFamily="49" charset="-122"/>
+              </a:rPr>
+              <a:t>、系统概述</a:t>
+            </a:r>
+            <a:r>
+              <a:rPr lang="en-US" altLang="zh-CN" sz="2800" baseline="-25000" dirty="0" smtClean="0">
+                <a:latin typeface="黑体" panose="02010609060101010101" pitchFamily="49" charset="-122"/>
+                <a:ea typeface="黑体" panose="02010609060101010101" pitchFamily="49" charset="-122"/>
+              </a:rPr>
+              <a:t>   </a:t>
+            </a:r>
+            <a:r>
+              <a:rPr lang="zh-CN" altLang="en-US" sz="2800" baseline="-25000" dirty="0" smtClean="0">
+                <a:solidFill>
+                  <a:srgbClr val="FFFF00"/>
+                </a:solidFill>
+                <a:latin typeface="幼圆" panose="02010509060101010101" pitchFamily="49" charset="-122"/>
+                <a:ea typeface="幼圆" panose="02010509060101010101" pitchFamily="49" charset="-122"/>
+              </a:rPr>
+              <a:t>应用演示</a:t>
+            </a:r>
+            <a:endParaRPr lang="en-US" altLang="zh-CN" sz="2800" dirty="0">
+              <a:solidFill>
+                <a:srgbClr val="FFFF00"/>
+              </a:solidFill>
+              <a:latin typeface="幼圆" panose="02010509060101010101" pitchFamily="49" charset="-122"/>
+              <a:ea typeface="幼圆" panose="02010509060101010101" pitchFamily="49" charset="-122"/>
+            </a:endParaRPr>
+          </a:p>
+        </p:txBody>
+      </p:sp>
+      <p:sp>
+        <p:nvSpPr>
+          <p:cNvPr id="6" name="文本框 5"/>
+          <p:cNvSpPr txBox="1"/>
+          <p:nvPr/>
+        </p:nvSpPr>
+        <p:spPr>
+          <a:xfrm>
+            <a:off x="1047750" y="1966963"/>
+            <a:ext cx="4314001" cy="3970318"/>
+          </a:xfrm>
+          <a:prstGeom prst="rect">
+            <a:avLst/>
+          </a:prstGeom>
+          <a:noFill/>
+        </p:spPr>
+        <p:txBody>
+          <a:bodyPr wrap="none" rtlCol="0">
+            <a:spAutoFit/>
+          </a:bodyPr>
+          <a:lstStyle/>
+          <a:p>
+            <a:pPr>
+              <a:lnSpc>
+                <a:spcPct val="150000"/>
+              </a:lnSpc>
+            </a:pPr>
+            <a:r>
+              <a:rPr lang="zh-CN" altLang="en-US" sz="1400" dirty="0" smtClean="0"/>
+              <a:t>异常检测：设定噪声灰度检测图像异常情况。</a:t>
+            </a:r>
+            <a:endParaRPr lang="en-US" altLang="zh-CN" sz="1400" dirty="0" smtClean="0"/>
+          </a:p>
+          <a:p>
+            <a:pPr>
+              <a:lnSpc>
+                <a:spcPct val="150000"/>
+              </a:lnSpc>
+            </a:pPr>
+            <a:endParaRPr lang="en-US" altLang="zh-CN" sz="1400" dirty="0" smtClean="0"/>
+          </a:p>
+          <a:p>
+            <a:pPr>
+              <a:lnSpc>
+                <a:spcPct val="150000"/>
+              </a:lnSpc>
+            </a:pPr>
+            <a:endParaRPr lang="en-US" altLang="zh-CN" sz="1400" dirty="0" smtClean="0"/>
+          </a:p>
+          <a:p>
+            <a:pPr>
+              <a:lnSpc>
+                <a:spcPct val="150000"/>
+              </a:lnSpc>
+            </a:pPr>
+            <a:endParaRPr lang="en-US" altLang="zh-CN" sz="1400" dirty="0" smtClean="0"/>
+          </a:p>
+          <a:p>
+            <a:pPr>
+              <a:lnSpc>
+                <a:spcPct val="150000"/>
+              </a:lnSpc>
+            </a:pPr>
+            <a:endParaRPr lang="en-US" altLang="zh-CN" sz="1400" dirty="0"/>
+          </a:p>
+          <a:p>
+            <a:pPr>
+              <a:lnSpc>
+                <a:spcPct val="150000"/>
+              </a:lnSpc>
+            </a:pPr>
+            <a:r>
+              <a:rPr lang="zh-CN" altLang="en-US" sz="1400" dirty="0" smtClean="0"/>
+              <a:t>应用示范：自定义图像为应用样式，快速展示应用。</a:t>
+            </a:r>
+            <a:endParaRPr lang="en-US" altLang="zh-CN" sz="1400" dirty="0"/>
+          </a:p>
+          <a:p>
+            <a:pPr>
+              <a:lnSpc>
+                <a:spcPct val="150000"/>
+              </a:lnSpc>
+            </a:pPr>
+            <a:endParaRPr lang="en-US" altLang="zh-CN" sz="1400" dirty="0" smtClean="0"/>
+          </a:p>
+          <a:p>
+            <a:pPr>
+              <a:lnSpc>
+                <a:spcPct val="150000"/>
+              </a:lnSpc>
+            </a:pPr>
+            <a:endParaRPr lang="en-US" altLang="zh-CN" sz="1400" dirty="0"/>
+          </a:p>
+          <a:p>
+            <a:pPr>
+              <a:lnSpc>
+                <a:spcPct val="150000"/>
+              </a:lnSpc>
+            </a:pPr>
+            <a:endParaRPr lang="en-US" altLang="zh-CN" sz="1400" dirty="0" smtClean="0"/>
+          </a:p>
+          <a:p>
+            <a:pPr>
+              <a:lnSpc>
+                <a:spcPct val="150000"/>
+              </a:lnSpc>
+            </a:pPr>
+            <a:endParaRPr lang="en-US" altLang="zh-CN" sz="1400" dirty="0"/>
+          </a:p>
+          <a:p>
+            <a:pPr>
+              <a:lnSpc>
+                <a:spcPct val="150000"/>
+              </a:lnSpc>
+            </a:pPr>
+            <a:endParaRPr lang="en-US" altLang="zh-CN" sz="1400" dirty="0"/>
+          </a:p>
+          <a:p>
+            <a:pPr>
+              <a:lnSpc>
+                <a:spcPct val="150000"/>
+              </a:lnSpc>
+            </a:pPr>
+            <a:r>
+              <a:rPr lang="en-US" altLang="zh-CN" sz="1400" dirty="0" smtClean="0"/>
+              <a:t>3D</a:t>
+            </a:r>
+            <a:r>
+              <a:rPr lang="zh-CN" altLang="en-US" sz="1400" dirty="0" smtClean="0"/>
+              <a:t>演示：预留模块。</a:t>
+            </a:r>
+            <a:endParaRPr lang="zh-CN" altLang="en-US" sz="1400" dirty="0" smtClean="0"/>
+          </a:p>
+        </p:txBody>
+      </p:sp>
+      <p:pic>
+        <p:nvPicPr>
+          <p:cNvPr id="2" name="图片 1"/>
+          <p:cNvPicPr>
+            <a:picLocks noChangeAspect="1"/>
+          </p:cNvPicPr>
+          <p:nvPr/>
+        </p:nvPicPr>
+        <p:blipFill>
+          <a:blip r:embed="rId2"/>
+          <a:stretch>
+            <a:fillRect/>
+          </a:stretch>
+        </p:blipFill>
+        <p:spPr>
+          <a:xfrm>
+            <a:off x="7772400" y="1205252"/>
+            <a:ext cx="3124200" cy="1758228"/>
+          </a:xfrm>
+          <a:prstGeom prst="rect">
+            <a:avLst/>
+          </a:prstGeom>
+        </p:spPr>
+      </p:pic>
+      <p:pic>
+        <p:nvPicPr>
+          <p:cNvPr id="4" name="图片 3"/>
+          <p:cNvPicPr>
+            <a:picLocks noChangeAspect="1"/>
+          </p:cNvPicPr>
+          <p:nvPr/>
+        </p:nvPicPr>
+        <p:blipFill>
+          <a:blip r:embed="rId3"/>
+          <a:stretch>
+            <a:fillRect/>
+          </a:stretch>
+        </p:blipFill>
+        <p:spPr>
+          <a:xfrm>
+            <a:off x="7772401" y="3048000"/>
+            <a:ext cx="3124200" cy="1758227"/>
+          </a:xfrm>
+          <a:prstGeom prst="rect">
+            <a:avLst/>
+          </a:prstGeom>
+        </p:spPr>
+      </p:pic>
+      <p:pic>
+        <p:nvPicPr>
+          <p:cNvPr id="5" name="图片 4"/>
+          <p:cNvPicPr>
+            <a:picLocks noChangeAspect="1"/>
+          </p:cNvPicPr>
+          <p:nvPr/>
+        </p:nvPicPr>
+        <p:blipFill>
+          <a:blip r:embed="rId4"/>
+          <a:stretch>
+            <a:fillRect/>
+          </a:stretch>
+        </p:blipFill>
+        <p:spPr>
+          <a:xfrm>
+            <a:off x="7772400" y="4890516"/>
+            <a:ext cx="3124200" cy="1758228"/>
+          </a:xfrm>
+          <a:prstGeom prst="rect">
+            <a:avLst/>
+          </a:prstGeom>
+        </p:spPr>
+      </p:pic>
+    </p:spTree>
+    <p:extLst>
+      <p:ext uri="{BB962C8B-B14F-4D97-AF65-F5344CB8AC3E}">
+        <p14:creationId xmlns:p14="http://schemas.microsoft.com/office/powerpoint/2010/main" val="2080210854"/>
+      </p:ext>
+    </p:extLst>
+  </p:cSld>
+  <p:clrMapOvr>
+    <a:masterClrMapping/>
+  </p:clrMapOvr>
+  <p:timing>
+    <p:tnLst>
+      <p:par>
+        <p:cTn id="1" dur="indefinite" restart="never" nodeType="tmRoot"/>
+      </p:par>
+    </p:tnLst>
+  </p:timing>
+</p:sld>
+</file>
+
+<file path=ppt/slides/slide9.xml><?xml version="1.0" encoding="utf-8"?>
+<p:sld xmlns:a="http://schemas.openxmlformats.org/drawingml/2006/main" xmlns:r="http://schemas.openxmlformats.org/officeDocument/2006/relationships" xmlns:p="http://schemas.openxmlformats.org/presentationml/2006/main">
+  <p:cSld>
+    <p:spTree>
+      <p:nvGrpSpPr>
+        <p:cNvPr id="1" name=""/>
+        <p:cNvGrpSpPr/>
+        <p:nvPr/>
+      </p:nvGrpSpPr>
+      <p:grpSpPr>
+        <a:xfrm>
+          <a:off x="0" y="0"/>
+          <a:ext cx="0" cy="0"/>
+          <a:chOff x="0" y="0"/>
+          <a:chExt cx="0" cy="0"/>
+        </a:xfrm>
+      </p:grpSpPr>
+      <p:sp>
+        <p:nvSpPr>
+          <p:cNvPr id="3" name="矩形 2"/>
+          <p:cNvSpPr/>
+          <p:nvPr/>
+        </p:nvSpPr>
+        <p:spPr>
+          <a:xfrm>
+            <a:off x="636814" y="540523"/>
+            <a:ext cx="3655168" cy="738664"/>
+          </a:xfrm>
+          <a:prstGeom prst="rect">
+            <a:avLst/>
+          </a:prstGeom>
+        </p:spPr>
+        <p:txBody>
+          <a:bodyPr wrap="none">
+            <a:spAutoFit/>
+          </a:bodyPr>
+          <a:lstStyle/>
+          <a:p>
+            <a:pPr>
+              <a:lnSpc>
+                <a:spcPct val="150000"/>
+              </a:lnSpc>
+            </a:pPr>
+            <a:r>
+              <a:rPr lang="zh-CN" altLang="en-US" sz="2800" dirty="0">
+                <a:latin typeface="黑体" panose="02010609060101010101" pitchFamily="49" charset="-122"/>
+                <a:ea typeface="黑体" panose="02010609060101010101" pitchFamily="49" charset="-122"/>
+              </a:rPr>
+              <a:t>一</a:t>
+            </a:r>
+            <a:r>
+              <a:rPr lang="zh-CN" altLang="en-US" sz="2800" dirty="0" smtClean="0">
+                <a:latin typeface="黑体" panose="02010609060101010101" pitchFamily="49" charset="-122"/>
+                <a:ea typeface="黑体" panose="02010609060101010101" pitchFamily="49" charset="-122"/>
+              </a:rPr>
+              <a:t>、系统概述</a:t>
+            </a:r>
+            <a:r>
+              <a:rPr lang="en-US" altLang="zh-CN" sz="2800" baseline="-25000" dirty="0" smtClean="0">
+                <a:latin typeface="黑体" panose="02010609060101010101" pitchFamily="49" charset="-122"/>
+                <a:ea typeface="黑体" panose="02010609060101010101" pitchFamily="49" charset="-122"/>
+              </a:rPr>
+              <a:t>   </a:t>
+            </a:r>
+            <a:r>
+              <a:rPr lang="zh-CN" altLang="en-US" sz="2800" baseline="-25000" dirty="0" smtClean="0">
+                <a:solidFill>
+                  <a:srgbClr val="FFFF00"/>
+                </a:solidFill>
+                <a:latin typeface="幼圆" panose="02010509060101010101" pitchFamily="49" charset="-122"/>
+                <a:ea typeface="幼圆" panose="02010509060101010101" pitchFamily="49" charset="-122"/>
+              </a:rPr>
+              <a:t>系统管理</a:t>
+            </a:r>
+            <a:endParaRPr lang="en-US" altLang="zh-CN" sz="2800" dirty="0">
+              <a:solidFill>
+                <a:srgbClr val="FFFF00"/>
+              </a:solidFill>
+              <a:latin typeface="幼圆" panose="02010509060101010101" pitchFamily="49" charset="-122"/>
+              <a:ea typeface="幼圆" panose="02010509060101010101" pitchFamily="49" charset="-122"/>
+            </a:endParaRPr>
+          </a:p>
+        </p:txBody>
+      </p:sp>
+      <p:sp>
+        <p:nvSpPr>
+          <p:cNvPr id="6" name="文本框 5"/>
+          <p:cNvSpPr txBox="1"/>
+          <p:nvPr/>
+        </p:nvSpPr>
+        <p:spPr>
+          <a:xfrm>
+            <a:off x="819150" y="2652763"/>
+            <a:ext cx="3775393" cy="2677656"/>
+          </a:xfrm>
+          <a:prstGeom prst="rect">
+            <a:avLst/>
+          </a:prstGeom>
+          <a:noFill/>
+        </p:spPr>
+        <p:txBody>
+          <a:bodyPr wrap="none" rtlCol="0">
+            <a:spAutoFit/>
+          </a:bodyPr>
+          <a:lstStyle/>
+          <a:p>
+            <a:pPr>
+              <a:lnSpc>
+                <a:spcPct val="150000"/>
+              </a:lnSpc>
+            </a:pPr>
+            <a:r>
+              <a:rPr lang="zh-CN" altLang="en-US" sz="1400" dirty="0" smtClean="0"/>
+              <a:t>显示设置：根据用户喜好设置默认显示方式。</a:t>
+            </a:r>
+            <a:endParaRPr lang="en-US" altLang="zh-CN" sz="1400" dirty="0" smtClean="0"/>
+          </a:p>
+          <a:p>
+            <a:pPr>
+              <a:lnSpc>
+                <a:spcPct val="150000"/>
+              </a:lnSpc>
+            </a:pPr>
+            <a:endParaRPr lang="en-US" altLang="zh-CN" sz="1400" dirty="0" smtClean="0"/>
+          </a:p>
+          <a:p>
+            <a:pPr>
+              <a:lnSpc>
+                <a:spcPct val="150000"/>
+              </a:lnSpc>
+            </a:pPr>
+            <a:endParaRPr lang="en-US" altLang="zh-CN" sz="1400" dirty="0" smtClean="0"/>
+          </a:p>
+          <a:p>
+            <a:pPr>
+              <a:lnSpc>
+                <a:spcPct val="150000"/>
+              </a:lnSpc>
+            </a:pPr>
+            <a:endParaRPr lang="en-US" altLang="zh-CN" sz="1400" dirty="0"/>
+          </a:p>
+          <a:p>
+            <a:pPr>
+              <a:lnSpc>
+                <a:spcPct val="150000"/>
+              </a:lnSpc>
+            </a:pPr>
+            <a:endParaRPr lang="en-US" altLang="zh-CN" sz="1400" dirty="0" smtClean="0"/>
+          </a:p>
+          <a:p>
+            <a:pPr>
+              <a:lnSpc>
+                <a:spcPct val="150000"/>
+              </a:lnSpc>
+            </a:pPr>
+            <a:endParaRPr lang="en-US" altLang="zh-CN" sz="1400" dirty="0"/>
+          </a:p>
+          <a:p>
+            <a:pPr>
+              <a:lnSpc>
+                <a:spcPct val="150000"/>
+              </a:lnSpc>
+            </a:pPr>
+            <a:endParaRPr lang="en-US" altLang="zh-CN" sz="1400" dirty="0"/>
+          </a:p>
+          <a:p>
+            <a:pPr>
+              <a:lnSpc>
+                <a:spcPct val="150000"/>
+              </a:lnSpc>
+            </a:pPr>
+            <a:r>
+              <a:rPr lang="zh-CN" altLang="en-US" sz="1400" dirty="0" smtClean="0"/>
+              <a:t>关于我们：系统设计团队信息简介。</a:t>
+            </a:r>
+            <a:endParaRPr lang="zh-CN" altLang="en-US" sz="1400" dirty="0" smtClean="0"/>
+          </a:p>
+        </p:txBody>
+      </p:sp>
+      <p:pic>
+        <p:nvPicPr>
+          <p:cNvPr id="2" name="图片 1"/>
+          <p:cNvPicPr>
+            <a:picLocks noChangeAspect="1"/>
+          </p:cNvPicPr>
+          <p:nvPr/>
+        </p:nvPicPr>
+        <p:blipFill>
+          <a:blip r:embed="rId2"/>
+          <a:stretch>
+            <a:fillRect/>
+          </a:stretch>
+        </p:blipFill>
+        <p:spPr>
+          <a:xfrm>
+            <a:off x="7096125" y="1291024"/>
+            <a:ext cx="4476750" cy="2519412"/>
+          </a:xfrm>
+          <a:prstGeom prst="rect">
+            <a:avLst/>
+          </a:prstGeom>
+        </p:spPr>
+      </p:pic>
+      <p:pic>
+        <p:nvPicPr>
+          <p:cNvPr id="4" name="图片 3"/>
+          <p:cNvPicPr>
+            <a:picLocks noChangeAspect="1"/>
+          </p:cNvPicPr>
+          <p:nvPr/>
+        </p:nvPicPr>
+        <p:blipFill>
+          <a:blip r:embed="rId3"/>
+          <a:stretch>
+            <a:fillRect/>
+          </a:stretch>
+        </p:blipFill>
+        <p:spPr>
+          <a:xfrm>
+            <a:off x="7096125" y="3991591"/>
+            <a:ext cx="4476750" cy="2519412"/>
+          </a:xfrm>
+          <a:prstGeom prst="rect">
+            <a:avLst/>
+          </a:prstGeom>
+        </p:spPr>
+      </p:pic>
+    </p:spTree>
+    <p:extLst>
+      <p:ext uri="{BB962C8B-B14F-4D97-AF65-F5344CB8AC3E}">
+        <p14:creationId xmlns:p14="http://schemas.microsoft.com/office/powerpoint/2010/main" val="2387719978"/>
       </p:ext>
     </p:extLst>
   </p:cSld>

--- a/Spectra/image/Spectra使用说明&演示.pptx
+++ b/Spectra/image/Spectra使用说明&演示.pptx
@@ -5,21 +5,37 @@
     <p:sldMasterId id="2147483648" r:id="rId1"/>
   </p:sldMasterIdLst>
   <p:notesMasterIdLst>
-    <p:notesMasterId r:id="rId11"/>
+    <p:notesMasterId r:id="rId28"/>
   </p:notesMasterIdLst>
   <p:handoutMasterIdLst>
-    <p:handoutMasterId r:id="rId12"/>
+    <p:handoutMasterId r:id="rId29"/>
   </p:handoutMasterIdLst>
   <p:sldIdLst>
-    <p:sldId id="256" r:id="rId2"/>
-    <p:sldId id="260" r:id="rId3"/>
-    <p:sldId id="261" r:id="rId4"/>
-    <p:sldId id="258" r:id="rId5"/>
-    <p:sldId id="262" r:id="rId6"/>
-    <p:sldId id="259" r:id="rId7"/>
-    <p:sldId id="263" r:id="rId8"/>
-    <p:sldId id="264" r:id="rId9"/>
-    <p:sldId id="265" r:id="rId10"/>
+    <p:sldId id="256" r:id="rId3"/>
+    <p:sldId id="260" r:id="rId4"/>
+    <p:sldId id="261" r:id="rId5"/>
+    <p:sldId id="258" r:id="rId6"/>
+    <p:sldId id="262" r:id="rId7"/>
+    <p:sldId id="259" r:id="rId8"/>
+    <p:sldId id="263" r:id="rId9"/>
+    <p:sldId id="264" r:id="rId10"/>
+    <p:sldId id="265" r:id="rId11"/>
+    <p:sldId id="268" r:id="rId12"/>
+    <p:sldId id="270" r:id="rId13"/>
+    <p:sldId id="271" r:id="rId14"/>
+    <p:sldId id="273" r:id="rId15"/>
+    <p:sldId id="272" r:id="rId16"/>
+    <p:sldId id="275" r:id="rId17"/>
+    <p:sldId id="276" r:id="rId18"/>
+    <p:sldId id="269" r:id="rId19"/>
+    <p:sldId id="277" r:id="rId20"/>
+    <p:sldId id="278" r:id="rId21"/>
+    <p:sldId id="279" r:id="rId22"/>
+    <p:sldId id="280" r:id="rId23"/>
+    <p:sldId id="281" r:id="rId24"/>
+    <p:sldId id="282" r:id="rId25"/>
+    <p:sldId id="283" r:id="rId26"/>
+    <p:sldId id="285" r:id="rId27"/>
   </p:sldIdLst>
   <p:sldSz cx="12192000" cy="6858000"/>
   <p:notesSz cx="6858000" cy="9144000"/>
@@ -118,14 +134,6 @@
       </a:defRPr>
     </a:lvl9pPr>
   </p:defaultTextStyle>
-  <p:extLst>
-    <p:ext uri="{EFAFB233-063F-42B5-8137-9DF3F51BA10A}">
-      <p15:sldGuideLst xmlns:p15="http://schemas.microsoft.com/office/powerpoint/2012/main"/>
-    </p:ext>
-    <p:ext uri="{2D200454-40CA-4A62-9FC3-DE9A4176ACB9}">
-      <p15:notesGuideLst xmlns:p15="http://schemas.microsoft.com/office/powerpoint/2012/main"/>
-    </p:ext>
-  </p:extLst>
 </p:presentation>
 </file>
 
@@ -211,7 +219,6 @@
           <a:p>
             <a:fld id="{1DA26B0E-0193-4337-B89A-3C0B2DBD9DCE}" type="datetimeFigureOut">
               <a:rPr lang="zh-CN" altLang="en-US" smtClean="0"/>
-              <a:t>2016/9/13</a:t>
             </a:fld>
             <a:endParaRPr lang="zh-CN" altLang="en-US"/>
           </a:p>
@@ -277,18 +284,12 @@
           <a:p>
             <a:fld id="{ECCDBC70-0992-483B-848B-6BD89C4F83C4}" type="slidenum">
               <a:rPr lang="zh-CN" altLang="en-US" smtClean="0"/>
-              <a:t>‹#›</a:t>
             </a:fld>
             <a:endParaRPr lang="zh-CN" altLang="en-US"/>
           </a:p>
         </p:txBody>
       </p:sp>
     </p:spTree>
-    <p:extLst>
-      <p:ext uri="{BB962C8B-B14F-4D97-AF65-F5344CB8AC3E}">
-        <p14:creationId xmlns:p14="http://schemas.microsoft.com/office/powerpoint/2010/main" val="2897181389"/>
-      </p:ext>
-    </p:extLst>
   </p:cSld>
   <p:clrMap bg1="lt1" tx1="dk1" bg2="lt2" tx2="dk2" accent1="accent1" accent2="accent2" accent3="accent3" accent4="accent4" accent5="accent5" accent6="accent6" hlink="hlink" folHlink="folHlink"/>
 </p:handoutMaster>
@@ -376,7 +377,6 @@
           <a:p>
             <a:fld id="{5E02FA92-F14B-482E-8203-4E3D2653BE5A}" type="datetimeFigureOut">
               <a:rPr lang="zh-CN" altLang="en-US" smtClean="0"/>
-              <a:t>2016/9/13</a:t>
             </a:fld>
             <a:endParaRPr lang="zh-CN" altLang="en-US"/>
           </a:p>
@@ -443,6 +443,7 @@
               <a:rPr lang="zh-CN" altLang="en-US" smtClean="0"/>
               <a:t>单击此处编辑母版文本样式</a:t>
             </a:r>
+            <a:endParaRPr lang="zh-CN" altLang="en-US" smtClean="0"/>
           </a:p>
           <a:p>
             <a:pPr lvl="1"/>
@@ -450,6 +451,7 @@
               <a:rPr lang="zh-CN" altLang="en-US" smtClean="0"/>
               <a:t>第二级</a:t>
             </a:r>
+            <a:endParaRPr lang="zh-CN" altLang="en-US" smtClean="0"/>
           </a:p>
           <a:p>
             <a:pPr lvl="2"/>
@@ -457,6 +459,7 @@
               <a:rPr lang="zh-CN" altLang="en-US" smtClean="0"/>
               <a:t>第三级</a:t>
             </a:r>
+            <a:endParaRPr lang="zh-CN" altLang="en-US" smtClean="0"/>
           </a:p>
           <a:p>
             <a:pPr lvl="3"/>
@@ -464,6 +467,7 @@
               <a:rPr lang="zh-CN" altLang="en-US" smtClean="0"/>
               <a:t>第四级</a:t>
             </a:r>
+            <a:endParaRPr lang="zh-CN" altLang="en-US" smtClean="0"/>
           </a:p>
           <a:p>
             <a:pPr lvl="4"/>
@@ -535,18 +539,12 @@
           <a:p>
             <a:fld id="{0119477F-F1AF-4AAC-A8C9-D95B34B3175F}" type="slidenum">
               <a:rPr lang="zh-CN" altLang="en-US" smtClean="0"/>
-              <a:t>‹#›</a:t>
             </a:fld>
             <a:endParaRPr lang="zh-CN" altLang="en-US"/>
           </a:p>
         </p:txBody>
       </p:sp>
     </p:spTree>
-    <p:extLst>
-      <p:ext uri="{BB962C8B-B14F-4D97-AF65-F5344CB8AC3E}">
-        <p14:creationId xmlns:p14="http://schemas.microsoft.com/office/powerpoint/2010/main" val="2313876412"/>
-      </p:ext>
-    </p:extLst>
   </p:cSld>
   <p:clrMap bg1="lt1" tx1="dk1" bg2="lt2" tx2="dk2" accent1="accent1" accent2="accent2" accent3="accent3" accent4="accent4" accent5="accent5" accent6="accent6" hlink="hlink" folHlink="folHlink"/>
   <p:notesStyle>
@@ -823,14 +821,18 @@
             <p:ph type="dt" sz="half" idx="10"/>
           </p:nvPr>
         </p:nvSpPr>
-        <p:spPr/>
+        <p:spPr>
+          <a:xfrm rot="5400000">
+            <a:off x="10155639" y="1790701"/>
+            <a:ext cx="990599" cy="304799"/>
+          </a:xfrm>
+        </p:spPr>
         <p:txBody>
           <a:bodyPr/>
           <a:lstStyle/>
           <a:p>
             <a:fld id="{4AAD347D-5ACD-4C99-B74B-A9C85AD731AF}" type="datetimeFigureOut">
               <a:rPr lang="en-US" dirty="0"/>
-              <a:t>9/13/2016</a:t>
             </a:fld>
             <a:endParaRPr lang="en-US" dirty="0"/>
           </a:p>
@@ -846,7 +848,12 @@
             <p:ph type="ftr" sz="quarter" idx="11"/>
           </p:nvPr>
         </p:nvSpPr>
-        <p:spPr/>
+        <p:spPr>
+          <a:xfrm rot="5400000">
+            <a:off x="8951573" y="3225297"/>
+            <a:ext cx="3859795" cy="304801"/>
+          </a:xfrm>
+        </p:spPr>
         <p:txBody>
           <a:bodyPr/>
           <a:lstStyle/>
@@ -865,14 +872,18 @@
             <p:ph type="sldNum" sz="quarter" idx="12"/>
           </p:nvPr>
         </p:nvSpPr>
-        <p:spPr/>
+        <p:spPr>
+          <a:xfrm>
+            <a:off x="10352540" y="295729"/>
+            <a:ext cx="838199" cy="767687"/>
+          </a:xfrm>
+        </p:spPr>
         <p:txBody>
           <a:bodyPr/>
           <a:lstStyle/>
           <a:p>
             <a:fld id="{D57F1E4F-1CFF-5643-939E-02111984F565}" type="slidenum">
               <a:rPr lang="en-US" dirty="0"/>
-              <a:t>‹#›</a:t>
             </a:fld>
             <a:endParaRPr lang="en-US" dirty="0"/>
           </a:p>
@@ -887,6 +898,582 @@
 </file>
 
 <file path=ppt/slideLayouts/slideLayout10.xml><?xml version="1.0" encoding="utf-8"?>
+<p:sldLayout xmlns:a="http://schemas.openxmlformats.org/drawingml/2006/main" xmlns:r="http://schemas.openxmlformats.org/officeDocument/2006/relationships" xmlns:p="http://schemas.openxmlformats.org/presentationml/2006/main" type="objTx" preserve="1">
+  <p:cSld name="内容与标题">
+    <p:spTree>
+      <p:nvGrpSpPr>
+        <p:cNvPr id="1" name=""/>
+        <p:cNvGrpSpPr/>
+        <p:nvPr/>
+      </p:nvGrpSpPr>
+      <p:grpSpPr>
+        <a:xfrm>
+          <a:off x="0" y="0"/>
+          <a:ext cx="0" cy="0"/>
+          <a:chOff x="0" y="0"/>
+          <a:chExt cx="0" cy="0"/>
+        </a:xfrm>
+      </p:grpSpPr>
+      <p:sp>
+        <p:nvSpPr>
+          <p:cNvPr id="2" name="Title 1"/>
+          <p:cNvSpPr>
+            <a:spLocks noGrp="1"/>
+          </p:cNvSpPr>
+          <p:nvPr>
+            <p:ph type="title"/>
+          </p:nvPr>
+        </p:nvSpPr>
+        <p:spPr>
+          <a:xfrm>
+            <a:off x="1154953" y="1447800"/>
+            <a:ext cx="3401064" cy="1447800"/>
+          </a:xfrm>
+        </p:spPr>
+        <p:txBody>
+          <a:bodyPr anchor="b"/>
+          <a:lstStyle>
+            <a:lvl1pPr algn="l">
+              <a:defRPr sz="2400" b="0"/>
+            </a:lvl1pPr>
+          </a:lstStyle>
+          <a:p>
+            <a:r>
+              <a:rPr lang="zh-CN" altLang="en-US" smtClean="0"/>
+              <a:t>单击此处编辑母版标题样式</a:t>
+            </a:r>
+            <a:endParaRPr lang="en-US" dirty="0"/>
+          </a:p>
+        </p:txBody>
+      </p:sp>
+      <p:sp>
+        <p:nvSpPr>
+          <p:cNvPr id="3" name="Content Placeholder 2"/>
+          <p:cNvSpPr>
+            <a:spLocks noGrp="1"/>
+          </p:cNvSpPr>
+          <p:nvPr>
+            <p:ph idx="1"/>
+          </p:nvPr>
+        </p:nvSpPr>
+        <p:spPr>
+          <a:xfrm>
+            <a:off x="4784616" y="1447800"/>
+            <a:ext cx="5195997" cy="4572000"/>
+          </a:xfrm>
+        </p:spPr>
+        <p:txBody>
+          <a:bodyPr anchor="ctr">
+            <a:normAutofit/>
+          </a:bodyPr>
+          <a:lstStyle>
+            <a:lvl1pPr>
+              <a:defRPr sz="2000"/>
+            </a:lvl1pPr>
+            <a:lvl2pPr>
+              <a:defRPr sz="1800"/>
+            </a:lvl2pPr>
+            <a:lvl3pPr>
+              <a:defRPr sz="1600"/>
+            </a:lvl3pPr>
+            <a:lvl4pPr>
+              <a:defRPr sz="1400"/>
+            </a:lvl4pPr>
+            <a:lvl5pPr>
+              <a:defRPr sz="1400"/>
+            </a:lvl5pPr>
+            <a:lvl6pPr>
+              <a:defRPr sz="1400"/>
+            </a:lvl6pPr>
+            <a:lvl7pPr>
+              <a:defRPr sz="1400"/>
+            </a:lvl7pPr>
+            <a:lvl8pPr>
+              <a:defRPr sz="1400"/>
+            </a:lvl8pPr>
+            <a:lvl9pPr>
+              <a:defRPr sz="1400"/>
+            </a:lvl9pPr>
+          </a:lstStyle>
+          <a:p>
+            <a:pPr lvl="0"/>
+            <a:r>
+              <a:rPr lang="zh-CN" altLang="en-US" smtClean="0"/>
+              <a:t>单击此处编辑母版文本样式</a:t>
+            </a:r>
+            <a:endParaRPr lang="zh-CN" altLang="en-US" smtClean="0"/>
+          </a:p>
+          <a:p>
+            <a:pPr lvl="1"/>
+            <a:r>
+              <a:rPr lang="zh-CN" altLang="en-US" smtClean="0"/>
+              <a:t>第二级</a:t>
+            </a:r>
+            <a:endParaRPr lang="zh-CN" altLang="en-US" smtClean="0"/>
+          </a:p>
+          <a:p>
+            <a:pPr lvl="2"/>
+            <a:r>
+              <a:rPr lang="zh-CN" altLang="en-US" smtClean="0"/>
+              <a:t>第三级</a:t>
+            </a:r>
+            <a:endParaRPr lang="zh-CN" altLang="en-US" smtClean="0"/>
+          </a:p>
+          <a:p>
+            <a:pPr lvl="3"/>
+            <a:r>
+              <a:rPr lang="zh-CN" altLang="en-US" smtClean="0"/>
+              <a:t>第四级</a:t>
+            </a:r>
+            <a:endParaRPr lang="zh-CN" altLang="en-US" smtClean="0"/>
+          </a:p>
+          <a:p>
+            <a:pPr lvl="4"/>
+            <a:r>
+              <a:rPr lang="zh-CN" altLang="en-US" smtClean="0"/>
+              <a:t>第五级</a:t>
+            </a:r>
+            <a:endParaRPr lang="en-US" dirty="0"/>
+          </a:p>
+        </p:txBody>
+      </p:sp>
+      <p:sp>
+        <p:nvSpPr>
+          <p:cNvPr id="4" name="Text Placeholder 3"/>
+          <p:cNvSpPr>
+            <a:spLocks noGrp="1"/>
+          </p:cNvSpPr>
+          <p:nvPr>
+            <p:ph type="body" sz="half" idx="2"/>
+          </p:nvPr>
+        </p:nvSpPr>
+        <p:spPr>
+          <a:xfrm>
+            <a:off x="1154953" y="3129280"/>
+            <a:ext cx="3401063" cy="2895599"/>
+          </a:xfrm>
+        </p:spPr>
+        <p:txBody>
+          <a:bodyPr/>
+          <a:lstStyle>
+            <a:lvl1pPr marL="0" indent="0">
+              <a:buNone/>
+              <a:defRPr sz="1400"/>
+            </a:lvl1pPr>
+            <a:lvl2pPr marL="457200" indent="0">
+              <a:buNone/>
+              <a:defRPr sz="1200"/>
+            </a:lvl2pPr>
+            <a:lvl3pPr marL="914400" indent="0">
+              <a:buNone/>
+              <a:defRPr sz="1000"/>
+            </a:lvl3pPr>
+            <a:lvl4pPr marL="1371600" indent="0">
+              <a:buNone/>
+              <a:defRPr sz="900"/>
+            </a:lvl4pPr>
+            <a:lvl5pPr marL="1828800" indent="0">
+              <a:buNone/>
+              <a:defRPr sz="900"/>
+            </a:lvl5pPr>
+            <a:lvl6pPr marL="2286000" indent="0">
+              <a:buNone/>
+              <a:defRPr sz="900"/>
+            </a:lvl6pPr>
+            <a:lvl7pPr marL="2743200" indent="0">
+              <a:buNone/>
+              <a:defRPr sz="900"/>
+            </a:lvl7pPr>
+            <a:lvl8pPr marL="3200400" indent="0">
+              <a:buNone/>
+              <a:defRPr sz="900"/>
+            </a:lvl8pPr>
+            <a:lvl9pPr marL="3657600" indent="0">
+              <a:buNone/>
+              <a:defRPr sz="900"/>
+            </a:lvl9pPr>
+          </a:lstStyle>
+          <a:p>
+            <a:pPr lvl="0"/>
+            <a:r>
+              <a:rPr lang="zh-CN" altLang="en-US" smtClean="0"/>
+              <a:t>单击此处编辑母版文本样式</a:t>
+            </a:r>
+            <a:endParaRPr lang="zh-CN" altLang="en-US" smtClean="0"/>
+          </a:p>
+        </p:txBody>
+      </p:sp>
+      <p:sp>
+        <p:nvSpPr>
+          <p:cNvPr id="7" name="Date Placeholder 4"/>
+          <p:cNvSpPr>
+            <a:spLocks noGrp="1"/>
+          </p:cNvSpPr>
+          <p:nvPr>
+            <p:ph type="dt" sz="half" idx="10"/>
+          </p:nvPr>
+        </p:nvSpPr>
+        <p:spPr>
+          <a:xfrm rot="5400000">
+            <a:off x="10155639" y="1790701"/>
+            <a:ext cx="990599" cy="304799"/>
+          </a:xfrm>
+        </p:spPr>
+        <p:txBody>
+          <a:bodyPr/>
+          <a:lstStyle/>
+          <a:p>
+            <a:fld id="{4509A250-FF31-4206-8172-F9D3106AACB1}" type="datetimeFigureOut">
+              <a:rPr lang="en-US" dirty="0"/>
+            </a:fld>
+            <a:endParaRPr lang="en-US" dirty="0"/>
+          </a:p>
+        </p:txBody>
+      </p:sp>
+      <p:sp>
+        <p:nvSpPr>
+          <p:cNvPr id="5" name="Footer Placeholder 5"/>
+          <p:cNvSpPr>
+            <a:spLocks noGrp="1"/>
+          </p:cNvSpPr>
+          <p:nvPr>
+            <p:ph type="ftr" sz="quarter" idx="11"/>
+          </p:nvPr>
+        </p:nvSpPr>
+        <p:spPr>
+          <a:xfrm rot="5400000">
+            <a:off x="8951573" y="3225297"/>
+            <a:ext cx="3859795" cy="304801"/>
+          </a:xfrm>
+        </p:spPr>
+        <p:txBody>
+          <a:bodyPr/>
+          <a:lstStyle/>
+          <a:p>
+            <a:endParaRPr lang="en-US" dirty="0"/>
+          </a:p>
+        </p:txBody>
+      </p:sp>
+      <p:sp>
+        <p:nvSpPr>
+          <p:cNvPr id="6" name="Slide Number Placeholder 6"/>
+          <p:cNvSpPr>
+            <a:spLocks noGrp="1"/>
+          </p:cNvSpPr>
+          <p:nvPr>
+            <p:ph type="sldNum" sz="quarter" idx="12"/>
+          </p:nvPr>
+        </p:nvSpPr>
+        <p:spPr>
+          <a:xfrm>
+            <a:off x="10352540" y="295729"/>
+            <a:ext cx="838199" cy="767687"/>
+          </a:xfrm>
+        </p:spPr>
+        <p:txBody>
+          <a:bodyPr/>
+          <a:lstStyle/>
+          <a:p>
+            <a:fld id="{D57F1E4F-1CFF-5643-939E-02111984F565}" type="slidenum">
+              <a:rPr lang="en-US" dirty="0"/>
+            </a:fld>
+            <a:endParaRPr lang="en-US" dirty="0"/>
+          </a:p>
+        </p:txBody>
+      </p:sp>
+    </p:spTree>
+  </p:cSld>
+  <p:clrMapOvr>
+    <a:masterClrMapping/>
+  </p:clrMapOvr>
+</p:sldLayout>
+</file>
+
+<file path=ppt/slideLayouts/slideLayout11.xml><?xml version="1.0" encoding="utf-8"?>
+<p:sldLayout xmlns:a="http://schemas.openxmlformats.org/drawingml/2006/main" xmlns:r="http://schemas.openxmlformats.org/officeDocument/2006/relationships" xmlns:p="http://schemas.openxmlformats.org/presentationml/2006/main" type="picTx" preserve="1">
+  <p:cSld name="图片与标题">
+    <p:spTree>
+      <p:nvGrpSpPr>
+        <p:cNvPr id="1" name=""/>
+        <p:cNvGrpSpPr/>
+        <p:nvPr/>
+      </p:nvGrpSpPr>
+      <p:grpSpPr>
+        <a:xfrm>
+          <a:off x="0" y="0"/>
+          <a:ext cx="0" cy="0"/>
+          <a:chOff x="0" y="0"/>
+          <a:chExt cx="0" cy="0"/>
+        </a:xfrm>
+      </p:grpSpPr>
+      <p:sp>
+        <p:nvSpPr>
+          <p:cNvPr id="2" name="Title 1"/>
+          <p:cNvSpPr>
+            <a:spLocks noGrp="1"/>
+          </p:cNvSpPr>
+          <p:nvPr>
+            <p:ph type="title"/>
+          </p:nvPr>
+        </p:nvSpPr>
+        <p:spPr>
+          <a:xfrm>
+            <a:off x="1153907" y="1854192"/>
+            <a:ext cx="5092906" cy="1574808"/>
+          </a:xfrm>
+        </p:spPr>
+        <p:txBody>
+          <a:bodyPr anchor="b">
+            <a:normAutofit/>
+          </a:bodyPr>
+          <a:lstStyle>
+            <a:lvl1pPr algn="l">
+              <a:defRPr sz="3600" b="0"/>
+            </a:lvl1pPr>
+          </a:lstStyle>
+          <a:p>
+            <a:r>
+              <a:rPr lang="zh-CN" altLang="en-US" smtClean="0"/>
+              <a:t>单击此处编辑母版标题样式</a:t>
+            </a:r>
+            <a:endParaRPr lang="en-US" dirty="0"/>
+          </a:p>
+        </p:txBody>
+      </p:sp>
+      <p:sp>
+        <p:nvSpPr>
+          <p:cNvPr id="3" name="Picture Placeholder 2"/>
+          <p:cNvSpPr>
+            <a:spLocks noGrp="1" noChangeAspect="1"/>
+          </p:cNvSpPr>
+          <p:nvPr>
+            <p:ph type="pic" idx="1"/>
+          </p:nvPr>
+        </p:nvSpPr>
+        <p:spPr>
+          <a:xfrm>
+            <a:off x="6949546" y="1143000"/>
+            <a:ext cx="3200400" cy="4572000"/>
+          </a:xfrm>
+          <a:prstGeom prst="roundRect">
+            <a:avLst>
+              <a:gd name="adj" fmla="val 1858"/>
+            </a:avLst>
+          </a:prstGeom>
+          <a:effectLst>
+            <a:outerShdw blurRad="50800" dist="50800" dir="5400000" algn="tl" rotWithShape="0">
+              <a:srgbClr val="000000">
+                <a:alpha val="43000"/>
+              </a:srgbClr>
+            </a:outerShdw>
+          </a:effectLst>
+        </p:spPr>
+        <p:txBody>
+          <a:bodyPr anchor="t">
+            <a:normAutofit/>
+          </a:bodyPr>
+          <a:lstStyle>
+            <a:lvl1pPr marL="0" indent="0" algn="ctr">
+              <a:buNone/>
+              <a:defRPr sz="1600"/>
+            </a:lvl1pPr>
+            <a:lvl2pPr marL="457200" indent="0">
+              <a:buNone/>
+              <a:defRPr sz="1600"/>
+            </a:lvl2pPr>
+            <a:lvl3pPr marL="914400" indent="0">
+              <a:buNone/>
+              <a:defRPr sz="1600"/>
+            </a:lvl3pPr>
+            <a:lvl4pPr marL="1371600" indent="0">
+              <a:buNone/>
+              <a:defRPr sz="1600"/>
+            </a:lvl4pPr>
+            <a:lvl5pPr marL="1828800" indent="0">
+              <a:buNone/>
+              <a:defRPr sz="1600"/>
+            </a:lvl5pPr>
+            <a:lvl6pPr marL="2286000" indent="0">
+              <a:buNone/>
+              <a:defRPr sz="1600"/>
+            </a:lvl6pPr>
+            <a:lvl7pPr marL="2743200" indent="0">
+              <a:buNone/>
+              <a:defRPr sz="1600"/>
+            </a:lvl7pPr>
+            <a:lvl8pPr marL="3200400" indent="0">
+              <a:buNone/>
+              <a:defRPr sz="1600"/>
+            </a:lvl8pPr>
+            <a:lvl9pPr marL="3657600" indent="0">
+              <a:buNone/>
+              <a:defRPr sz="1600"/>
+            </a:lvl9pPr>
+          </a:lstStyle>
+          <a:p>
+            <a:r>
+              <a:rPr lang="zh-CN" altLang="en-US" smtClean="0"/>
+              <a:t>单击图标添加图片</a:t>
+            </a:r>
+            <a:endParaRPr lang="en-US" dirty="0"/>
+          </a:p>
+        </p:txBody>
+      </p:sp>
+      <p:sp>
+        <p:nvSpPr>
+          <p:cNvPr id="4" name="Text Placeholder 3"/>
+          <p:cNvSpPr>
+            <a:spLocks noGrp="1"/>
+          </p:cNvSpPr>
+          <p:nvPr>
+            <p:ph type="body" sz="half" idx="2"/>
+          </p:nvPr>
+        </p:nvSpPr>
+        <p:spPr>
+          <a:xfrm>
+            <a:off x="1154954" y="3657600"/>
+            <a:ext cx="5084979" cy="1371600"/>
+          </a:xfrm>
+        </p:spPr>
+        <p:txBody>
+          <a:bodyPr>
+            <a:normAutofit/>
+          </a:bodyPr>
+          <a:lstStyle>
+            <a:lvl1pPr marL="0" indent="0">
+              <a:buNone/>
+              <a:defRPr sz="1400"/>
+            </a:lvl1pPr>
+            <a:lvl2pPr marL="457200" indent="0">
+              <a:buNone/>
+              <a:defRPr sz="1200"/>
+            </a:lvl2pPr>
+            <a:lvl3pPr marL="914400" indent="0">
+              <a:buNone/>
+              <a:defRPr sz="1000"/>
+            </a:lvl3pPr>
+            <a:lvl4pPr marL="1371600" indent="0">
+              <a:buNone/>
+              <a:defRPr sz="900"/>
+            </a:lvl4pPr>
+            <a:lvl5pPr marL="1828800" indent="0">
+              <a:buNone/>
+              <a:defRPr sz="900"/>
+            </a:lvl5pPr>
+            <a:lvl6pPr marL="2286000" indent="0">
+              <a:buNone/>
+              <a:defRPr sz="900"/>
+            </a:lvl6pPr>
+            <a:lvl7pPr marL="2743200" indent="0">
+              <a:buNone/>
+              <a:defRPr sz="900"/>
+            </a:lvl7pPr>
+            <a:lvl8pPr marL="3200400" indent="0">
+              <a:buNone/>
+              <a:defRPr sz="900"/>
+            </a:lvl8pPr>
+            <a:lvl9pPr marL="3657600" indent="0">
+              <a:buNone/>
+              <a:defRPr sz="900"/>
+            </a:lvl9pPr>
+          </a:lstStyle>
+          <a:p>
+            <a:pPr lvl="0"/>
+            <a:r>
+              <a:rPr lang="zh-CN" altLang="en-US" smtClean="0"/>
+              <a:t>单击此处编辑母版文本样式</a:t>
+            </a:r>
+            <a:endParaRPr lang="zh-CN" altLang="en-US" smtClean="0"/>
+          </a:p>
+        </p:txBody>
+      </p:sp>
+      <p:sp>
+        <p:nvSpPr>
+          <p:cNvPr id="5" name="Date Placeholder 4"/>
+          <p:cNvSpPr>
+            <a:spLocks noGrp="1"/>
+          </p:cNvSpPr>
+          <p:nvPr>
+            <p:ph type="dt" sz="half" idx="10"/>
+          </p:nvPr>
+        </p:nvSpPr>
+        <p:spPr>
+          <a:xfrm rot="5400000">
+            <a:off x="10155639" y="1790701"/>
+            <a:ext cx="990599" cy="304799"/>
+          </a:xfrm>
+        </p:spPr>
+        <p:txBody>
+          <a:bodyPr/>
+          <a:lstStyle/>
+          <a:p>
+            <a:fld id="{4509A250-FF31-4206-8172-F9D3106AACB1}" type="datetimeFigureOut">
+              <a:rPr lang="en-US" dirty="0"/>
+            </a:fld>
+            <a:endParaRPr lang="en-US" dirty="0"/>
+          </a:p>
+        </p:txBody>
+      </p:sp>
+      <p:sp>
+        <p:nvSpPr>
+          <p:cNvPr id="6" name="Footer Placeholder 5"/>
+          <p:cNvSpPr>
+            <a:spLocks noGrp="1"/>
+          </p:cNvSpPr>
+          <p:nvPr>
+            <p:ph type="ftr" sz="quarter" idx="11"/>
+          </p:nvPr>
+        </p:nvSpPr>
+        <p:spPr>
+          <a:xfrm rot="5400000">
+            <a:off x="8951573" y="3225297"/>
+            <a:ext cx="3859795" cy="304801"/>
+          </a:xfrm>
+        </p:spPr>
+        <p:txBody>
+          <a:bodyPr/>
+          <a:lstStyle/>
+          <a:p>
+            <a:endParaRPr lang="en-US" dirty="0"/>
+          </a:p>
+        </p:txBody>
+      </p:sp>
+      <p:sp>
+        <p:nvSpPr>
+          <p:cNvPr id="7" name="Slide Number Placeholder 6"/>
+          <p:cNvSpPr>
+            <a:spLocks noGrp="1"/>
+          </p:cNvSpPr>
+          <p:nvPr>
+            <p:ph type="sldNum" sz="quarter" idx="12"/>
+          </p:nvPr>
+        </p:nvSpPr>
+        <p:spPr>
+          <a:xfrm>
+            <a:off x="10352540" y="295729"/>
+            <a:ext cx="838199" cy="767687"/>
+          </a:xfrm>
+        </p:spPr>
+        <p:txBody>
+          <a:bodyPr/>
+          <a:lstStyle/>
+          <a:p>
+            <a:fld id="{D57F1E4F-1CFF-5643-939E-02111984F565}" type="slidenum">
+              <a:rPr lang="en-US" dirty="0"/>
+            </a:fld>
+            <a:endParaRPr lang="en-US" dirty="0"/>
+          </a:p>
+        </p:txBody>
+      </p:sp>
+    </p:spTree>
+  </p:cSld>
+  <p:clrMapOvr>
+    <a:masterClrMapping/>
+  </p:clrMapOvr>
+</p:sldLayout>
+</file>
+
+<file path=ppt/slideLayouts/slideLayout12.xml><?xml version="1.0" encoding="utf-8"?>
 <p:sldLayout xmlns:a="http://schemas.openxmlformats.org/drawingml/2006/main" xmlns:r="http://schemas.openxmlformats.org/officeDocument/2006/relationships" xmlns:p="http://schemas.openxmlformats.org/presentationml/2006/main" preserve="1">
   <p:cSld name="带描述的全景图片">
     <p:spTree>
@@ -1080,6 +1667,7 @@
               <a:rPr lang="zh-CN" altLang="en-US" smtClean="0"/>
               <a:t>单击此处编辑母版文本样式</a:t>
             </a:r>
+            <a:endParaRPr lang="zh-CN" altLang="en-US" smtClean="0"/>
           </a:p>
         </p:txBody>
       </p:sp>
@@ -1093,14 +1681,18 @@
             <p:ph type="dt" sz="half" idx="10"/>
           </p:nvPr>
         </p:nvSpPr>
-        <p:spPr/>
+        <p:spPr>
+          <a:xfrm rot="5400000">
+            <a:off x="10155639" y="1790701"/>
+            <a:ext cx="990599" cy="304799"/>
+          </a:xfrm>
+        </p:spPr>
         <p:txBody>
           <a:bodyPr/>
           <a:lstStyle/>
           <a:p>
             <a:fld id="{4509A250-FF31-4206-8172-F9D3106AACB1}" type="datetimeFigureOut">
               <a:rPr lang="en-US" dirty="0"/>
-              <a:t>9/13/2016</a:t>
             </a:fld>
             <a:endParaRPr lang="en-US" dirty="0"/>
           </a:p>
@@ -1116,7 +1708,12 @@
             <p:ph type="ftr" sz="quarter" idx="11"/>
           </p:nvPr>
         </p:nvSpPr>
-        <p:spPr/>
+        <p:spPr>
+          <a:xfrm rot="5400000">
+            <a:off x="8951573" y="3225297"/>
+            <a:ext cx="3859795" cy="304801"/>
+          </a:xfrm>
+        </p:spPr>
         <p:txBody>
           <a:bodyPr/>
           <a:lstStyle/>
@@ -1135,14 +1732,18 @@
             <p:ph type="sldNum" sz="quarter" idx="12"/>
           </p:nvPr>
         </p:nvSpPr>
-        <p:spPr/>
+        <p:spPr>
+          <a:xfrm>
+            <a:off x="10352540" y="295729"/>
+            <a:ext cx="838199" cy="767687"/>
+          </a:xfrm>
+        </p:spPr>
         <p:txBody>
           <a:bodyPr/>
           <a:lstStyle/>
           <a:p>
             <a:fld id="{D57F1E4F-1CFF-5643-939E-02111984F565}" type="slidenum">
               <a:rPr lang="en-US" dirty="0"/>
-              <a:t>‹#›</a:t>
             </a:fld>
             <a:endParaRPr lang="en-US" dirty="0"/>
           </a:p>
@@ -1156,7 +1757,7 @@
 </p:sldLayout>
 </file>
 
-<file path=ppt/slideLayouts/slideLayout11.xml><?xml version="1.0" encoding="utf-8"?>
+<file path=ppt/slideLayouts/slideLayout13.xml><?xml version="1.0" encoding="utf-8"?>
 <p:sldLayout xmlns:a="http://schemas.openxmlformats.org/drawingml/2006/main" xmlns:r="http://schemas.openxmlformats.org/officeDocument/2006/relationships" xmlns:p="http://schemas.openxmlformats.org/presentationml/2006/main" preserve="1">
   <p:cSld name="标题和描述">
     <p:spTree>
@@ -1269,6 +1870,7 @@
               <a:rPr lang="zh-CN" altLang="en-US" smtClean="0"/>
               <a:t>单击此处编辑母版文本样式</a:t>
             </a:r>
+            <a:endParaRPr lang="zh-CN" altLang="en-US" smtClean="0"/>
           </a:p>
         </p:txBody>
       </p:sp>
@@ -1282,14 +1884,18 @@
             <p:ph type="dt" sz="half" idx="10"/>
           </p:nvPr>
         </p:nvSpPr>
-        <p:spPr/>
+        <p:spPr>
+          <a:xfrm rot="5400000">
+            <a:off x="10155639" y="1790701"/>
+            <a:ext cx="990599" cy="304799"/>
+          </a:xfrm>
+        </p:spPr>
         <p:txBody>
           <a:bodyPr/>
           <a:lstStyle/>
           <a:p>
             <a:fld id="{4509A250-FF31-4206-8172-F9D3106AACB1}" type="datetimeFigureOut">
               <a:rPr lang="en-US" dirty="0"/>
-              <a:t>9/13/2016</a:t>
             </a:fld>
             <a:endParaRPr lang="en-US" dirty="0"/>
           </a:p>
@@ -1305,7 +1911,12 @@
             <p:ph type="ftr" sz="quarter" idx="11"/>
           </p:nvPr>
         </p:nvSpPr>
-        <p:spPr/>
+        <p:spPr>
+          <a:xfrm rot="5400000">
+            <a:off x="8951573" y="3225297"/>
+            <a:ext cx="3859795" cy="304801"/>
+          </a:xfrm>
+        </p:spPr>
         <p:txBody>
           <a:bodyPr/>
           <a:lstStyle/>
@@ -1324,14 +1935,18 @@
             <p:ph type="sldNum" sz="quarter" idx="12"/>
           </p:nvPr>
         </p:nvSpPr>
-        <p:spPr/>
+        <p:spPr>
+          <a:xfrm>
+            <a:off x="10352540" y="295729"/>
+            <a:ext cx="838199" cy="767687"/>
+          </a:xfrm>
+        </p:spPr>
         <p:txBody>
           <a:bodyPr/>
           <a:lstStyle/>
           <a:p>
             <a:fld id="{D57F1E4F-1CFF-5643-939E-02111984F565}" type="slidenum">
               <a:rPr lang="en-US" dirty="0"/>
-              <a:t>‹#›</a:t>
             </a:fld>
             <a:endParaRPr lang="en-US" dirty="0"/>
           </a:p>
@@ -1345,7 +1960,7 @@
 </p:sldLayout>
 </file>
 
-<file path=ppt/slideLayouts/slideLayout12.xml><?xml version="1.0" encoding="utf-8"?>
+<file path=ppt/slideLayouts/slideLayout14.xml><?xml version="1.0" encoding="utf-8"?>
 <p:sldLayout xmlns:a="http://schemas.openxmlformats.org/drawingml/2006/main" xmlns:r="http://schemas.openxmlformats.org/officeDocument/2006/relationships" xmlns:p="http://schemas.openxmlformats.org/presentationml/2006/main" preserve="1">
   <p:cSld name="带描述的引言">
     <p:spTree>
@@ -1470,6 +2085,7 @@
               <a:rPr lang="zh-CN" altLang="en-US" smtClean="0"/>
               <a:t>单击此处编辑母版文本样式</a:t>
             </a:r>
+            <a:endParaRPr lang="zh-CN" altLang="en-US" smtClean="0"/>
           </a:p>
         </p:txBody>
       </p:sp>
@@ -1537,6 +2153,7 @@
               <a:rPr lang="zh-CN" altLang="en-US" smtClean="0"/>
               <a:t>单击此处编辑母版文本样式</a:t>
             </a:r>
+            <a:endParaRPr lang="zh-CN" altLang="en-US" smtClean="0"/>
           </a:p>
         </p:txBody>
       </p:sp>
@@ -1550,14 +2167,18 @@
             <p:ph type="dt" sz="half" idx="10"/>
           </p:nvPr>
         </p:nvSpPr>
-        <p:spPr/>
+        <p:spPr>
+          <a:xfrm rot="5400000">
+            <a:off x="10155639" y="1790701"/>
+            <a:ext cx="990599" cy="304799"/>
+          </a:xfrm>
+        </p:spPr>
         <p:txBody>
           <a:bodyPr/>
           <a:lstStyle/>
           <a:p>
             <a:fld id="{4509A250-FF31-4206-8172-F9D3106AACB1}" type="datetimeFigureOut">
               <a:rPr lang="en-US" dirty="0"/>
-              <a:t>9/13/2016</a:t>
             </a:fld>
             <a:endParaRPr lang="en-US" dirty="0"/>
           </a:p>
@@ -1573,7 +2194,12 @@
             <p:ph type="ftr" sz="quarter" idx="11"/>
           </p:nvPr>
         </p:nvSpPr>
-        <p:spPr/>
+        <p:spPr>
+          <a:xfrm rot="5400000">
+            <a:off x="8951573" y="3225297"/>
+            <a:ext cx="3859795" cy="304801"/>
+          </a:xfrm>
+        </p:spPr>
         <p:txBody>
           <a:bodyPr/>
           <a:lstStyle/>
@@ -1592,14 +2218,18 @@
             <p:ph type="sldNum" sz="quarter" idx="12"/>
           </p:nvPr>
         </p:nvSpPr>
-        <p:spPr/>
+        <p:spPr>
+          <a:xfrm>
+            <a:off x="10352540" y="295729"/>
+            <a:ext cx="838199" cy="767687"/>
+          </a:xfrm>
+        </p:spPr>
         <p:txBody>
           <a:bodyPr/>
           <a:lstStyle/>
           <a:p>
             <a:fld id="{D57F1E4F-1CFF-5643-939E-02111984F565}" type="slidenum">
               <a:rPr lang="en-US" dirty="0"/>
-              <a:t>‹#›</a:t>
             </a:fld>
             <a:endParaRPr lang="en-US" dirty="0"/>
           </a:p>
@@ -1637,7 +2267,7 @@
                     <a:lumOff val="60000"/>
                   </a:schemeClr>
                 </a:solidFill>
-                <a:latin typeface="Arial"/>
+                <a:latin typeface="Arial" panose="020B0604020202020204"/>
                 <a:ea typeface="+mj-ea"/>
                 <a:cs typeface="+mj-cs"/>
               </a:defRPr>
@@ -1649,6 +2279,7 @@
               <a:rPr lang="en-US" dirty="0"/>
               <a:t>“</a:t>
             </a:r>
+            <a:endParaRPr lang="en-US" dirty="0"/>
           </a:p>
         </p:txBody>
       </p:sp>
@@ -1684,7 +2315,7 @@
                     <a:lumOff val="60000"/>
                   </a:schemeClr>
                 </a:solidFill>
-                <a:latin typeface="Arial"/>
+                <a:latin typeface="Arial" panose="020B0604020202020204"/>
                 <a:ea typeface="+mj-ea"/>
                 <a:cs typeface="+mj-cs"/>
               </a:defRPr>
@@ -1696,6 +2327,7 @@
               <a:rPr lang="en-US" dirty="0"/>
               <a:t>”</a:t>
             </a:r>
+            <a:endParaRPr lang="en-US" dirty="0"/>
           </a:p>
         </p:txBody>
       </p:sp>
@@ -1707,7 +2339,7 @@
 </p:sldLayout>
 </file>
 
-<file path=ppt/slideLayouts/slideLayout13.xml><?xml version="1.0" encoding="utf-8"?>
+<file path=ppt/slideLayouts/slideLayout15.xml><?xml version="1.0" encoding="utf-8"?>
 <p:sldLayout xmlns:a="http://schemas.openxmlformats.org/drawingml/2006/main" xmlns:r="http://schemas.openxmlformats.org/officeDocument/2006/relationships" xmlns:p="http://schemas.openxmlformats.org/presentationml/2006/main" preserve="1">
   <p:cSld name="名片">
     <p:spTree>
@@ -1873,6 +2505,7 @@
               <a:rPr lang="zh-CN" altLang="en-US" smtClean="0"/>
               <a:t>单击此处编辑母版文本样式</a:t>
             </a:r>
+            <a:endParaRPr lang="zh-CN" altLang="en-US" smtClean="0"/>
           </a:p>
         </p:txBody>
       </p:sp>
@@ -1886,14 +2519,18 @@
             <p:ph type="dt" sz="half" idx="10"/>
           </p:nvPr>
         </p:nvSpPr>
-        <p:spPr/>
+        <p:spPr>
+          <a:xfrm rot="5400000">
+            <a:off x="10155639" y="1790701"/>
+            <a:ext cx="990599" cy="304799"/>
+          </a:xfrm>
+        </p:spPr>
         <p:txBody>
           <a:bodyPr/>
           <a:lstStyle/>
           <a:p>
             <a:fld id="{4509A250-FF31-4206-8172-F9D3106AACB1}" type="datetimeFigureOut">
               <a:rPr lang="en-US" dirty="0"/>
-              <a:t>9/13/2016</a:t>
             </a:fld>
             <a:endParaRPr lang="en-US" dirty="0"/>
           </a:p>
@@ -1909,7 +2546,12 @@
             <p:ph type="ftr" sz="quarter" idx="11"/>
           </p:nvPr>
         </p:nvSpPr>
-        <p:spPr/>
+        <p:spPr>
+          <a:xfrm rot="5400000">
+            <a:off x="8951573" y="3225297"/>
+            <a:ext cx="3859795" cy="304801"/>
+          </a:xfrm>
+        </p:spPr>
         <p:txBody>
           <a:bodyPr/>
           <a:lstStyle/>
@@ -1928,14 +2570,18 @@
             <p:ph type="sldNum" sz="quarter" idx="12"/>
           </p:nvPr>
         </p:nvSpPr>
-        <p:spPr/>
+        <p:spPr>
+          <a:xfrm>
+            <a:off x="10352540" y="295729"/>
+            <a:ext cx="838199" cy="767687"/>
+          </a:xfrm>
+        </p:spPr>
         <p:txBody>
           <a:bodyPr/>
           <a:lstStyle/>
           <a:p>
             <a:fld id="{D57F1E4F-1CFF-5643-939E-02111984F565}" type="slidenum">
               <a:rPr lang="en-US" dirty="0"/>
-              <a:t>‹#›</a:t>
             </a:fld>
             <a:endParaRPr lang="en-US" dirty="0"/>
           </a:p>
@@ -1949,7 +2595,7 @@
 </p:sldLayout>
 </file>
 
-<file path=ppt/slideLayouts/slideLayout14.xml><?xml version="1.0" encoding="utf-8"?>
+<file path=ppt/slideLayouts/slideLayout16.xml><?xml version="1.0" encoding="utf-8"?>
 <p:sldLayout xmlns:a="http://schemas.openxmlformats.org/drawingml/2006/main" xmlns:r="http://schemas.openxmlformats.org/officeDocument/2006/relationships" xmlns:p="http://schemas.openxmlformats.org/presentationml/2006/main" preserve="1">
   <p:cSld name="3 栏">
     <p:spTree>
@@ -1976,7 +2622,12 @@
             <p:ph type="title"/>
           </p:nvPr>
         </p:nvSpPr>
-        <p:spPr/>
+        <p:spPr>
+          <a:xfrm>
+            <a:off x="646111" y="452718"/>
+            <a:ext cx="9404723" cy="1400530"/>
+          </a:xfrm>
+        </p:spPr>
         <p:txBody>
           <a:bodyPr/>
           <a:lstStyle>
@@ -2064,6 +2715,7 @@
               <a:rPr lang="zh-CN" altLang="en-US" smtClean="0"/>
               <a:t>单击此处编辑母版文本样式</a:t>
             </a:r>
+            <a:endParaRPr lang="zh-CN" altLang="en-US" smtClean="0"/>
           </a:p>
         </p:txBody>
       </p:sp>
@@ -2131,6 +2783,7 @@
               <a:rPr lang="zh-CN" altLang="en-US" smtClean="0"/>
               <a:t>单击此处编辑母版文本样式</a:t>
             </a:r>
+            <a:endParaRPr lang="zh-CN" altLang="en-US" smtClean="0"/>
           </a:p>
         </p:txBody>
       </p:sp>
@@ -2205,6 +2858,7 @@
               <a:rPr lang="zh-CN" altLang="en-US" smtClean="0"/>
               <a:t>单击此处编辑母版文本样式</a:t>
             </a:r>
+            <a:endParaRPr lang="zh-CN" altLang="en-US" smtClean="0"/>
           </a:p>
         </p:txBody>
       </p:sp>
@@ -2272,6 +2926,7 @@
               <a:rPr lang="zh-CN" altLang="en-US" smtClean="0"/>
               <a:t>单击此处编辑母版文本样式</a:t>
             </a:r>
+            <a:endParaRPr lang="zh-CN" altLang="en-US" smtClean="0"/>
           </a:p>
         </p:txBody>
       </p:sp>
@@ -2346,6 +3001,7 @@
               <a:rPr lang="zh-CN" altLang="en-US" smtClean="0"/>
               <a:t>单击此处编辑母版文本样式</a:t>
             </a:r>
+            <a:endParaRPr lang="zh-CN" altLang="en-US" smtClean="0"/>
           </a:p>
         </p:txBody>
       </p:sp>
@@ -2413,6 +3069,7 @@
               <a:rPr lang="zh-CN" altLang="en-US" smtClean="0"/>
               <a:t>单击此处编辑母版文本样式</a:t>
             </a:r>
+            <a:endParaRPr lang="zh-CN" altLang="en-US" smtClean="0"/>
           </a:p>
         </p:txBody>
       </p:sp>
@@ -2504,14 +3161,18 @@
             <p:ph type="dt" sz="half" idx="10"/>
           </p:nvPr>
         </p:nvSpPr>
-        <p:spPr/>
+        <p:spPr>
+          <a:xfrm rot="5400000">
+            <a:off x="10155639" y="1790701"/>
+            <a:ext cx="990599" cy="304799"/>
+          </a:xfrm>
+        </p:spPr>
         <p:txBody>
           <a:bodyPr/>
           <a:lstStyle/>
           <a:p>
             <a:fld id="{4509A250-FF31-4206-8172-F9D3106AACB1}" type="datetimeFigureOut">
               <a:rPr lang="en-US" dirty="0"/>
-              <a:t>9/13/2016</a:t>
             </a:fld>
             <a:endParaRPr lang="en-US" dirty="0"/>
           </a:p>
@@ -2527,7 +3188,12 @@
             <p:ph type="ftr" sz="quarter" idx="11"/>
           </p:nvPr>
         </p:nvSpPr>
-        <p:spPr/>
+        <p:spPr>
+          <a:xfrm rot="5400000">
+            <a:off x="8951573" y="3225297"/>
+            <a:ext cx="3859795" cy="304801"/>
+          </a:xfrm>
+        </p:spPr>
         <p:txBody>
           <a:bodyPr/>
           <a:lstStyle/>
@@ -2546,14 +3212,18 @@
             <p:ph type="sldNum" sz="quarter" idx="12"/>
           </p:nvPr>
         </p:nvSpPr>
-        <p:spPr/>
+        <p:spPr>
+          <a:xfrm>
+            <a:off x="10352540" y="295729"/>
+            <a:ext cx="838199" cy="767687"/>
+          </a:xfrm>
+        </p:spPr>
         <p:txBody>
           <a:bodyPr/>
           <a:lstStyle/>
           <a:p>
             <a:fld id="{D57F1E4F-1CFF-5643-939E-02111984F565}" type="slidenum">
               <a:rPr lang="en-US" dirty="0"/>
-              <a:t>‹#›</a:t>
             </a:fld>
             <a:endParaRPr lang="en-US" dirty="0"/>
           </a:p>
@@ -2567,7 +3237,7 @@
 </p:sldLayout>
 </file>
 
-<file path=ppt/slideLayouts/slideLayout15.xml><?xml version="1.0" encoding="utf-8"?>
+<file path=ppt/slideLayouts/slideLayout17.xml><?xml version="1.0" encoding="utf-8"?>
 <p:sldLayout xmlns:a="http://schemas.openxmlformats.org/drawingml/2006/main" xmlns:r="http://schemas.openxmlformats.org/officeDocument/2006/relationships" xmlns:p="http://schemas.openxmlformats.org/presentationml/2006/main" preserve="1">
   <p:cSld name="3 图片栏">
     <p:spTree>
@@ -2594,7 +3264,12 @@
             <p:ph type="title"/>
           </p:nvPr>
         </p:nvSpPr>
-        <p:spPr/>
+        <p:spPr>
+          <a:xfrm>
+            <a:off x="646111" y="452718"/>
+            <a:ext cx="9404723" cy="1400530"/>
+          </a:xfrm>
+        </p:spPr>
         <p:txBody>
           <a:bodyPr/>
           <a:lstStyle>
@@ -2682,6 +3357,7 @@
               <a:rPr lang="zh-CN" altLang="en-US" smtClean="0"/>
               <a:t>单击此处编辑母版文本样式</a:t>
             </a:r>
+            <a:endParaRPr lang="zh-CN" altLang="en-US" smtClean="0"/>
           </a:p>
         </p:txBody>
       </p:sp>
@@ -2828,6 +3504,7 @@
               <a:rPr lang="zh-CN" altLang="en-US" smtClean="0"/>
               <a:t>单击此处编辑母版文本样式</a:t>
             </a:r>
+            <a:endParaRPr lang="zh-CN" altLang="en-US" smtClean="0"/>
           </a:p>
         </p:txBody>
       </p:sp>
@@ -2902,6 +3579,7 @@
               <a:rPr lang="zh-CN" altLang="en-US" smtClean="0"/>
               <a:t>单击此处编辑母版文本样式</a:t>
             </a:r>
+            <a:endParaRPr lang="zh-CN" altLang="en-US" smtClean="0"/>
           </a:p>
         </p:txBody>
       </p:sp>
@@ -3048,6 +3726,7 @@
               <a:rPr lang="zh-CN" altLang="en-US" smtClean="0"/>
               <a:t>单击此处编辑母版文本样式</a:t>
             </a:r>
+            <a:endParaRPr lang="zh-CN" altLang="en-US" smtClean="0"/>
           </a:p>
         </p:txBody>
       </p:sp>
@@ -3122,6 +3801,7 @@
               <a:rPr lang="zh-CN" altLang="en-US" smtClean="0"/>
               <a:t>单击此处编辑母版文本样式</a:t>
             </a:r>
+            <a:endParaRPr lang="zh-CN" altLang="en-US" smtClean="0"/>
           </a:p>
         </p:txBody>
       </p:sp>
@@ -3268,6 +3948,7 @@
               <a:rPr lang="zh-CN" altLang="en-US" smtClean="0"/>
               <a:t>单击此处编辑母版文本样式</a:t>
             </a:r>
+            <a:endParaRPr lang="zh-CN" altLang="en-US" smtClean="0"/>
           </a:p>
         </p:txBody>
       </p:sp>
@@ -3359,14 +4040,18 @@
             <p:ph type="dt" sz="half" idx="10"/>
           </p:nvPr>
         </p:nvSpPr>
-        <p:spPr/>
+        <p:spPr>
+          <a:xfrm rot="5400000">
+            <a:off x="10155639" y="1790701"/>
+            <a:ext cx="990599" cy="304799"/>
+          </a:xfrm>
+        </p:spPr>
         <p:txBody>
           <a:bodyPr/>
           <a:lstStyle/>
           <a:p>
             <a:fld id="{4509A250-FF31-4206-8172-F9D3106AACB1}" type="datetimeFigureOut">
               <a:rPr lang="en-US" dirty="0"/>
-              <a:t>9/13/2016</a:t>
             </a:fld>
             <a:endParaRPr lang="en-US" dirty="0"/>
           </a:p>
@@ -3382,7 +4067,12 @@
             <p:ph type="ftr" sz="quarter" idx="11"/>
           </p:nvPr>
         </p:nvSpPr>
-        <p:spPr/>
+        <p:spPr>
+          <a:xfrm rot="5400000">
+            <a:off x="8951573" y="3225297"/>
+            <a:ext cx="3859795" cy="304801"/>
+          </a:xfrm>
+        </p:spPr>
         <p:txBody>
           <a:bodyPr/>
           <a:lstStyle/>
@@ -3401,14 +4091,18 @@
             <p:ph type="sldNum" sz="quarter" idx="12"/>
           </p:nvPr>
         </p:nvSpPr>
-        <p:spPr/>
+        <p:spPr>
+          <a:xfrm>
+            <a:off x="10352540" y="295729"/>
+            <a:ext cx="838199" cy="767687"/>
+          </a:xfrm>
+        </p:spPr>
         <p:txBody>
           <a:bodyPr/>
           <a:lstStyle/>
           <a:p>
             <a:fld id="{D57F1E4F-1CFF-5643-939E-02111984F565}" type="slidenum">
               <a:rPr lang="en-US" dirty="0"/>
-              <a:t>‹#›</a:t>
             </a:fld>
             <a:endParaRPr lang="en-US" dirty="0"/>
           </a:p>
@@ -3422,7 +4116,7 @@
 </p:sldLayout>
 </file>
 
-<file path=ppt/slideLayouts/slideLayout16.xml><?xml version="1.0" encoding="utf-8"?>
+<file path=ppt/slideLayouts/slideLayout18.xml><?xml version="1.0" encoding="utf-8"?>
 <p:sldLayout xmlns:a="http://schemas.openxmlformats.org/drawingml/2006/main" xmlns:r="http://schemas.openxmlformats.org/officeDocument/2006/relationships" xmlns:p="http://schemas.openxmlformats.org/presentationml/2006/main" type="vertTx" preserve="1">
   <p:cSld name="标题和竖排文字">
     <p:spTree>
@@ -3449,7 +4143,12 @@
             <p:ph type="title"/>
           </p:nvPr>
         </p:nvSpPr>
-        <p:spPr/>
+        <p:spPr>
+          <a:xfrm>
+            <a:off x="646111" y="452718"/>
+            <a:ext cx="9404723" cy="1400530"/>
+          </a:xfrm>
+        </p:spPr>
         <p:txBody>
           <a:bodyPr/>
           <a:lstStyle/>
@@ -3472,7 +4171,12 @@
             <p:ph type="body" orient="vert" idx="1"/>
           </p:nvPr>
         </p:nvSpPr>
-        <p:spPr/>
+        <p:spPr>
+          <a:xfrm>
+            <a:off x="1103312" y="2052918"/>
+            <a:ext cx="8946541" cy="4195481"/>
+          </a:xfrm>
+        </p:spPr>
         <p:txBody>
           <a:bodyPr vert="eaVert" anchor="t" anchorCtr="0"/>
           <a:lstStyle/>
@@ -3482,6 +4186,7 @@
               <a:rPr lang="zh-CN" altLang="en-US" smtClean="0"/>
               <a:t>单击此处编辑母版文本样式</a:t>
             </a:r>
+            <a:endParaRPr lang="zh-CN" altLang="en-US" smtClean="0"/>
           </a:p>
           <a:p>
             <a:pPr lvl="1"/>
@@ -3489,6 +4194,7 @@
               <a:rPr lang="zh-CN" altLang="en-US" smtClean="0"/>
               <a:t>第二级</a:t>
             </a:r>
+            <a:endParaRPr lang="zh-CN" altLang="en-US" smtClean="0"/>
           </a:p>
           <a:p>
             <a:pPr lvl="2"/>
@@ -3496,6 +4202,7 @@
               <a:rPr lang="zh-CN" altLang="en-US" smtClean="0"/>
               <a:t>第三级</a:t>
             </a:r>
+            <a:endParaRPr lang="zh-CN" altLang="en-US" smtClean="0"/>
           </a:p>
           <a:p>
             <a:pPr lvl="3"/>
@@ -3503,6 +4210,7 @@
               <a:rPr lang="zh-CN" altLang="en-US" smtClean="0"/>
               <a:t>第四级</a:t>
             </a:r>
+            <a:endParaRPr lang="zh-CN" altLang="en-US" smtClean="0"/>
           </a:p>
           <a:p>
             <a:pPr lvl="4"/>
@@ -3524,14 +4232,18 @@
             <p:ph type="dt" sz="half" idx="10"/>
           </p:nvPr>
         </p:nvSpPr>
-        <p:spPr/>
+        <p:spPr>
+          <a:xfrm rot="5400000">
+            <a:off x="10155639" y="1790701"/>
+            <a:ext cx="990599" cy="304799"/>
+          </a:xfrm>
+        </p:spPr>
         <p:txBody>
           <a:bodyPr/>
           <a:lstStyle/>
           <a:p>
             <a:fld id="{4509A250-FF31-4206-8172-F9D3106AACB1}" type="datetimeFigureOut">
               <a:rPr lang="en-US" dirty="0"/>
-              <a:t>9/13/2016</a:t>
             </a:fld>
             <a:endParaRPr lang="en-US" dirty="0"/>
           </a:p>
@@ -3547,7 +4259,12 @@
             <p:ph type="ftr" sz="quarter" idx="11"/>
           </p:nvPr>
         </p:nvSpPr>
-        <p:spPr/>
+        <p:spPr>
+          <a:xfrm rot="5400000">
+            <a:off x="8951573" y="3225297"/>
+            <a:ext cx="3859795" cy="304801"/>
+          </a:xfrm>
+        </p:spPr>
         <p:txBody>
           <a:bodyPr/>
           <a:lstStyle/>
@@ -3566,14 +4283,18 @@
             <p:ph type="sldNum" sz="quarter" idx="12"/>
           </p:nvPr>
         </p:nvSpPr>
-        <p:spPr/>
+        <p:spPr>
+          <a:xfrm>
+            <a:off x="10352540" y="295729"/>
+            <a:ext cx="838199" cy="767687"/>
+          </a:xfrm>
+        </p:spPr>
         <p:txBody>
           <a:bodyPr/>
           <a:lstStyle/>
           <a:p>
             <a:fld id="{D57F1E4F-1CFF-5643-939E-02111984F565}" type="slidenum">
               <a:rPr lang="en-US" dirty="0"/>
-              <a:t>‹#›</a:t>
             </a:fld>
             <a:endParaRPr lang="en-US" dirty="0"/>
           </a:p>
@@ -3587,7 +4308,7 @@
 </p:sldLayout>
 </file>
 
-<file path=ppt/slideLayouts/slideLayout17.xml><?xml version="1.0" encoding="utf-8"?>
+<file path=ppt/slideLayouts/slideLayout19.xml><?xml version="1.0" encoding="utf-8"?>
 <p:sldLayout xmlns:a="http://schemas.openxmlformats.org/drawingml/2006/main" xmlns:r="http://schemas.openxmlformats.org/officeDocument/2006/relationships" xmlns:p="http://schemas.openxmlformats.org/presentationml/2006/main" type="vertTitleAndTx" preserve="1">
   <p:cSld name="垂直排列标题与&#10;文本">
     <p:spTree>
@@ -3657,6 +4378,7 @@
               <a:rPr lang="zh-CN" altLang="en-US" smtClean="0"/>
               <a:t>单击此处编辑母版文本样式</a:t>
             </a:r>
+            <a:endParaRPr lang="zh-CN" altLang="en-US" smtClean="0"/>
           </a:p>
           <a:p>
             <a:pPr lvl="1"/>
@@ -3664,6 +4386,7 @@
               <a:rPr lang="zh-CN" altLang="en-US" smtClean="0"/>
               <a:t>第二级</a:t>
             </a:r>
+            <a:endParaRPr lang="zh-CN" altLang="en-US" smtClean="0"/>
           </a:p>
           <a:p>
             <a:pPr lvl="2"/>
@@ -3671,6 +4394,7 @@
               <a:rPr lang="zh-CN" altLang="en-US" smtClean="0"/>
               <a:t>第三级</a:t>
             </a:r>
+            <a:endParaRPr lang="zh-CN" altLang="en-US" smtClean="0"/>
           </a:p>
           <a:p>
             <a:pPr lvl="3"/>
@@ -3678,6 +4402,7 @@
               <a:rPr lang="zh-CN" altLang="en-US" smtClean="0"/>
               <a:t>第四级</a:t>
             </a:r>
+            <a:endParaRPr lang="zh-CN" altLang="en-US" smtClean="0"/>
           </a:p>
           <a:p>
             <a:pPr lvl="4"/>
@@ -3699,14 +4424,18 @@
             <p:ph type="dt" sz="half" idx="10"/>
           </p:nvPr>
         </p:nvSpPr>
-        <p:spPr/>
+        <p:spPr>
+          <a:xfrm rot="5400000">
+            <a:off x="10155639" y="1790701"/>
+            <a:ext cx="990599" cy="304799"/>
+          </a:xfrm>
+        </p:spPr>
         <p:txBody>
           <a:bodyPr/>
           <a:lstStyle/>
           <a:p>
             <a:fld id="{4509A250-FF31-4206-8172-F9D3106AACB1}" type="datetimeFigureOut">
               <a:rPr lang="en-US" dirty="0"/>
-              <a:t>9/13/2016</a:t>
             </a:fld>
             <a:endParaRPr lang="en-US" dirty="0"/>
           </a:p>
@@ -3722,7 +4451,12 @@
             <p:ph type="ftr" sz="quarter" idx="11"/>
           </p:nvPr>
         </p:nvSpPr>
-        <p:spPr/>
+        <p:spPr>
+          <a:xfrm rot="5400000">
+            <a:off x="8951573" y="3225297"/>
+            <a:ext cx="3859795" cy="304801"/>
+          </a:xfrm>
+        </p:spPr>
         <p:txBody>
           <a:bodyPr/>
           <a:lstStyle/>
@@ -3741,14 +4475,18 @@
             <p:ph type="sldNum" sz="quarter" idx="12"/>
           </p:nvPr>
         </p:nvSpPr>
-        <p:spPr/>
+        <p:spPr>
+          <a:xfrm>
+            <a:off x="10352540" y="295729"/>
+            <a:ext cx="838199" cy="767687"/>
+          </a:xfrm>
+        </p:spPr>
         <p:txBody>
           <a:bodyPr/>
           <a:lstStyle/>
           <a:p>
             <a:fld id="{D57F1E4F-1CFF-5643-939E-02111984F565}" type="slidenum">
               <a:rPr lang="en-US" dirty="0"/>
-              <a:t>‹#›</a:t>
             </a:fld>
             <a:endParaRPr lang="en-US" dirty="0"/>
           </a:p>
@@ -3841,6 +4579,36 @@
           </a:p>
         </p:txBody>
       </p:sp>
+      <p:sp>
+        <p:nvSpPr>
+          <p:cNvPr id="2" name="文本框 1"/>
+          <p:cNvSpPr txBox="1"/>
+          <p:nvPr userDrawn="1"/>
+        </p:nvSpPr>
+        <p:spPr>
+          <a:xfrm>
+            <a:off x="1457960" y="892810"/>
+            <a:ext cx="5478780" cy="502920"/>
+          </a:xfrm>
+          <a:prstGeom prst="rect">
+            <a:avLst/>
+          </a:prstGeom>
+          <a:noFill/>
+        </p:spPr>
+        <p:txBody>
+          <a:bodyPr wrap="square" rtlCol="0">
+            <a:spAutoFit/>
+          </a:bodyPr>
+          <a:p>
+            <a:pPr>
+              <a:lnSpc>
+                <a:spcPct val="150000"/>
+              </a:lnSpc>
+            </a:pPr>
+            <a:endParaRPr lang="en-US" altLang="zh-CN" dirty="0" smtClean="0"/>
+          </a:p>
+        </p:txBody>
+      </p:sp>
     </p:spTree>
   </p:cSld>
   <p:clrMapOvr>
@@ -3850,6 +4618,248 @@
 </file>
 
 <file path=ppt/slideLayouts/slideLayout3.xml><?xml version="1.0" encoding="utf-8"?>
+<p:sldLayout xmlns:a="http://schemas.openxmlformats.org/drawingml/2006/main" xmlns:r="http://schemas.openxmlformats.org/officeDocument/2006/relationships" xmlns:p="http://schemas.openxmlformats.org/presentationml/2006/main" preserve="1" userDrawn="1">
+  <p:cSld name="1_自定义版式">
+    <p:spTree>
+      <p:nvGrpSpPr>
+        <p:cNvPr id="1" name=""/>
+        <p:cNvGrpSpPr/>
+        <p:nvPr/>
+      </p:nvGrpSpPr>
+      <p:grpSpPr>
+        <a:xfrm>
+          <a:off x="0" y="0"/>
+          <a:ext cx="0" cy="0"/>
+          <a:chOff x="0" y="0"/>
+          <a:chExt cx="0" cy="0"/>
+        </a:xfrm>
+      </p:grpSpPr>
+      <p:sp>
+        <p:nvSpPr>
+          <p:cNvPr id="2" name="标题 1"/>
+          <p:cNvSpPr>
+            <a:spLocks noGrp="1"/>
+          </p:cNvSpPr>
+          <p:nvPr>
+            <p:ph type="title"/>
+          </p:nvPr>
+        </p:nvSpPr>
+        <p:spPr>
+          <a:xfrm>
+            <a:off x="838200" y="365125"/>
+            <a:ext cx="10515600" cy="1325563"/>
+          </a:xfrm>
+        </p:spPr>
+        <p:txBody>
+          <a:bodyPr/>
+          <a:lstStyle/>
+          <a:p>
+            <a:r>
+              <a:rPr lang="zh-CN" altLang="en-US" smtClean="0"/>
+              <a:t>单击此处编辑母版标题样式</a:t>
+            </a:r>
+            <a:endParaRPr lang="zh-CN" altLang="en-US"/>
+          </a:p>
+        </p:txBody>
+      </p:sp>
+      <p:sp>
+        <p:nvSpPr>
+          <p:cNvPr id="3" name="日期占位符 2"/>
+          <p:cNvSpPr>
+            <a:spLocks noGrp="1"/>
+          </p:cNvSpPr>
+          <p:nvPr>
+            <p:ph type="dt" sz="half" idx="10"/>
+          </p:nvPr>
+        </p:nvSpPr>
+        <p:spPr>
+          <a:xfrm>
+            <a:off x="838200" y="6356350"/>
+            <a:ext cx="2743200" cy="365125"/>
+          </a:xfrm>
+        </p:spPr>
+        <p:txBody>
+          <a:bodyPr/>
+          <a:lstStyle/>
+          <a:p>
+            <a:fld id="{263DB197-84B0-484E-9C0F-88358ECCB797}" type="datetimeFigureOut">
+              <a:rPr lang="zh-CN" altLang="en-US" smtClean="0"/>
+            </a:fld>
+            <a:endParaRPr lang="zh-CN" altLang="en-US"/>
+          </a:p>
+        </p:txBody>
+      </p:sp>
+      <p:sp>
+        <p:nvSpPr>
+          <p:cNvPr id="4" name="页脚占位符 3"/>
+          <p:cNvSpPr>
+            <a:spLocks noGrp="1"/>
+          </p:cNvSpPr>
+          <p:nvPr>
+            <p:ph type="ftr" sz="quarter" idx="11"/>
+          </p:nvPr>
+        </p:nvSpPr>
+        <p:spPr>
+          <a:xfrm>
+            <a:off x="4038600" y="6356350"/>
+            <a:ext cx="4114800" cy="365125"/>
+          </a:xfrm>
+        </p:spPr>
+        <p:txBody>
+          <a:bodyPr/>
+          <a:lstStyle/>
+          <a:p>
+            <a:endParaRPr lang="zh-CN" altLang="en-US"/>
+          </a:p>
+        </p:txBody>
+      </p:sp>
+      <p:sp>
+        <p:nvSpPr>
+          <p:cNvPr id="5" name="灯片编号占位符 4"/>
+          <p:cNvSpPr>
+            <a:spLocks noGrp="1"/>
+          </p:cNvSpPr>
+          <p:nvPr>
+            <p:ph type="sldNum" sz="quarter" idx="12"/>
+          </p:nvPr>
+        </p:nvSpPr>
+        <p:spPr>
+          <a:xfrm>
+            <a:off x="8610600" y="6356350"/>
+            <a:ext cx="2743200" cy="365125"/>
+          </a:xfrm>
+        </p:spPr>
+        <p:txBody>
+          <a:bodyPr/>
+          <a:lstStyle/>
+          <a:p>
+            <a:fld id="{E077DA78-E013-4A8C-AD75-63A150561B10}" type="slidenum">
+              <a:rPr lang="zh-CN" altLang="en-US" smtClean="0"/>
+            </a:fld>
+            <a:endParaRPr lang="zh-CN" altLang="en-US"/>
+          </a:p>
+        </p:txBody>
+      </p:sp>
+    </p:spTree>
+  </p:cSld>
+  <p:clrMapOvr>
+    <a:masterClrMapping/>
+  </p:clrMapOvr>
+</p:sldLayout>
+</file>
+
+<file path=ppt/slideLayouts/slideLayout4.xml><?xml version="1.0" encoding="utf-8"?>
+<p:sldLayout xmlns:a="http://schemas.openxmlformats.org/drawingml/2006/main" xmlns:r="http://schemas.openxmlformats.org/officeDocument/2006/relationships" xmlns:p="http://schemas.openxmlformats.org/presentationml/2006/main" preserve="1" userDrawn="1">
+  <p:cSld name="自定义版式">
+    <p:spTree>
+      <p:nvGrpSpPr>
+        <p:cNvPr id="1" name=""/>
+        <p:cNvGrpSpPr/>
+        <p:nvPr/>
+      </p:nvGrpSpPr>
+      <p:grpSpPr>
+        <a:xfrm>
+          <a:off x="0" y="0"/>
+          <a:ext cx="0" cy="0"/>
+          <a:chOff x="0" y="0"/>
+          <a:chExt cx="0" cy="0"/>
+        </a:xfrm>
+      </p:grpSpPr>
+      <p:pic>
+        <p:nvPicPr>
+          <p:cNvPr id="6" name="图片 5"/>
+          <p:cNvPicPr>
+            <a:picLocks noChangeAspect="1"/>
+          </p:cNvPicPr>
+          <p:nvPr userDrawn="1"/>
+        </p:nvPicPr>
+        <p:blipFill>
+          <a:blip r:embed="rId2"/>
+          <a:stretch>
+            <a:fillRect/>
+          </a:stretch>
+        </p:blipFill>
+        <p:spPr>
+          <a:xfrm>
+            <a:off x="1721485" y="1639570"/>
+            <a:ext cx="8023225" cy="4513580"/>
+          </a:xfrm>
+          <a:prstGeom prst="rect">
+            <a:avLst/>
+          </a:prstGeom>
+        </p:spPr>
+      </p:pic>
+      <p:sp>
+        <p:nvSpPr>
+          <p:cNvPr id="7" name="文本框 6"/>
+          <p:cNvSpPr txBox="1"/>
+          <p:nvPr userDrawn="1"/>
+        </p:nvSpPr>
+        <p:spPr>
+          <a:xfrm>
+            <a:off x="908685" y="885190"/>
+            <a:ext cx="6722110" cy="502920"/>
+          </a:xfrm>
+          <a:prstGeom prst="rect">
+            <a:avLst/>
+          </a:prstGeom>
+          <a:noFill/>
+        </p:spPr>
+        <p:txBody>
+          <a:bodyPr wrap="none" rtlCol="0">
+            <a:spAutoFit/>
+          </a:bodyPr>
+          <a:p>
+            <a:pPr>
+              <a:lnSpc>
+                <a:spcPct val="150000"/>
+              </a:lnSpc>
+            </a:pPr>
+            <a:r>
+              <a:rPr lang="en-US" altLang="zh-CN" dirty="0" smtClean="0"/>
+              <a:t>Step1.</a:t>
+            </a:r>
+            <a:r>
+              <a:rPr lang="zh-CN" altLang="en-US" dirty="0" smtClean="0"/>
+              <a:t>点击</a:t>
+            </a:r>
+            <a:r>
+              <a:rPr lang="en-US" altLang="zh-CN" dirty="0" smtClean="0"/>
+              <a:t>“</a:t>
+            </a:r>
+            <a:r>
+              <a:rPr lang="zh-CN" altLang="en-US" dirty="0" smtClean="0"/>
+              <a:t>打开</a:t>
+            </a:r>
+            <a:r>
+              <a:rPr lang="en-US" altLang="zh-CN" dirty="0" smtClean="0"/>
+              <a:t>”</a:t>
+            </a:r>
+            <a:r>
+              <a:rPr lang="zh-CN" altLang="en-US" dirty="0" smtClean="0"/>
+              <a:t>按钮弹框选择文件打开（</a:t>
+            </a:r>
+            <a:r>
+              <a:rPr lang="en-US" altLang="zh-CN" dirty="0" smtClean="0"/>
+              <a:t>288</a:t>
+            </a:r>
+            <a:r>
+              <a:rPr lang="zh-CN" altLang="en-US" dirty="0" smtClean="0"/>
+              <a:t>包长格式文件）</a:t>
+            </a:r>
+            <a:endParaRPr lang="zh-CN" altLang="en-US" dirty="0" smtClean="0"/>
+          </a:p>
+        </p:txBody>
+      </p:sp>
+    </p:spTree>
+  </p:cSld>
+  <p:clrMapOvr>
+    <a:masterClrMapping/>
+  </p:clrMapOvr>
+</p:sldLayout>
+</file>
+
+<file path=ppt/slideLayouts/slideLayout5.xml><?xml version="1.0" encoding="utf-8"?>
 <p:sldLayout xmlns:a="http://schemas.openxmlformats.org/drawingml/2006/main" xmlns:r="http://schemas.openxmlformats.org/officeDocument/2006/relationships" xmlns:p="http://schemas.openxmlformats.org/presentationml/2006/main" type="secHead" preserve="1">
   <p:cSld name="节标题">
     <p:spTree>
@@ -4015,6 +5025,7 @@
               <a:rPr lang="zh-CN" altLang="en-US" smtClean="0"/>
               <a:t>单击此处编辑母版文本样式</a:t>
             </a:r>
+            <a:endParaRPr lang="zh-CN" altLang="en-US" smtClean="0"/>
           </a:p>
         </p:txBody>
       </p:sp>
@@ -4028,14 +5039,18 @@
             <p:ph type="dt" sz="half" idx="10"/>
           </p:nvPr>
         </p:nvSpPr>
-        <p:spPr/>
+        <p:spPr>
+          <a:xfrm rot="5400000">
+            <a:off x="10155639" y="1790701"/>
+            <a:ext cx="990599" cy="304799"/>
+          </a:xfrm>
+        </p:spPr>
         <p:txBody>
           <a:bodyPr/>
           <a:lstStyle/>
           <a:p>
             <a:fld id="{9796027F-7875-4030-9381-8BD8C4F21935}" type="datetimeFigureOut">
               <a:rPr lang="en-US" dirty="0"/>
-              <a:t>9/13/2016</a:t>
             </a:fld>
             <a:endParaRPr lang="en-US" dirty="0"/>
           </a:p>
@@ -4051,7 +5066,12 @@
             <p:ph type="ftr" sz="quarter" idx="11"/>
           </p:nvPr>
         </p:nvSpPr>
-        <p:spPr/>
+        <p:spPr>
+          <a:xfrm rot="5400000">
+            <a:off x="8951573" y="3225297"/>
+            <a:ext cx="3859795" cy="304801"/>
+          </a:xfrm>
+        </p:spPr>
         <p:txBody>
           <a:bodyPr/>
           <a:lstStyle/>
@@ -4070,14 +5090,18 @@
             <p:ph type="sldNum" sz="quarter" idx="12"/>
           </p:nvPr>
         </p:nvSpPr>
-        <p:spPr/>
+        <p:spPr>
+          <a:xfrm>
+            <a:off x="10352540" y="295729"/>
+            <a:ext cx="838199" cy="767687"/>
+          </a:xfrm>
+        </p:spPr>
         <p:txBody>
           <a:bodyPr/>
           <a:lstStyle/>
           <a:p>
             <a:fld id="{D57F1E4F-1CFF-5643-939E-02111984F565}" type="slidenum">
               <a:rPr lang="en-US" dirty="0"/>
-              <a:t>‹#›</a:t>
             </a:fld>
             <a:endParaRPr lang="en-US" dirty="0"/>
           </a:p>
@@ -4091,7 +5115,7 @@
 </p:sldLayout>
 </file>
 
-<file path=ppt/slideLayouts/slideLayout4.xml><?xml version="1.0" encoding="utf-8"?>
+<file path=ppt/slideLayouts/slideLayout6.xml><?xml version="1.0" encoding="utf-8"?>
 <p:sldLayout xmlns:a="http://schemas.openxmlformats.org/drawingml/2006/main" xmlns:r="http://schemas.openxmlformats.org/officeDocument/2006/relationships" xmlns:p="http://schemas.openxmlformats.org/presentationml/2006/main" type="twoObj" preserve="1">
   <p:cSld name="两栏内容">
     <p:spTree>
@@ -4118,7 +5142,12 @@
             <p:ph type="title"/>
           </p:nvPr>
         </p:nvSpPr>
-        <p:spPr/>
+        <p:spPr>
+          <a:xfrm>
+            <a:off x="646111" y="452718"/>
+            <a:ext cx="9404723" cy="1400530"/>
+          </a:xfrm>
+        </p:spPr>
         <p:txBody>
           <a:bodyPr/>
           <a:lstStyle/>
@@ -4186,6 +5215,7 @@
               <a:rPr lang="zh-CN" altLang="en-US" smtClean="0"/>
               <a:t>单击此处编辑母版文本样式</a:t>
             </a:r>
+            <a:endParaRPr lang="zh-CN" altLang="en-US" smtClean="0"/>
           </a:p>
           <a:p>
             <a:pPr lvl="1"/>
@@ -4193,6 +5223,7 @@
               <a:rPr lang="zh-CN" altLang="en-US" smtClean="0"/>
               <a:t>第二级</a:t>
             </a:r>
+            <a:endParaRPr lang="zh-CN" altLang="en-US" smtClean="0"/>
           </a:p>
           <a:p>
             <a:pPr lvl="2"/>
@@ -4200,6 +5231,7 @@
               <a:rPr lang="zh-CN" altLang="en-US" smtClean="0"/>
               <a:t>第三级</a:t>
             </a:r>
+            <a:endParaRPr lang="zh-CN" altLang="en-US" smtClean="0"/>
           </a:p>
           <a:p>
             <a:pPr lvl="3"/>
@@ -4207,6 +5239,7 @@
               <a:rPr lang="zh-CN" altLang="en-US" smtClean="0"/>
               <a:t>第四级</a:t>
             </a:r>
+            <a:endParaRPr lang="zh-CN" altLang="en-US" smtClean="0"/>
           </a:p>
           <a:p>
             <a:pPr lvl="4"/>
@@ -4273,6 +5306,7 @@
               <a:rPr lang="zh-CN" altLang="en-US" smtClean="0"/>
               <a:t>单击此处编辑母版文本样式</a:t>
             </a:r>
+            <a:endParaRPr lang="zh-CN" altLang="en-US" smtClean="0"/>
           </a:p>
           <a:p>
             <a:pPr lvl="1"/>
@@ -4280,6 +5314,7 @@
               <a:rPr lang="zh-CN" altLang="en-US" smtClean="0"/>
               <a:t>第二级</a:t>
             </a:r>
+            <a:endParaRPr lang="zh-CN" altLang="en-US" smtClean="0"/>
           </a:p>
           <a:p>
             <a:pPr lvl="2"/>
@@ -4287,6 +5322,7 @@
               <a:rPr lang="zh-CN" altLang="en-US" smtClean="0"/>
               <a:t>第三级</a:t>
             </a:r>
+            <a:endParaRPr lang="zh-CN" altLang="en-US" smtClean="0"/>
           </a:p>
           <a:p>
             <a:pPr lvl="3"/>
@@ -4294,6 +5330,7 @@
               <a:rPr lang="zh-CN" altLang="en-US" smtClean="0"/>
               <a:t>第四级</a:t>
             </a:r>
+            <a:endParaRPr lang="zh-CN" altLang="en-US" smtClean="0"/>
           </a:p>
           <a:p>
             <a:pPr lvl="4"/>
@@ -4315,14 +5352,18 @@
             <p:ph type="dt" sz="half" idx="10"/>
           </p:nvPr>
         </p:nvSpPr>
-        <p:spPr/>
+        <p:spPr>
+          <a:xfrm rot="5400000">
+            <a:off x="10155639" y="1790701"/>
+            <a:ext cx="990599" cy="304799"/>
+          </a:xfrm>
+        </p:spPr>
         <p:txBody>
           <a:bodyPr/>
           <a:lstStyle/>
           <a:p>
             <a:fld id="{9796027F-7875-4030-9381-8BD8C4F21935}" type="datetimeFigureOut">
               <a:rPr lang="en-US" dirty="0"/>
-              <a:t>9/13/2016</a:t>
             </a:fld>
             <a:endParaRPr lang="en-US" dirty="0"/>
           </a:p>
@@ -4338,7 +5379,12 @@
             <p:ph type="ftr" sz="quarter" idx="11"/>
           </p:nvPr>
         </p:nvSpPr>
-        <p:spPr/>
+        <p:spPr>
+          <a:xfrm rot="5400000">
+            <a:off x="8951573" y="3225297"/>
+            <a:ext cx="3859795" cy="304801"/>
+          </a:xfrm>
+        </p:spPr>
         <p:txBody>
           <a:bodyPr/>
           <a:lstStyle/>
@@ -4357,14 +5403,18 @@
             <p:ph type="sldNum" sz="quarter" idx="12"/>
           </p:nvPr>
         </p:nvSpPr>
-        <p:spPr/>
+        <p:spPr>
+          <a:xfrm>
+            <a:off x="10352540" y="295729"/>
+            <a:ext cx="838199" cy="767687"/>
+          </a:xfrm>
+        </p:spPr>
         <p:txBody>
           <a:bodyPr/>
           <a:lstStyle/>
           <a:p>
             <a:fld id="{D57F1E4F-1CFF-5643-939E-02111984F565}" type="slidenum">
               <a:rPr lang="en-US" dirty="0"/>
-              <a:t>‹#›</a:t>
             </a:fld>
             <a:endParaRPr lang="en-US" dirty="0"/>
           </a:p>
@@ -4378,7 +5428,7 @@
 </p:sldLayout>
 </file>
 
-<file path=ppt/slideLayouts/slideLayout5.xml><?xml version="1.0" encoding="utf-8"?>
+<file path=ppt/slideLayouts/slideLayout7.xml><?xml version="1.0" encoding="utf-8"?>
 <p:sldLayout xmlns:a="http://schemas.openxmlformats.org/drawingml/2006/main" xmlns:r="http://schemas.openxmlformats.org/officeDocument/2006/relationships" xmlns:p="http://schemas.openxmlformats.org/presentationml/2006/main" type="twoTxTwoObj" preserve="1">
   <p:cSld name="比较">
     <p:spTree>
@@ -4405,7 +5455,12 @@
             <p:ph type="title"/>
           </p:nvPr>
         </p:nvSpPr>
-        <p:spPr/>
+        <p:spPr>
+          <a:xfrm>
+            <a:off x="646111" y="452718"/>
+            <a:ext cx="9404723" cy="1400530"/>
+          </a:xfrm>
+        </p:spPr>
         <p:txBody>
           <a:bodyPr/>
           <a:lstStyle>
@@ -4493,6 +5548,7 @@
               <a:rPr lang="zh-CN" altLang="en-US" smtClean="0"/>
               <a:t>单击此处编辑母版文本样式</a:t>
             </a:r>
+            <a:endParaRPr lang="zh-CN" altLang="en-US" smtClean="0"/>
           </a:p>
         </p:txBody>
       </p:sp>
@@ -4551,6 +5607,7 @@
               <a:rPr lang="zh-CN" altLang="en-US" smtClean="0"/>
               <a:t>单击此处编辑母版文本样式</a:t>
             </a:r>
+            <a:endParaRPr lang="zh-CN" altLang="en-US" smtClean="0"/>
           </a:p>
           <a:p>
             <a:pPr lvl="1"/>
@@ -4558,6 +5615,7 @@
               <a:rPr lang="zh-CN" altLang="en-US" smtClean="0"/>
               <a:t>第二级</a:t>
             </a:r>
+            <a:endParaRPr lang="zh-CN" altLang="en-US" smtClean="0"/>
           </a:p>
           <a:p>
             <a:pPr lvl="2"/>
@@ -4565,6 +5623,7 @@
               <a:rPr lang="zh-CN" altLang="en-US" smtClean="0"/>
               <a:t>第三级</a:t>
             </a:r>
+            <a:endParaRPr lang="zh-CN" altLang="en-US" smtClean="0"/>
           </a:p>
           <a:p>
             <a:pPr lvl="3"/>
@@ -4572,6 +5631,7 @@
               <a:rPr lang="zh-CN" altLang="en-US" smtClean="0"/>
               <a:t>第四级</a:t>
             </a:r>
+            <a:endParaRPr lang="zh-CN" altLang="en-US" smtClean="0"/>
           </a:p>
           <a:p>
             <a:pPr lvl="4"/>
@@ -4654,6 +5714,7 @@
               <a:rPr lang="zh-CN" altLang="en-US" smtClean="0"/>
               <a:t>单击此处编辑母版文本样式</a:t>
             </a:r>
+            <a:endParaRPr lang="zh-CN" altLang="en-US" smtClean="0"/>
           </a:p>
         </p:txBody>
       </p:sp>
@@ -4712,6 +5773,7 @@
               <a:rPr lang="zh-CN" altLang="en-US" smtClean="0"/>
               <a:t>单击此处编辑母版文本样式</a:t>
             </a:r>
+            <a:endParaRPr lang="zh-CN" altLang="en-US" smtClean="0"/>
           </a:p>
           <a:p>
             <a:pPr lvl="1"/>
@@ -4719,6 +5781,7 @@
               <a:rPr lang="zh-CN" altLang="en-US" smtClean="0"/>
               <a:t>第二级</a:t>
             </a:r>
+            <a:endParaRPr lang="zh-CN" altLang="en-US" smtClean="0"/>
           </a:p>
           <a:p>
             <a:pPr lvl="2"/>
@@ -4726,6 +5789,7 @@
               <a:rPr lang="zh-CN" altLang="en-US" smtClean="0"/>
               <a:t>第三级</a:t>
             </a:r>
+            <a:endParaRPr lang="zh-CN" altLang="en-US" smtClean="0"/>
           </a:p>
           <a:p>
             <a:pPr lvl="3"/>
@@ -4733,6 +5797,7 @@
               <a:rPr lang="zh-CN" altLang="en-US" smtClean="0"/>
               <a:t>第四级</a:t>
             </a:r>
+            <a:endParaRPr lang="zh-CN" altLang="en-US" smtClean="0"/>
           </a:p>
           <a:p>
             <a:pPr lvl="4"/>
@@ -4754,14 +5819,18 @@
             <p:ph type="dt" sz="half" idx="10"/>
           </p:nvPr>
         </p:nvSpPr>
-        <p:spPr/>
+        <p:spPr>
+          <a:xfrm rot="5400000">
+            <a:off x="10155639" y="1790701"/>
+            <a:ext cx="990599" cy="304799"/>
+          </a:xfrm>
+        </p:spPr>
         <p:txBody>
           <a:bodyPr/>
           <a:lstStyle/>
           <a:p>
             <a:fld id="{9796027F-7875-4030-9381-8BD8C4F21935}" type="datetimeFigureOut">
               <a:rPr lang="en-US" dirty="0"/>
-              <a:t>9/13/2016</a:t>
             </a:fld>
             <a:endParaRPr lang="en-US" dirty="0"/>
           </a:p>
@@ -4777,7 +5846,12 @@
             <p:ph type="ftr" sz="quarter" idx="11"/>
           </p:nvPr>
         </p:nvSpPr>
-        <p:spPr/>
+        <p:spPr>
+          <a:xfrm rot="5400000">
+            <a:off x="8951573" y="3225297"/>
+            <a:ext cx="3859795" cy="304801"/>
+          </a:xfrm>
+        </p:spPr>
         <p:txBody>
           <a:bodyPr/>
           <a:lstStyle/>
@@ -4796,14 +5870,18 @@
             <p:ph type="sldNum" sz="quarter" idx="12"/>
           </p:nvPr>
         </p:nvSpPr>
-        <p:spPr/>
+        <p:spPr>
+          <a:xfrm>
+            <a:off x="10352540" y="295729"/>
+            <a:ext cx="838199" cy="767687"/>
+          </a:xfrm>
+        </p:spPr>
         <p:txBody>
           <a:bodyPr/>
           <a:lstStyle/>
           <a:p>
             <a:fld id="{D57F1E4F-1CFF-5643-939E-02111984F565}" type="slidenum">
               <a:rPr lang="en-US" dirty="0"/>
-              <a:t>‹#›</a:t>
             </a:fld>
             <a:endParaRPr lang="en-US" dirty="0"/>
           </a:p>
@@ -4817,7 +5895,7 @@
 </p:sldLayout>
 </file>
 
-<file path=ppt/slideLayouts/slideLayout6.xml><?xml version="1.0" encoding="utf-8"?>
+<file path=ppt/slideLayouts/slideLayout8.xml><?xml version="1.0" encoding="utf-8"?>
 <p:sldLayout xmlns:a="http://schemas.openxmlformats.org/drawingml/2006/main" xmlns:r="http://schemas.openxmlformats.org/officeDocument/2006/relationships" xmlns:p="http://schemas.openxmlformats.org/presentationml/2006/main" type="titleOnly" preserve="1">
   <p:cSld name="仅标题">
     <p:spTree>
@@ -4844,7 +5922,12 @@
             <p:ph type="title"/>
           </p:nvPr>
         </p:nvSpPr>
-        <p:spPr/>
+        <p:spPr>
+          <a:xfrm>
+            <a:off x="646111" y="452718"/>
+            <a:ext cx="9404723" cy="1400530"/>
+          </a:xfrm>
+        </p:spPr>
         <p:txBody>
           <a:bodyPr/>
           <a:lstStyle/>
@@ -4867,14 +5950,18 @@
             <p:ph type="dt" sz="half" idx="10"/>
           </p:nvPr>
         </p:nvSpPr>
-        <p:spPr/>
+        <p:spPr>
+          <a:xfrm rot="5400000">
+            <a:off x="10155639" y="1790701"/>
+            <a:ext cx="990599" cy="304799"/>
+          </a:xfrm>
+        </p:spPr>
         <p:txBody>
           <a:bodyPr/>
           <a:lstStyle/>
           <a:p>
             <a:fld id="{4509A250-FF31-4206-8172-F9D3106AACB1}" type="datetimeFigureOut">
               <a:rPr lang="en-US" dirty="0"/>
-              <a:t>9/13/2016</a:t>
             </a:fld>
             <a:endParaRPr lang="en-US" dirty="0"/>
           </a:p>
@@ -4890,7 +5977,12 @@
             <p:ph type="ftr" sz="quarter" idx="11"/>
           </p:nvPr>
         </p:nvSpPr>
-        <p:spPr/>
+        <p:spPr>
+          <a:xfrm rot="5400000">
+            <a:off x="8951573" y="3225297"/>
+            <a:ext cx="3859795" cy="304801"/>
+          </a:xfrm>
+        </p:spPr>
         <p:txBody>
           <a:bodyPr/>
           <a:lstStyle/>
@@ -4909,14 +6001,18 @@
             <p:ph type="sldNum" sz="quarter" idx="12"/>
           </p:nvPr>
         </p:nvSpPr>
-        <p:spPr/>
+        <p:spPr>
+          <a:xfrm>
+            <a:off x="10352540" y="295729"/>
+            <a:ext cx="838199" cy="767687"/>
+          </a:xfrm>
+        </p:spPr>
         <p:txBody>
           <a:bodyPr/>
           <a:lstStyle/>
           <a:p>
             <a:fld id="{D57F1E4F-1CFF-5643-939E-02111984F565}" type="slidenum">
               <a:rPr lang="en-US" dirty="0"/>
-              <a:t>‹#›</a:t>
             </a:fld>
             <a:endParaRPr lang="en-US" dirty="0"/>
           </a:p>
@@ -4930,7 +6026,7 @@
 </p:sldLayout>
 </file>
 
-<file path=ppt/slideLayouts/slideLayout7.xml><?xml version="1.0" encoding="utf-8"?>
+<file path=ppt/slideLayouts/slideLayout9.xml><?xml version="1.0" encoding="utf-8"?>
 <p:sldLayout xmlns:a="http://schemas.openxmlformats.org/drawingml/2006/main" xmlns:r="http://schemas.openxmlformats.org/officeDocument/2006/relationships" xmlns:p="http://schemas.openxmlformats.org/presentationml/2006/main" type="blank" preserve="1">
   <p:cSld name="空白">
     <p:spTree>
@@ -4957,14 +6053,18 @@
             <p:ph type="dt" sz="half" idx="10"/>
           </p:nvPr>
         </p:nvSpPr>
-        <p:spPr/>
+        <p:spPr>
+          <a:xfrm rot="5400000">
+            <a:off x="10155639" y="1790701"/>
+            <a:ext cx="990599" cy="304799"/>
+          </a:xfrm>
+        </p:spPr>
         <p:txBody>
           <a:bodyPr/>
           <a:lstStyle/>
           <a:p>
             <a:fld id="{4509A250-FF31-4206-8172-F9D3106AACB1}" type="datetimeFigureOut">
               <a:rPr lang="en-US" dirty="0"/>
-              <a:t>9/13/2016</a:t>
             </a:fld>
             <a:endParaRPr lang="en-US" dirty="0"/>
           </a:p>
@@ -4980,7 +6080,12 @@
             <p:ph type="ftr" sz="quarter" idx="11"/>
           </p:nvPr>
         </p:nvSpPr>
-        <p:spPr/>
+        <p:spPr>
+          <a:xfrm rot="5400000">
+            <a:off x="8951573" y="3225297"/>
+            <a:ext cx="3859795" cy="304801"/>
+          </a:xfrm>
+        </p:spPr>
         <p:txBody>
           <a:bodyPr/>
           <a:lstStyle/>
@@ -4999,558 +6104,18 @@
             <p:ph type="sldNum" sz="quarter" idx="12"/>
           </p:nvPr>
         </p:nvSpPr>
-        <p:spPr/>
+        <p:spPr>
+          <a:xfrm>
+            <a:off x="10352540" y="295729"/>
+            <a:ext cx="838199" cy="767687"/>
+          </a:xfrm>
+        </p:spPr>
         <p:txBody>
           <a:bodyPr/>
           <a:lstStyle/>
           <a:p>
             <a:fld id="{D57F1E4F-1CFF-5643-939E-02111984F565}" type="slidenum">
               <a:rPr lang="en-US" dirty="0"/>
-              <a:t>‹#›</a:t>
-            </a:fld>
-            <a:endParaRPr lang="en-US" dirty="0"/>
-          </a:p>
-        </p:txBody>
-      </p:sp>
-    </p:spTree>
-  </p:cSld>
-  <p:clrMapOvr>
-    <a:masterClrMapping/>
-  </p:clrMapOvr>
-</p:sldLayout>
-</file>
-
-<file path=ppt/slideLayouts/slideLayout8.xml><?xml version="1.0" encoding="utf-8"?>
-<p:sldLayout xmlns:a="http://schemas.openxmlformats.org/drawingml/2006/main" xmlns:r="http://schemas.openxmlformats.org/officeDocument/2006/relationships" xmlns:p="http://schemas.openxmlformats.org/presentationml/2006/main" type="objTx" preserve="1">
-  <p:cSld name="内容与标题">
-    <p:spTree>
-      <p:nvGrpSpPr>
-        <p:cNvPr id="1" name=""/>
-        <p:cNvGrpSpPr/>
-        <p:nvPr/>
-      </p:nvGrpSpPr>
-      <p:grpSpPr>
-        <a:xfrm>
-          <a:off x="0" y="0"/>
-          <a:ext cx="0" cy="0"/>
-          <a:chOff x="0" y="0"/>
-          <a:chExt cx="0" cy="0"/>
-        </a:xfrm>
-      </p:grpSpPr>
-      <p:sp>
-        <p:nvSpPr>
-          <p:cNvPr id="2" name="Title 1"/>
-          <p:cNvSpPr>
-            <a:spLocks noGrp="1"/>
-          </p:cNvSpPr>
-          <p:nvPr>
-            <p:ph type="title"/>
-          </p:nvPr>
-        </p:nvSpPr>
-        <p:spPr>
-          <a:xfrm>
-            <a:off x="1154953" y="1447800"/>
-            <a:ext cx="3401064" cy="1447800"/>
-          </a:xfrm>
-        </p:spPr>
-        <p:txBody>
-          <a:bodyPr anchor="b"/>
-          <a:lstStyle>
-            <a:lvl1pPr algn="l">
-              <a:defRPr sz="2400" b="0"/>
-            </a:lvl1pPr>
-          </a:lstStyle>
-          <a:p>
-            <a:r>
-              <a:rPr lang="zh-CN" altLang="en-US" smtClean="0"/>
-              <a:t>单击此处编辑母版标题样式</a:t>
-            </a:r>
-            <a:endParaRPr lang="en-US" dirty="0"/>
-          </a:p>
-        </p:txBody>
-      </p:sp>
-      <p:sp>
-        <p:nvSpPr>
-          <p:cNvPr id="3" name="Content Placeholder 2"/>
-          <p:cNvSpPr>
-            <a:spLocks noGrp="1"/>
-          </p:cNvSpPr>
-          <p:nvPr>
-            <p:ph idx="1"/>
-          </p:nvPr>
-        </p:nvSpPr>
-        <p:spPr>
-          <a:xfrm>
-            <a:off x="4784616" y="1447800"/>
-            <a:ext cx="5195997" cy="4572000"/>
-          </a:xfrm>
-        </p:spPr>
-        <p:txBody>
-          <a:bodyPr anchor="ctr">
-            <a:normAutofit/>
-          </a:bodyPr>
-          <a:lstStyle>
-            <a:lvl1pPr>
-              <a:defRPr sz="2000"/>
-            </a:lvl1pPr>
-            <a:lvl2pPr>
-              <a:defRPr sz="1800"/>
-            </a:lvl2pPr>
-            <a:lvl3pPr>
-              <a:defRPr sz="1600"/>
-            </a:lvl3pPr>
-            <a:lvl4pPr>
-              <a:defRPr sz="1400"/>
-            </a:lvl4pPr>
-            <a:lvl5pPr>
-              <a:defRPr sz="1400"/>
-            </a:lvl5pPr>
-            <a:lvl6pPr>
-              <a:defRPr sz="1400"/>
-            </a:lvl6pPr>
-            <a:lvl7pPr>
-              <a:defRPr sz="1400"/>
-            </a:lvl7pPr>
-            <a:lvl8pPr>
-              <a:defRPr sz="1400"/>
-            </a:lvl8pPr>
-            <a:lvl9pPr>
-              <a:defRPr sz="1400"/>
-            </a:lvl9pPr>
-          </a:lstStyle>
-          <a:p>
-            <a:pPr lvl="0"/>
-            <a:r>
-              <a:rPr lang="zh-CN" altLang="en-US" smtClean="0"/>
-              <a:t>单击此处编辑母版文本样式</a:t>
-            </a:r>
-          </a:p>
-          <a:p>
-            <a:pPr lvl="1"/>
-            <a:r>
-              <a:rPr lang="zh-CN" altLang="en-US" smtClean="0"/>
-              <a:t>第二级</a:t>
-            </a:r>
-          </a:p>
-          <a:p>
-            <a:pPr lvl="2"/>
-            <a:r>
-              <a:rPr lang="zh-CN" altLang="en-US" smtClean="0"/>
-              <a:t>第三级</a:t>
-            </a:r>
-          </a:p>
-          <a:p>
-            <a:pPr lvl="3"/>
-            <a:r>
-              <a:rPr lang="zh-CN" altLang="en-US" smtClean="0"/>
-              <a:t>第四级</a:t>
-            </a:r>
-          </a:p>
-          <a:p>
-            <a:pPr lvl="4"/>
-            <a:r>
-              <a:rPr lang="zh-CN" altLang="en-US" smtClean="0"/>
-              <a:t>第五级</a:t>
-            </a:r>
-            <a:endParaRPr lang="en-US" dirty="0"/>
-          </a:p>
-        </p:txBody>
-      </p:sp>
-      <p:sp>
-        <p:nvSpPr>
-          <p:cNvPr id="4" name="Text Placeholder 3"/>
-          <p:cNvSpPr>
-            <a:spLocks noGrp="1"/>
-          </p:cNvSpPr>
-          <p:nvPr>
-            <p:ph type="body" sz="half" idx="2"/>
-          </p:nvPr>
-        </p:nvSpPr>
-        <p:spPr>
-          <a:xfrm>
-            <a:off x="1154953" y="3129280"/>
-            <a:ext cx="3401063" cy="2895599"/>
-          </a:xfrm>
-        </p:spPr>
-        <p:txBody>
-          <a:bodyPr/>
-          <a:lstStyle>
-            <a:lvl1pPr marL="0" indent="0">
-              <a:buNone/>
-              <a:defRPr sz="1400"/>
-            </a:lvl1pPr>
-            <a:lvl2pPr marL="457200" indent="0">
-              <a:buNone/>
-              <a:defRPr sz="1200"/>
-            </a:lvl2pPr>
-            <a:lvl3pPr marL="914400" indent="0">
-              <a:buNone/>
-              <a:defRPr sz="1000"/>
-            </a:lvl3pPr>
-            <a:lvl4pPr marL="1371600" indent="0">
-              <a:buNone/>
-              <a:defRPr sz="900"/>
-            </a:lvl4pPr>
-            <a:lvl5pPr marL="1828800" indent="0">
-              <a:buNone/>
-              <a:defRPr sz="900"/>
-            </a:lvl5pPr>
-            <a:lvl6pPr marL="2286000" indent="0">
-              <a:buNone/>
-              <a:defRPr sz="900"/>
-            </a:lvl6pPr>
-            <a:lvl7pPr marL="2743200" indent="0">
-              <a:buNone/>
-              <a:defRPr sz="900"/>
-            </a:lvl7pPr>
-            <a:lvl8pPr marL="3200400" indent="0">
-              <a:buNone/>
-              <a:defRPr sz="900"/>
-            </a:lvl8pPr>
-            <a:lvl9pPr marL="3657600" indent="0">
-              <a:buNone/>
-              <a:defRPr sz="900"/>
-            </a:lvl9pPr>
-          </a:lstStyle>
-          <a:p>
-            <a:pPr lvl="0"/>
-            <a:r>
-              <a:rPr lang="zh-CN" altLang="en-US" smtClean="0"/>
-              <a:t>单击此处编辑母版文本样式</a:t>
-            </a:r>
-          </a:p>
-        </p:txBody>
-      </p:sp>
-      <p:sp>
-        <p:nvSpPr>
-          <p:cNvPr id="7" name="Date Placeholder 4"/>
-          <p:cNvSpPr>
-            <a:spLocks noGrp="1"/>
-          </p:cNvSpPr>
-          <p:nvPr>
-            <p:ph type="dt" sz="half" idx="10"/>
-          </p:nvPr>
-        </p:nvSpPr>
-        <p:spPr/>
-        <p:txBody>
-          <a:bodyPr/>
-          <a:lstStyle/>
-          <a:p>
-            <a:fld id="{4509A250-FF31-4206-8172-F9D3106AACB1}" type="datetimeFigureOut">
-              <a:rPr lang="en-US" dirty="0"/>
-              <a:t>9/13/2016</a:t>
-            </a:fld>
-            <a:endParaRPr lang="en-US" dirty="0"/>
-          </a:p>
-        </p:txBody>
-      </p:sp>
-      <p:sp>
-        <p:nvSpPr>
-          <p:cNvPr id="5" name="Footer Placeholder 5"/>
-          <p:cNvSpPr>
-            <a:spLocks noGrp="1"/>
-          </p:cNvSpPr>
-          <p:nvPr>
-            <p:ph type="ftr" sz="quarter" idx="11"/>
-          </p:nvPr>
-        </p:nvSpPr>
-        <p:spPr/>
-        <p:txBody>
-          <a:bodyPr/>
-          <a:lstStyle/>
-          <a:p>
-            <a:endParaRPr lang="en-US" dirty="0"/>
-          </a:p>
-        </p:txBody>
-      </p:sp>
-      <p:sp>
-        <p:nvSpPr>
-          <p:cNvPr id="6" name="Slide Number Placeholder 6"/>
-          <p:cNvSpPr>
-            <a:spLocks noGrp="1"/>
-          </p:cNvSpPr>
-          <p:nvPr>
-            <p:ph type="sldNum" sz="quarter" idx="12"/>
-          </p:nvPr>
-        </p:nvSpPr>
-        <p:spPr/>
-        <p:txBody>
-          <a:bodyPr/>
-          <a:lstStyle/>
-          <a:p>
-            <a:fld id="{D57F1E4F-1CFF-5643-939E-02111984F565}" type="slidenum">
-              <a:rPr lang="en-US" dirty="0"/>
-              <a:t>‹#›</a:t>
-            </a:fld>
-            <a:endParaRPr lang="en-US" dirty="0"/>
-          </a:p>
-        </p:txBody>
-      </p:sp>
-    </p:spTree>
-  </p:cSld>
-  <p:clrMapOvr>
-    <a:masterClrMapping/>
-  </p:clrMapOvr>
-</p:sldLayout>
-</file>
-
-<file path=ppt/slideLayouts/slideLayout9.xml><?xml version="1.0" encoding="utf-8"?>
-<p:sldLayout xmlns:a="http://schemas.openxmlformats.org/drawingml/2006/main" xmlns:r="http://schemas.openxmlformats.org/officeDocument/2006/relationships" xmlns:p="http://schemas.openxmlformats.org/presentationml/2006/main" type="picTx" preserve="1">
-  <p:cSld name="图片与标题">
-    <p:spTree>
-      <p:nvGrpSpPr>
-        <p:cNvPr id="1" name=""/>
-        <p:cNvGrpSpPr/>
-        <p:nvPr/>
-      </p:nvGrpSpPr>
-      <p:grpSpPr>
-        <a:xfrm>
-          <a:off x="0" y="0"/>
-          <a:ext cx="0" cy="0"/>
-          <a:chOff x="0" y="0"/>
-          <a:chExt cx="0" cy="0"/>
-        </a:xfrm>
-      </p:grpSpPr>
-      <p:sp>
-        <p:nvSpPr>
-          <p:cNvPr id="2" name="Title 1"/>
-          <p:cNvSpPr>
-            <a:spLocks noGrp="1"/>
-          </p:cNvSpPr>
-          <p:nvPr>
-            <p:ph type="title"/>
-          </p:nvPr>
-        </p:nvSpPr>
-        <p:spPr>
-          <a:xfrm>
-            <a:off x="1153907" y="1854192"/>
-            <a:ext cx="5092906" cy="1574808"/>
-          </a:xfrm>
-        </p:spPr>
-        <p:txBody>
-          <a:bodyPr anchor="b">
-            <a:normAutofit/>
-          </a:bodyPr>
-          <a:lstStyle>
-            <a:lvl1pPr algn="l">
-              <a:defRPr sz="3600" b="0"/>
-            </a:lvl1pPr>
-          </a:lstStyle>
-          <a:p>
-            <a:r>
-              <a:rPr lang="zh-CN" altLang="en-US" smtClean="0"/>
-              <a:t>单击此处编辑母版标题样式</a:t>
-            </a:r>
-            <a:endParaRPr lang="en-US" dirty="0"/>
-          </a:p>
-        </p:txBody>
-      </p:sp>
-      <p:sp>
-        <p:nvSpPr>
-          <p:cNvPr id="3" name="Picture Placeholder 2"/>
-          <p:cNvSpPr>
-            <a:spLocks noGrp="1" noChangeAspect="1"/>
-          </p:cNvSpPr>
-          <p:nvPr>
-            <p:ph type="pic" idx="1"/>
-          </p:nvPr>
-        </p:nvSpPr>
-        <p:spPr>
-          <a:xfrm>
-            <a:off x="6949546" y="1143000"/>
-            <a:ext cx="3200400" cy="4572000"/>
-          </a:xfrm>
-          <a:prstGeom prst="roundRect">
-            <a:avLst>
-              <a:gd name="adj" fmla="val 1858"/>
-            </a:avLst>
-          </a:prstGeom>
-          <a:effectLst>
-            <a:outerShdw blurRad="50800" dist="50800" dir="5400000" algn="tl" rotWithShape="0">
-              <a:srgbClr val="000000">
-                <a:alpha val="43000"/>
-              </a:srgbClr>
-            </a:outerShdw>
-          </a:effectLst>
-        </p:spPr>
-        <p:txBody>
-          <a:bodyPr anchor="t">
-            <a:normAutofit/>
-          </a:bodyPr>
-          <a:lstStyle>
-            <a:lvl1pPr marL="0" indent="0" algn="ctr">
-              <a:buNone/>
-              <a:defRPr sz="1600"/>
-            </a:lvl1pPr>
-            <a:lvl2pPr marL="457200" indent="0">
-              <a:buNone/>
-              <a:defRPr sz="1600"/>
-            </a:lvl2pPr>
-            <a:lvl3pPr marL="914400" indent="0">
-              <a:buNone/>
-              <a:defRPr sz="1600"/>
-            </a:lvl3pPr>
-            <a:lvl4pPr marL="1371600" indent="0">
-              <a:buNone/>
-              <a:defRPr sz="1600"/>
-            </a:lvl4pPr>
-            <a:lvl5pPr marL="1828800" indent="0">
-              <a:buNone/>
-              <a:defRPr sz="1600"/>
-            </a:lvl5pPr>
-            <a:lvl6pPr marL="2286000" indent="0">
-              <a:buNone/>
-              <a:defRPr sz="1600"/>
-            </a:lvl6pPr>
-            <a:lvl7pPr marL="2743200" indent="0">
-              <a:buNone/>
-              <a:defRPr sz="1600"/>
-            </a:lvl7pPr>
-            <a:lvl8pPr marL="3200400" indent="0">
-              <a:buNone/>
-              <a:defRPr sz="1600"/>
-            </a:lvl8pPr>
-            <a:lvl9pPr marL="3657600" indent="0">
-              <a:buNone/>
-              <a:defRPr sz="1600"/>
-            </a:lvl9pPr>
-          </a:lstStyle>
-          <a:p>
-            <a:r>
-              <a:rPr lang="zh-CN" altLang="en-US" smtClean="0"/>
-              <a:t>单击图标添加图片</a:t>
-            </a:r>
-            <a:endParaRPr lang="en-US" dirty="0"/>
-          </a:p>
-        </p:txBody>
-      </p:sp>
-      <p:sp>
-        <p:nvSpPr>
-          <p:cNvPr id="4" name="Text Placeholder 3"/>
-          <p:cNvSpPr>
-            <a:spLocks noGrp="1"/>
-          </p:cNvSpPr>
-          <p:nvPr>
-            <p:ph type="body" sz="half" idx="2"/>
-          </p:nvPr>
-        </p:nvSpPr>
-        <p:spPr>
-          <a:xfrm>
-            <a:off x="1154954" y="3657600"/>
-            <a:ext cx="5084979" cy="1371600"/>
-          </a:xfrm>
-        </p:spPr>
-        <p:txBody>
-          <a:bodyPr>
-            <a:normAutofit/>
-          </a:bodyPr>
-          <a:lstStyle>
-            <a:lvl1pPr marL="0" indent="0">
-              <a:buNone/>
-              <a:defRPr sz="1400"/>
-            </a:lvl1pPr>
-            <a:lvl2pPr marL="457200" indent="0">
-              <a:buNone/>
-              <a:defRPr sz="1200"/>
-            </a:lvl2pPr>
-            <a:lvl3pPr marL="914400" indent="0">
-              <a:buNone/>
-              <a:defRPr sz="1000"/>
-            </a:lvl3pPr>
-            <a:lvl4pPr marL="1371600" indent="0">
-              <a:buNone/>
-              <a:defRPr sz="900"/>
-            </a:lvl4pPr>
-            <a:lvl5pPr marL="1828800" indent="0">
-              <a:buNone/>
-              <a:defRPr sz="900"/>
-            </a:lvl5pPr>
-            <a:lvl6pPr marL="2286000" indent="0">
-              <a:buNone/>
-              <a:defRPr sz="900"/>
-            </a:lvl6pPr>
-            <a:lvl7pPr marL="2743200" indent="0">
-              <a:buNone/>
-              <a:defRPr sz="900"/>
-            </a:lvl7pPr>
-            <a:lvl8pPr marL="3200400" indent="0">
-              <a:buNone/>
-              <a:defRPr sz="900"/>
-            </a:lvl8pPr>
-            <a:lvl9pPr marL="3657600" indent="0">
-              <a:buNone/>
-              <a:defRPr sz="900"/>
-            </a:lvl9pPr>
-          </a:lstStyle>
-          <a:p>
-            <a:pPr lvl="0"/>
-            <a:r>
-              <a:rPr lang="zh-CN" altLang="en-US" smtClean="0"/>
-              <a:t>单击此处编辑母版文本样式</a:t>
-            </a:r>
-          </a:p>
-        </p:txBody>
-      </p:sp>
-      <p:sp>
-        <p:nvSpPr>
-          <p:cNvPr id="5" name="Date Placeholder 4"/>
-          <p:cNvSpPr>
-            <a:spLocks noGrp="1"/>
-          </p:cNvSpPr>
-          <p:nvPr>
-            <p:ph type="dt" sz="half" idx="10"/>
-          </p:nvPr>
-        </p:nvSpPr>
-        <p:spPr/>
-        <p:txBody>
-          <a:bodyPr/>
-          <a:lstStyle/>
-          <a:p>
-            <a:fld id="{4509A250-FF31-4206-8172-F9D3106AACB1}" type="datetimeFigureOut">
-              <a:rPr lang="en-US" dirty="0"/>
-              <a:t>9/13/2016</a:t>
-            </a:fld>
-            <a:endParaRPr lang="en-US" dirty="0"/>
-          </a:p>
-        </p:txBody>
-      </p:sp>
-      <p:sp>
-        <p:nvSpPr>
-          <p:cNvPr id="6" name="Footer Placeholder 5"/>
-          <p:cNvSpPr>
-            <a:spLocks noGrp="1"/>
-          </p:cNvSpPr>
-          <p:nvPr>
-            <p:ph type="ftr" sz="quarter" idx="11"/>
-          </p:nvPr>
-        </p:nvSpPr>
-        <p:spPr/>
-        <p:txBody>
-          <a:bodyPr/>
-          <a:lstStyle/>
-          <a:p>
-            <a:endParaRPr lang="en-US" dirty="0"/>
-          </a:p>
-        </p:txBody>
-      </p:sp>
-      <p:sp>
-        <p:nvSpPr>
-          <p:cNvPr id="7" name="Slide Number Placeholder 6"/>
-          <p:cNvSpPr>
-            <a:spLocks noGrp="1"/>
-          </p:cNvSpPr>
-          <p:nvPr>
-            <p:ph type="sldNum" sz="quarter" idx="12"/>
-          </p:nvPr>
-        </p:nvSpPr>
-        <p:spPr/>
-        <p:txBody>
-          <a:bodyPr/>
-          <a:lstStyle/>
-          <a:p>
-            <a:fld id="{D57F1E4F-1CFF-5643-939E-02111984F565}" type="slidenum">
-              <a:rPr lang="en-US" dirty="0"/>
-              <a:t>‹#›</a:t>
             </a:fld>
             <a:endParaRPr lang="en-US" dirty="0"/>
           </a:p>
@@ -5586,437 +6151,6 @@
           <a:chExt cx="0" cy="0"/>
         </a:xfrm>
       </p:grpSpPr>
-      <p:pic>
-        <p:nvPicPr>
-          <p:cNvPr id="8" name="Picture 7"/>
-          <p:cNvPicPr>
-            <a:picLocks noChangeAspect="1"/>
-          </p:cNvPicPr>
-          <p:nvPr/>
-        </p:nvPicPr>
-        <p:blipFill rotWithShape="1">
-          <a:blip r:embed="rId19">
-            <a:extLst>
-              <a:ext uri="{28A0092B-C50C-407E-A947-70E740481C1C}">
-                <a14:useLocalDpi xmlns:a14="http://schemas.microsoft.com/office/drawing/2010/main" val="0"/>
-              </a:ext>
-            </a:extLst>
-          </a:blip>
-          <a:srcRect l="3613"/>
-          <a:stretch/>
-        </p:blipFill>
-        <p:spPr>
-          <a:xfrm>
-            <a:off x="0" y="2669685"/>
-            <a:ext cx="4037012" cy="4188315"/>
-          </a:xfrm>
-          <a:prstGeom prst="rect">
-            <a:avLst/>
-          </a:prstGeom>
-        </p:spPr>
-      </p:pic>
-      <p:pic>
-        <p:nvPicPr>
-          <p:cNvPr id="7" name="Picture 6"/>
-          <p:cNvPicPr>
-            <a:picLocks noChangeAspect="1"/>
-          </p:cNvPicPr>
-          <p:nvPr/>
-        </p:nvPicPr>
-        <p:blipFill rotWithShape="1">
-          <a:blip r:embed="rId20">
-            <a:extLst>
-              <a:ext uri="{28A0092B-C50C-407E-A947-70E740481C1C}">
-                <a14:useLocalDpi xmlns:a14="http://schemas.microsoft.com/office/drawing/2010/main" val="0"/>
-              </a:ext>
-            </a:extLst>
-          </a:blip>
-          <a:srcRect l="35640"/>
-          <a:stretch/>
-        </p:blipFill>
-        <p:spPr>
-          <a:xfrm>
-            <a:off x="0" y="2892347"/>
-            <a:ext cx="1522412" cy="2365453"/>
-          </a:xfrm>
-          <a:prstGeom prst="rect">
-            <a:avLst/>
-          </a:prstGeom>
-        </p:spPr>
-      </p:pic>
-      <p:sp>
-        <p:nvSpPr>
-          <p:cNvPr id="16" name="Oval 15"/>
-          <p:cNvSpPr/>
-          <p:nvPr/>
-        </p:nvSpPr>
-        <p:spPr>
-          <a:xfrm>
-            <a:off x="8609012" y="1676400"/>
-            <a:ext cx="2819400" cy="2819400"/>
-          </a:xfrm>
-          <a:prstGeom prst="ellipse">
-            <a:avLst/>
-          </a:prstGeom>
-          <a:gradFill flip="none" rotWithShape="1">
-            <a:gsLst>
-              <a:gs pos="0">
-                <a:schemeClr val="bg2">
-                  <a:lumMod val="60000"/>
-                  <a:lumOff val="40000"/>
-                  <a:alpha val="7000"/>
-                </a:schemeClr>
-              </a:gs>
-              <a:gs pos="69000">
-                <a:schemeClr val="bg2">
-                  <a:lumMod val="60000"/>
-                  <a:lumOff val="40000"/>
-                  <a:alpha val="0"/>
-                </a:schemeClr>
-              </a:gs>
-              <a:gs pos="36000">
-                <a:schemeClr val="bg2">
-                  <a:lumMod val="60000"/>
-                  <a:lumOff val="40000"/>
-                  <a:alpha val="6000"/>
-                </a:schemeClr>
-              </a:gs>
-            </a:gsLst>
-            <a:path path="circle">
-              <a:fillToRect l="50000" t="50000" r="50000" b="50000"/>
-            </a:path>
-            <a:tileRect/>
-          </a:gradFill>
-          <a:ln>
-            <a:noFill/>
-          </a:ln>
-          <a:effectLst/>
-        </p:spPr>
-        <p:style>
-          <a:lnRef idx="1">
-            <a:schemeClr val="accent1"/>
-          </a:lnRef>
-          <a:fillRef idx="3">
-            <a:schemeClr val="accent1"/>
-          </a:fillRef>
-          <a:effectRef idx="2">
-            <a:schemeClr val="accent1"/>
-          </a:effectRef>
-          <a:fontRef idx="minor">
-            <a:schemeClr val="lt1"/>
-          </a:fontRef>
-        </p:style>
-      </p:sp>
-      <p:pic>
-        <p:nvPicPr>
-          <p:cNvPr id="9" name="Picture 8"/>
-          <p:cNvPicPr>
-            <a:picLocks noChangeAspect="1"/>
-          </p:cNvPicPr>
-          <p:nvPr/>
-        </p:nvPicPr>
-        <p:blipFill rotWithShape="1">
-          <a:blip r:embed="rId21">
-            <a:extLst>
-              <a:ext uri="{28A0092B-C50C-407E-A947-70E740481C1C}">
-                <a14:useLocalDpi xmlns:a14="http://schemas.microsoft.com/office/drawing/2010/main" val="0"/>
-              </a:ext>
-            </a:extLst>
-          </a:blip>
-          <a:srcRect t="28813"/>
-          <a:stretch/>
-        </p:blipFill>
-        <p:spPr>
-          <a:xfrm>
-            <a:off x="7999412" y="0"/>
-            <a:ext cx="1603387" cy="1141407"/>
-          </a:xfrm>
-          <a:prstGeom prst="rect">
-            <a:avLst/>
-          </a:prstGeom>
-        </p:spPr>
-      </p:pic>
-      <p:pic>
-        <p:nvPicPr>
-          <p:cNvPr id="10" name="Picture 9"/>
-          <p:cNvPicPr>
-            <a:picLocks noChangeAspect="1"/>
-          </p:cNvPicPr>
-          <p:nvPr/>
-        </p:nvPicPr>
-        <p:blipFill rotWithShape="1">
-          <a:blip r:embed="rId22">
-            <a:extLst>
-              <a:ext uri="{28A0092B-C50C-407E-A947-70E740481C1C}">
-                <a14:useLocalDpi xmlns:a14="http://schemas.microsoft.com/office/drawing/2010/main" val="0"/>
-              </a:ext>
-            </a:extLst>
-          </a:blip>
-          <a:srcRect b="23320"/>
-          <a:stretch/>
-        </p:blipFill>
-        <p:spPr>
-          <a:xfrm>
-            <a:off x="8605878" y="6096000"/>
-            <a:ext cx="993734" cy="762000"/>
-          </a:xfrm>
-          <a:prstGeom prst="rect">
-            <a:avLst/>
-          </a:prstGeom>
-        </p:spPr>
-      </p:pic>
-      <p:sp>
-        <p:nvSpPr>
-          <p:cNvPr id="14" name="Rectangle 13"/>
-          <p:cNvSpPr/>
-          <p:nvPr/>
-        </p:nvSpPr>
-        <p:spPr>
-          <a:xfrm>
-            <a:off x="10437812" y="0"/>
-            <a:ext cx="685800" cy="1143000"/>
-          </a:xfrm>
-          <a:prstGeom prst="rect">
-            <a:avLst/>
-          </a:prstGeom>
-          <a:solidFill>
-            <a:schemeClr val="accent1"/>
-          </a:solidFill>
-          <a:ln>
-            <a:noFill/>
-          </a:ln>
-        </p:spPr>
-        <p:style>
-          <a:lnRef idx="1">
-            <a:schemeClr val="accent1"/>
-          </a:lnRef>
-          <a:fillRef idx="3">
-            <a:schemeClr val="accent1"/>
-          </a:fillRef>
-          <a:effectRef idx="2">
-            <a:schemeClr val="accent1"/>
-          </a:effectRef>
-          <a:fontRef idx="minor">
-            <a:schemeClr val="lt1"/>
-          </a:fontRef>
-        </p:style>
-      </p:sp>
-      <p:sp>
-        <p:nvSpPr>
-          <p:cNvPr id="2" name="Title Placeholder 1"/>
-          <p:cNvSpPr>
-            <a:spLocks noGrp="1"/>
-          </p:cNvSpPr>
-          <p:nvPr>
-            <p:ph type="title"/>
-          </p:nvPr>
-        </p:nvSpPr>
-        <p:spPr>
-          <a:xfrm>
-            <a:off x="646111" y="452718"/>
-            <a:ext cx="9404723" cy="1400530"/>
-          </a:xfrm>
-          <a:prstGeom prst="rect">
-            <a:avLst/>
-          </a:prstGeom>
-        </p:spPr>
-        <p:txBody>
-          <a:bodyPr vert="horz" lIns="91440" tIns="45720" rIns="91440" bIns="45720" rtlCol="0" anchor="t">
-            <a:noAutofit/>
-          </a:bodyPr>
-          <a:lstStyle/>
-          <a:p>
-            <a:r>
-              <a:rPr lang="zh-CN" altLang="en-US" smtClean="0"/>
-              <a:t>单击此处编辑母版标题样式</a:t>
-            </a:r>
-            <a:endParaRPr lang="en-US" dirty="0"/>
-          </a:p>
-        </p:txBody>
-      </p:sp>
-      <p:sp>
-        <p:nvSpPr>
-          <p:cNvPr id="3" name="Text Placeholder 2"/>
-          <p:cNvSpPr>
-            <a:spLocks noGrp="1"/>
-          </p:cNvSpPr>
-          <p:nvPr>
-            <p:ph type="body" idx="1"/>
-          </p:nvPr>
-        </p:nvSpPr>
-        <p:spPr>
-          <a:xfrm>
-            <a:off x="1103312" y="2052918"/>
-            <a:ext cx="8946541" cy="4195481"/>
-          </a:xfrm>
-          <a:prstGeom prst="rect">
-            <a:avLst/>
-          </a:prstGeom>
-        </p:spPr>
-        <p:txBody>
-          <a:bodyPr vert="horz" lIns="91440" tIns="45720" rIns="91440" bIns="45720" rtlCol="0">
-            <a:normAutofit/>
-          </a:bodyPr>
-          <a:lstStyle/>
-          <a:p>
-            <a:pPr lvl="0"/>
-            <a:r>
-              <a:rPr lang="zh-CN" altLang="en-US" smtClean="0"/>
-              <a:t>单击此处编辑母版文本样式</a:t>
-            </a:r>
-          </a:p>
-          <a:p>
-            <a:pPr lvl="1"/>
-            <a:r>
-              <a:rPr lang="zh-CN" altLang="en-US" smtClean="0"/>
-              <a:t>第二级</a:t>
-            </a:r>
-          </a:p>
-          <a:p>
-            <a:pPr lvl="2"/>
-            <a:r>
-              <a:rPr lang="zh-CN" altLang="en-US" smtClean="0"/>
-              <a:t>第三级</a:t>
-            </a:r>
-          </a:p>
-          <a:p>
-            <a:pPr lvl="3"/>
-            <a:r>
-              <a:rPr lang="zh-CN" altLang="en-US" smtClean="0"/>
-              <a:t>第四级</a:t>
-            </a:r>
-          </a:p>
-          <a:p>
-            <a:pPr lvl="4"/>
-            <a:r>
-              <a:rPr lang="zh-CN" altLang="en-US" smtClean="0"/>
-              <a:t>第五级</a:t>
-            </a:r>
-            <a:endParaRPr lang="en-US" dirty="0"/>
-          </a:p>
-        </p:txBody>
-      </p:sp>
-      <p:sp>
-        <p:nvSpPr>
-          <p:cNvPr id="4" name="Date Placeholder 3"/>
-          <p:cNvSpPr>
-            <a:spLocks noGrp="1"/>
-          </p:cNvSpPr>
-          <p:nvPr>
-            <p:ph type="dt" sz="half" idx="2"/>
-          </p:nvPr>
-        </p:nvSpPr>
-        <p:spPr>
-          <a:xfrm rot="5400000">
-            <a:off x="10155639" y="1790701"/>
-            <a:ext cx="990599" cy="304799"/>
-          </a:xfrm>
-          <a:prstGeom prst="rect">
-            <a:avLst/>
-          </a:prstGeom>
-        </p:spPr>
-        <p:txBody>
-          <a:bodyPr vert="horz" lIns="91440" tIns="45720" rIns="91440" bIns="45720" rtlCol="0" anchor="t"/>
-          <a:lstStyle>
-            <a:lvl1pPr algn="l">
-              <a:defRPr sz="1100" b="0" i="0">
-                <a:solidFill>
-                  <a:schemeClr val="tx1">
-                    <a:tint val="75000"/>
-                    <a:alpha val="60000"/>
-                  </a:schemeClr>
-                </a:solidFill>
-              </a:defRPr>
-            </a:lvl1pPr>
-          </a:lstStyle>
-          <a:p>
-            <a:fld id="{4AAD347D-5ACD-4C99-B74B-A9C85AD731AF}" type="datetimeFigureOut">
-              <a:rPr lang="en-US" dirty="0"/>
-              <a:t>9/13/2016</a:t>
-            </a:fld>
-            <a:endParaRPr lang="en-US" dirty="0"/>
-          </a:p>
-        </p:txBody>
-      </p:sp>
-      <p:sp>
-        <p:nvSpPr>
-          <p:cNvPr id="5" name="Footer Placeholder 4"/>
-          <p:cNvSpPr>
-            <a:spLocks noGrp="1"/>
-          </p:cNvSpPr>
-          <p:nvPr>
-            <p:ph type="ftr" sz="quarter" idx="3"/>
-          </p:nvPr>
-        </p:nvSpPr>
-        <p:spPr>
-          <a:xfrm rot="5400000">
-            <a:off x="8951573" y="3225297"/>
-            <a:ext cx="3859795" cy="304801"/>
-          </a:xfrm>
-          <a:prstGeom prst="rect">
-            <a:avLst/>
-          </a:prstGeom>
-        </p:spPr>
-        <p:txBody>
-          <a:bodyPr vert="horz" lIns="91440" tIns="45720" rIns="91440" bIns="45720" rtlCol="0" anchor="b"/>
-          <a:lstStyle>
-            <a:lvl1pPr algn="l">
-              <a:defRPr sz="1100" b="0" i="0">
-                <a:solidFill>
-                  <a:schemeClr val="tx1">
-                    <a:tint val="75000"/>
-                    <a:alpha val="60000"/>
-                  </a:schemeClr>
-                </a:solidFill>
-              </a:defRPr>
-            </a:lvl1pPr>
-          </a:lstStyle>
-          <a:p>
-            <a:endParaRPr lang="en-US" dirty="0"/>
-          </a:p>
-        </p:txBody>
-      </p:sp>
-      <p:sp>
-        <p:nvSpPr>
-          <p:cNvPr id="6" name="Slide Number Placeholder 5"/>
-          <p:cNvSpPr>
-            <a:spLocks noGrp="1"/>
-          </p:cNvSpPr>
-          <p:nvPr>
-            <p:ph type="sldNum" sz="quarter" idx="4"/>
-          </p:nvPr>
-        </p:nvSpPr>
-        <p:spPr bwMode="gray">
-          <a:xfrm>
-            <a:off x="10352540" y="295729"/>
-            <a:ext cx="838199" cy="767687"/>
-          </a:xfrm>
-          <a:prstGeom prst="rect">
-            <a:avLst/>
-          </a:prstGeom>
-        </p:spPr>
-        <p:txBody>
-          <a:bodyPr vert="horz" lIns="91440" tIns="45720" rIns="91440" bIns="45720" rtlCol="0" anchor="b"/>
-          <a:lstStyle>
-            <a:lvl1pPr algn="ctr">
-              <a:defRPr sz="2800" b="0" i="0">
-                <a:solidFill>
-                  <a:schemeClr val="tx1">
-                    <a:tint val="75000"/>
-                  </a:schemeClr>
-                </a:solidFill>
-              </a:defRPr>
-            </a:lvl1pPr>
-          </a:lstStyle>
-          <a:p>
-            <a:fld id="{D57F1E4F-1CFF-5643-939E-02111984F565}" type="slidenum">
-              <a:rPr lang="en-US" dirty="0"/>
-              <a:t>‹#›</a:t>
-            </a:fld>
-            <a:endParaRPr lang="en-US" dirty="0"/>
-          </a:p>
-        </p:txBody>
-      </p:sp>
     </p:spTree>
   </p:cSld>
   <p:clrMap bg1="dk1" tx1="lt1" bg2="dk2" tx2="lt2" accent1="accent1" accent2="accent2" accent3="accent3" accent4="accent4" accent5="accent5" accent6="accent6" hlink="hlink" folHlink="folHlink"/>
@@ -6029,15 +6163,17 @@
     <p:sldLayoutId id="2147483654" r:id="rId6"/>
     <p:sldLayoutId id="2147483655" r:id="rId7"/>
     <p:sldLayoutId id="2147483656" r:id="rId8"/>
-    <p:sldLayoutId id="2147483668" r:id="rId9"/>
-    <p:sldLayoutId id="2147483667" r:id="rId10"/>
-    <p:sldLayoutId id="2147483661" r:id="rId11"/>
-    <p:sldLayoutId id="2147483664" r:id="rId12"/>
-    <p:sldLayoutId id="2147483662" r:id="rId13"/>
-    <p:sldLayoutId id="2147483669" r:id="rId14"/>
-    <p:sldLayoutId id="2147483670" r:id="rId15"/>
-    <p:sldLayoutId id="2147483658" r:id="rId16"/>
-    <p:sldLayoutId id="2147483659" r:id="rId17"/>
+    <p:sldLayoutId id="2147483657" r:id="rId9"/>
+    <p:sldLayoutId id="2147483658" r:id="rId10"/>
+    <p:sldLayoutId id="2147483659" r:id="rId11"/>
+    <p:sldLayoutId id="2147483660" r:id="rId12"/>
+    <p:sldLayoutId id="2147483661" r:id="rId13"/>
+    <p:sldLayoutId id="2147483662" r:id="rId14"/>
+    <p:sldLayoutId id="2147483663" r:id="rId15"/>
+    <p:sldLayoutId id="2147483664" r:id="rId16"/>
+    <p:sldLayoutId id="2147483665" r:id="rId17"/>
+    <p:sldLayoutId id="2147483666" r:id="rId18"/>
+    <p:sldLayoutId id="2147483667" r:id="rId19"/>
   </p:sldLayoutIdLst>
   <p:hf sldNum="0" hdr="0" ftr="0" dt="0"/>
   <p:txStyles>
@@ -6239,7 +6375,7 @@
           <a:cs typeface="+mj-cs"/>
         </a:defRPr>
       </a:lvl5pPr>
-      <a:lvl6pPr marL="2506000" indent="-228600" algn="l" defTabSz="457200" rtl="0" eaLnBrk="1" latinLnBrk="0" hangingPunct="1">
+      <a:lvl6pPr marL="2505710" indent="-228600" algn="l" defTabSz="457200" rtl="0" eaLnBrk="1" latinLnBrk="0" hangingPunct="1">
         <a:spcBef>
           <a:spcPts val="1000"/>
         </a:spcBef>
@@ -6566,15 +6702,11 @@
               <a:rPr lang="en-US" altLang="zh-CN" sz="1400" dirty="0" smtClean="0"/>
               <a:t>	15594812511</a:t>
             </a:r>
+            <a:endParaRPr lang="en-US" altLang="zh-CN" sz="1400" dirty="0" smtClean="0"/>
           </a:p>
         </p:txBody>
       </p:sp>
     </p:spTree>
-    <p:extLst>
-      <p:ext uri="{BB962C8B-B14F-4D97-AF65-F5344CB8AC3E}">
-        <p14:creationId xmlns:p14="http://schemas.microsoft.com/office/powerpoint/2010/main" val="1092946419"/>
-      </p:ext>
-    </p:extLst>
   </p:cSld>
   <p:clrMapOvr>
     <a:masterClrMapping/>
@@ -6586,6 +6718,1251 @@
       </p:par>
     </p:tnLst>
   </p:timing>
+</p:sld>
+</file>
+
+<file path=ppt/slides/slide10.xml><?xml version="1.0" encoding="utf-8"?>
+<p:sld xmlns:a="http://schemas.openxmlformats.org/drawingml/2006/main" xmlns:r="http://schemas.openxmlformats.org/officeDocument/2006/relationships" xmlns:p="http://schemas.openxmlformats.org/presentationml/2006/main">
+  <p:cSld>
+    <p:spTree>
+      <p:nvGrpSpPr>
+        <p:cNvPr id="1" name=""/>
+        <p:cNvGrpSpPr/>
+        <p:nvPr/>
+      </p:nvGrpSpPr>
+      <p:grpSpPr>
+        <a:xfrm>
+          <a:off x="0" y="0"/>
+          <a:ext cx="0" cy="0"/>
+          <a:chOff x="0" y="0"/>
+          <a:chExt cx="0" cy="0"/>
+        </a:xfrm>
+      </p:grpSpPr>
+      <p:sp>
+        <p:nvSpPr>
+          <p:cNvPr id="3" name="矩形 2"/>
+          <p:cNvSpPr/>
+          <p:nvPr/>
+        </p:nvSpPr>
+        <p:spPr>
+          <a:xfrm>
+            <a:off x="3939570" y="3117935"/>
+            <a:ext cx="3992880" cy="853440"/>
+          </a:xfrm>
+          <a:prstGeom prst="rect">
+            <a:avLst/>
+          </a:prstGeom>
+        </p:spPr>
+        <p:txBody>
+          <a:bodyPr wrap="none">
+            <a:spAutoFit/>
+          </a:bodyPr>
+          <a:lstStyle/>
+          <a:p>
+            <a:r>
+              <a:rPr lang="zh-CN" altLang="en-US" sz="5000" dirty="0" smtClean="0">
+                <a:latin typeface="黑体" panose="02010609060101010101" pitchFamily="49" charset="-122"/>
+                <a:ea typeface="黑体" panose="02010609060101010101" pitchFamily="49" charset="-122"/>
+              </a:rPr>
+              <a:t>三、操作说明</a:t>
+            </a:r>
+            <a:endParaRPr lang="en-US" altLang="zh-CN" sz="5000" dirty="0">
+              <a:latin typeface="黑体" panose="02010609060101010101" pitchFamily="49" charset="-122"/>
+              <a:ea typeface="黑体" panose="02010609060101010101" pitchFamily="49" charset="-122"/>
+            </a:endParaRPr>
+          </a:p>
+        </p:txBody>
+      </p:sp>
+    </p:spTree>
+  </p:cSld>
+  <p:clrMapOvr>
+    <a:masterClrMapping/>
+  </p:clrMapOvr>
+  <p:timing>
+    <p:tnLst>
+      <p:par>
+        <p:cTn id="1" dur="indefinite" restart="never" nodeType="tmRoot"/>
+      </p:par>
+    </p:tnLst>
+  </p:timing>
+</p:sld>
+</file>
+
+<file path=ppt/slides/slide11.xml><?xml version="1.0" encoding="utf-8"?>
+<p:sld xmlns:a="http://schemas.openxmlformats.org/drawingml/2006/main" xmlns:r="http://schemas.openxmlformats.org/officeDocument/2006/relationships" xmlns:p="http://schemas.openxmlformats.org/presentationml/2006/main">
+  <p:cSld>
+    <p:spTree>
+      <p:nvGrpSpPr>
+        <p:cNvPr id="1" name=""/>
+        <p:cNvGrpSpPr/>
+        <p:nvPr/>
+      </p:nvGrpSpPr>
+      <p:grpSpPr/>
+      <p:sp>
+        <p:nvSpPr>
+          <p:cNvPr id="3" name="矩形 2"/>
+          <p:cNvSpPr/>
+          <p:nvPr/>
+        </p:nvSpPr>
+        <p:spPr>
+          <a:xfrm>
+            <a:off x="2458085" y="1962785"/>
+            <a:ext cx="7344410" cy="2148840"/>
+          </a:xfrm>
+          <a:prstGeom prst="rect">
+            <a:avLst/>
+          </a:prstGeom>
+        </p:spPr>
+        <p:txBody>
+          <a:bodyPr wrap="square">
+            <a:spAutoFit/>
+          </a:bodyPr>
+          <a:p>
+            <a:pPr>
+              <a:lnSpc>
+                <a:spcPct val="150000"/>
+              </a:lnSpc>
+            </a:pPr>
+            <a:r>
+              <a:rPr lang="en-US" altLang="zh-CN" sz="5000" dirty="0" smtClean="0">
+                <a:latin typeface="黑体" panose="02010609060101010101" pitchFamily="49" charset="-122"/>
+                <a:ea typeface="黑体" panose="02010609060101010101" pitchFamily="49" charset="-122"/>
+              </a:rPr>
+              <a:t>1.</a:t>
+            </a:r>
+            <a:r>
+              <a:rPr lang="zh-CN" sz="5000" dirty="0" smtClean="0">
+                <a:latin typeface="黑体" panose="02010609060101010101" pitchFamily="49" charset="-122"/>
+                <a:ea typeface="黑体" panose="02010609060101010101" pitchFamily="49" charset="-122"/>
+              </a:rPr>
+              <a:t>文件解压并展示</a:t>
+            </a:r>
+            <a:endParaRPr lang="zh-CN" sz="5000" dirty="0" smtClean="0">
+              <a:latin typeface="黑体" panose="02010609060101010101" pitchFamily="49" charset="-122"/>
+              <a:ea typeface="黑体" panose="02010609060101010101" pitchFamily="49" charset="-122"/>
+            </a:endParaRPr>
+          </a:p>
+          <a:p>
+            <a:pPr algn="r">
+              <a:lnSpc>
+                <a:spcPct val="150000"/>
+              </a:lnSpc>
+            </a:pPr>
+            <a:r>
+              <a:rPr lang="en-US" altLang="zh-CN" sz="4000" dirty="0">
+                <a:latin typeface="黑体" panose="02010609060101010101" pitchFamily="49" charset="-122"/>
+                <a:ea typeface="黑体" panose="02010609060101010101" pitchFamily="49" charset="-122"/>
+              </a:rPr>
+              <a:t>——</a:t>
+            </a:r>
+            <a:r>
+              <a:rPr lang="zh-CN" altLang="en-US" sz="4000" dirty="0">
+                <a:latin typeface="黑体" panose="02010609060101010101" pitchFamily="49" charset="-122"/>
+                <a:ea typeface="黑体" panose="02010609060101010101" pitchFamily="49" charset="-122"/>
+              </a:rPr>
+              <a:t>包长为</a:t>
+            </a:r>
+            <a:r>
+              <a:rPr lang="en-US" altLang="zh-CN" sz="4000" dirty="0">
+                <a:solidFill>
+                  <a:srgbClr val="FF0000"/>
+                </a:solidFill>
+                <a:latin typeface="黑体" panose="02010609060101010101" pitchFamily="49" charset="-122"/>
+                <a:ea typeface="黑体" panose="02010609060101010101" pitchFamily="49" charset="-122"/>
+              </a:rPr>
+              <a:t>288</a:t>
+            </a:r>
+            <a:r>
+              <a:rPr lang="zh-CN" altLang="en-US" sz="4000" dirty="0">
+                <a:latin typeface="黑体" panose="02010609060101010101" pitchFamily="49" charset="-122"/>
+                <a:ea typeface="黑体" panose="02010609060101010101" pitchFamily="49" charset="-122"/>
+              </a:rPr>
+              <a:t>字节文件</a:t>
+            </a:r>
+            <a:endParaRPr lang="zh-CN" altLang="en-US" sz="4000" dirty="0">
+              <a:latin typeface="黑体" panose="02010609060101010101" pitchFamily="49" charset="-122"/>
+              <a:ea typeface="黑体" panose="02010609060101010101" pitchFamily="49" charset="-122"/>
+            </a:endParaRPr>
+          </a:p>
+        </p:txBody>
+      </p:sp>
+      <p:sp>
+        <p:nvSpPr>
+          <p:cNvPr id="4" name="文本框 3"/>
+          <p:cNvSpPr txBox="1"/>
+          <p:nvPr/>
+        </p:nvSpPr>
+        <p:spPr>
+          <a:xfrm>
+            <a:off x="1764030" y="5026660"/>
+            <a:ext cx="9081770" cy="1051560"/>
+          </a:xfrm>
+          <a:prstGeom prst="rect">
+            <a:avLst/>
+          </a:prstGeom>
+          <a:noFill/>
+        </p:spPr>
+        <p:txBody>
+          <a:bodyPr wrap="none" rtlCol="0">
+            <a:spAutoFit/>
+          </a:bodyPr>
+          <a:p>
+            <a:pPr>
+              <a:lnSpc>
+                <a:spcPct val="150000"/>
+              </a:lnSpc>
+            </a:pPr>
+            <a:r>
+              <a:rPr lang="zh-CN" altLang="en-US" sz="1400" b="1" dirty="0" smtClean="0">
+                <a:solidFill>
+                  <a:schemeClr val="tx1"/>
+                </a:solidFill>
+              </a:rPr>
+              <a:t>说明：</a:t>
+            </a:r>
+            <a:endParaRPr lang="zh-CN" altLang="en-US" sz="1400" b="1" dirty="0" smtClean="0">
+              <a:solidFill>
+                <a:schemeClr val="tx1"/>
+              </a:solidFill>
+            </a:endParaRPr>
+          </a:p>
+          <a:p>
+            <a:pPr>
+              <a:lnSpc>
+                <a:spcPct val="150000"/>
+              </a:lnSpc>
+            </a:pPr>
+            <a:r>
+              <a:rPr lang="en-US" altLang="zh-CN" sz="1400" b="1" dirty="0" smtClean="0">
+                <a:solidFill>
+                  <a:schemeClr val="tx1"/>
+                </a:solidFill>
+              </a:rPr>
+              <a:t>	288</a:t>
+            </a:r>
+            <a:r>
+              <a:rPr lang="zh-CN" altLang="en-US" sz="1400" b="1" dirty="0" smtClean="0">
+                <a:solidFill>
+                  <a:schemeClr val="tx1"/>
+                </a:solidFill>
+              </a:rPr>
+              <a:t>文件为星上数据解包后的文件，因此不需要进行解包，直接进行解压图像；</a:t>
+            </a:r>
+            <a:endParaRPr lang="zh-CN" altLang="en-US" sz="1400" b="1" dirty="0" smtClean="0">
+              <a:solidFill>
+                <a:schemeClr val="tx1"/>
+              </a:solidFill>
+            </a:endParaRPr>
+          </a:p>
+          <a:p>
+            <a:pPr>
+              <a:lnSpc>
+                <a:spcPct val="150000"/>
+              </a:lnSpc>
+            </a:pPr>
+            <a:r>
+              <a:rPr lang="en-US" altLang="zh-CN" sz="1400" b="1" dirty="0" smtClean="0">
+                <a:solidFill>
+                  <a:schemeClr val="tx1"/>
+                </a:solidFill>
+              </a:rPr>
+              <a:t>	</a:t>
+            </a:r>
+            <a:r>
+              <a:rPr lang="zh-CN" altLang="en-US" sz="1400" b="1" dirty="0" smtClean="0">
+                <a:solidFill>
+                  <a:schemeClr val="tx1"/>
+                </a:solidFill>
+              </a:rPr>
+              <a:t>如果进行了解包操作，请在</a:t>
+            </a:r>
+            <a:r>
+              <a:rPr lang="en-US" altLang="zh-CN" sz="1400" b="1" dirty="0" smtClean="0">
+                <a:solidFill>
+                  <a:schemeClr val="tx1"/>
+                </a:solidFill>
+              </a:rPr>
+              <a:t>“</a:t>
+            </a:r>
+            <a:r>
+              <a:rPr lang="zh-CN" altLang="en-US" sz="1400" b="1" dirty="0" smtClean="0">
+                <a:solidFill>
+                  <a:schemeClr val="tx1"/>
+                </a:solidFill>
+              </a:rPr>
+              <a:t>文件检索</a:t>
+            </a:r>
+            <a:r>
+              <a:rPr lang="en-US" altLang="zh-CN" sz="1400" b="1" dirty="0" smtClean="0">
+                <a:solidFill>
+                  <a:schemeClr val="tx1"/>
+                </a:solidFill>
+              </a:rPr>
+              <a:t>”</a:t>
+            </a:r>
+            <a:r>
+              <a:rPr lang="zh-CN" altLang="en-US" sz="1400" b="1" dirty="0" smtClean="0">
+                <a:solidFill>
+                  <a:schemeClr val="tx1"/>
+                </a:solidFill>
+              </a:rPr>
+              <a:t>界面删除该文件记录，再进行解压图像操作，否则系统处理不正确。</a:t>
+            </a:r>
+            <a:endParaRPr lang="zh-CN" altLang="en-US" sz="1400" b="1" dirty="0" smtClean="0">
+              <a:solidFill>
+                <a:schemeClr val="tx1"/>
+              </a:solidFill>
+            </a:endParaRPr>
+          </a:p>
+        </p:txBody>
+      </p:sp>
+    </p:spTree>
+  </p:cSld>
+  <p:clrMapOvr>
+    <a:masterClrMapping/>
+  </p:clrMapOvr>
+</p:sld>
+</file>
+
+<file path=ppt/slides/slide12.xml><?xml version="1.0" encoding="utf-8"?>
+<p:sld xmlns:a="http://schemas.openxmlformats.org/drawingml/2006/main" xmlns:r="http://schemas.openxmlformats.org/officeDocument/2006/relationships" xmlns:p="http://schemas.openxmlformats.org/presentationml/2006/main">
+  <p:cSld>
+    <p:spTree>
+      <p:nvGrpSpPr>
+        <p:cNvPr id="1" name=""/>
+        <p:cNvGrpSpPr/>
+        <p:nvPr/>
+      </p:nvGrpSpPr>
+      <p:grpSpPr/>
+      <p:pic>
+        <p:nvPicPr>
+          <p:cNvPr id="2" name="图片 1"/>
+          <p:cNvPicPr>
+            <a:picLocks noChangeAspect="1"/>
+          </p:cNvPicPr>
+          <p:nvPr/>
+        </p:nvPicPr>
+        <p:blipFill>
+          <a:blip r:embed="rId1"/>
+          <a:stretch>
+            <a:fillRect/>
+          </a:stretch>
+        </p:blipFill>
+        <p:spPr>
+          <a:xfrm>
+            <a:off x="1721485" y="1639570"/>
+            <a:ext cx="8023225" cy="4513580"/>
+          </a:xfrm>
+          <a:prstGeom prst="rect">
+            <a:avLst/>
+          </a:prstGeom>
+        </p:spPr>
+      </p:pic>
+      <p:sp>
+        <p:nvSpPr>
+          <p:cNvPr id="3" name="文本框 2"/>
+          <p:cNvSpPr txBox="1"/>
+          <p:nvPr/>
+        </p:nvSpPr>
+        <p:spPr>
+          <a:xfrm>
+            <a:off x="908685" y="885190"/>
+            <a:ext cx="6722110" cy="502920"/>
+          </a:xfrm>
+          <a:prstGeom prst="rect">
+            <a:avLst/>
+          </a:prstGeom>
+          <a:noFill/>
+        </p:spPr>
+        <p:txBody>
+          <a:bodyPr wrap="none" rtlCol="0">
+            <a:spAutoFit/>
+          </a:bodyPr>
+          <a:p>
+            <a:pPr>
+              <a:lnSpc>
+                <a:spcPct val="150000"/>
+              </a:lnSpc>
+            </a:pPr>
+            <a:r>
+              <a:rPr lang="en-US" altLang="zh-CN" dirty="0" smtClean="0"/>
+              <a:t>Step1.</a:t>
+            </a:r>
+            <a:r>
+              <a:rPr lang="zh-CN" altLang="en-US" dirty="0" smtClean="0"/>
+              <a:t>点击</a:t>
+            </a:r>
+            <a:r>
+              <a:rPr lang="en-US" altLang="zh-CN" dirty="0" smtClean="0"/>
+              <a:t>“</a:t>
+            </a:r>
+            <a:r>
+              <a:rPr lang="zh-CN" altLang="en-US" dirty="0" smtClean="0"/>
+              <a:t>打开</a:t>
+            </a:r>
+            <a:r>
+              <a:rPr lang="en-US" altLang="zh-CN" dirty="0" smtClean="0"/>
+              <a:t>”</a:t>
+            </a:r>
+            <a:r>
+              <a:rPr lang="zh-CN" altLang="en-US" dirty="0" smtClean="0"/>
+              <a:t>按钮弹框选择</a:t>
+            </a:r>
+            <a:r>
+              <a:rPr lang="zh-CN" altLang="en-US" dirty="0" smtClean="0"/>
+              <a:t>文件打开（</a:t>
+            </a:r>
+            <a:r>
+              <a:rPr lang="en-US" altLang="zh-CN" dirty="0" smtClean="0"/>
+              <a:t>288</a:t>
+            </a:r>
+            <a:r>
+              <a:rPr lang="zh-CN" altLang="en-US" dirty="0" smtClean="0"/>
+              <a:t>包长格式文件）</a:t>
+            </a:r>
+            <a:endParaRPr lang="zh-CN" altLang="en-US" dirty="0" smtClean="0"/>
+          </a:p>
+        </p:txBody>
+      </p:sp>
+    </p:spTree>
+  </p:cSld>
+  <p:clrMapOvr>
+    <a:masterClrMapping/>
+  </p:clrMapOvr>
+</p:sld>
+</file>
+
+<file path=ppt/slides/slide13.xml><?xml version="1.0" encoding="utf-8"?>
+<p:sld xmlns:a="http://schemas.openxmlformats.org/drawingml/2006/main" xmlns:r="http://schemas.openxmlformats.org/officeDocument/2006/relationships" xmlns:p="http://schemas.openxmlformats.org/presentationml/2006/main">
+  <p:cSld>
+    <p:spTree>
+      <p:nvGrpSpPr>
+        <p:cNvPr id="1" name=""/>
+        <p:cNvGrpSpPr/>
+        <p:nvPr/>
+      </p:nvGrpSpPr>
+      <p:grpSpPr/>
+      <p:sp>
+        <p:nvSpPr>
+          <p:cNvPr id="3" name="文本框 2"/>
+          <p:cNvSpPr txBox="1"/>
+          <p:nvPr/>
+        </p:nvSpPr>
+        <p:spPr>
+          <a:xfrm>
+            <a:off x="908685" y="885190"/>
+            <a:ext cx="5011420" cy="411480"/>
+          </a:xfrm>
+          <a:prstGeom prst="rect">
+            <a:avLst/>
+          </a:prstGeom>
+          <a:noFill/>
+        </p:spPr>
+        <p:txBody>
+          <a:bodyPr wrap="none" rtlCol="0">
+            <a:spAutoFit/>
+          </a:bodyPr>
+          <a:p>
+            <a:pPr>
+              <a:lnSpc>
+                <a:spcPct val="150000"/>
+              </a:lnSpc>
+            </a:pPr>
+            <a:r>
+              <a:rPr lang="zh-CN" sz="1400" dirty="0" smtClean="0"/>
+              <a:t>文件打开后可以在</a:t>
+            </a:r>
+            <a:r>
+              <a:rPr lang="en-US" altLang="zh-CN" sz="1400" dirty="0" smtClean="0"/>
+              <a:t>“</a:t>
+            </a:r>
+            <a:r>
+              <a:rPr lang="zh-CN" sz="1400" dirty="0" smtClean="0"/>
+              <a:t>控制台</a:t>
+            </a:r>
+            <a:r>
+              <a:rPr lang="en-US" altLang="zh-CN" sz="1400" dirty="0" smtClean="0"/>
+              <a:t>”</a:t>
+            </a:r>
+            <a:r>
+              <a:rPr lang="zh-CN" sz="1400" dirty="0" smtClean="0"/>
+              <a:t>看到当前文件的解包和解压信息。</a:t>
+            </a:r>
+            <a:endParaRPr lang="zh-CN" sz="1400" dirty="0" smtClean="0"/>
+          </a:p>
+        </p:txBody>
+      </p:sp>
+      <p:pic>
+        <p:nvPicPr>
+          <p:cNvPr id="4" name="图片 3"/>
+          <p:cNvPicPr>
+            <a:picLocks noChangeAspect="1"/>
+          </p:cNvPicPr>
+          <p:nvPr/>
+        </p:nvPicPr>
+        <p:blipFill>
+          <a:blip r:embed="rId1"/>
+          <a:stretch>
+            <a:fillRect/>
+          </a:stretch>
+        </p:blipFill>
+        <p:spPr>
+          <a:xfrm>
+            <a:off x="1721485" y="1639570"/>
+            <a:ext cx="8024495" cy="4513580"/>
+          </a:xfrm>
+          <a:prstGeom prst="rect">
+            <a:avLst/>
+          </a:prstGeom>
+        </p:spPr>
+      </p:pic>
+    </p:spTree>
+  </p:cSld>
+  <p:clrMapOvr>
+    <a:masterClrMapping/>
+  </p:clrMapOvr>
+</p:sld>
+</file>
+
+<file path=ppt/slides/slide14.xml><?xml version="1.0" encoding="utf-8"?>
+<p:sld xmlns:a="http://schemas.openxmlformats.org/drawingml/2006/main" xmlns:r="http://schemas.openxmlformats.org/officeDocument/2006/relationships" xmlns:p="http://schemas.openxmlformats.org/presentationml/2006/main">
+  <p:cSld>
+    <p:spTree>
+      <p:nvGrpSpPr>
+        <p:cNvPr id="1" name=""/>
+        <p:cNvGrpSpPr/>
+        <p:nvPr/>
+      </p:nvGrpSpPr>
+      <p:grpSpPr/>
+      <p:sp>
+        <p:nvSpPr>
+          <p:cNvPr id="3" name="文本框 2"/>
+          <p:cNvSpPr txBox="1"/>
+          <p:nvPr/>
+        </p:nvSpPr>
+        <p:spPr>
+          <a:xfrm>
+            <a:off x="908685" y="885190"/>
+            <a:ext cx="8278495" cy="502920"/>
+          </a:xfrm>
+          <a:prstGeom prst="rect">
+            <a:avLst/>
+          </a:prstGeom>
+          <a:noFill/>
+        </p:spPr>
+        <p:txBody>
+          <a:bodyPr wrap="none" rtlCol="0">
+            <a:spAutoFit/>
+          </a:bodyPr>
+          <a:p>
+            <a:pPr>
+              <a:lnSpc>
+                <a:spcPct val="150000"/>
+              </a:lnSpc>
+            </a:pPr>
+            <a:r>
+              <a:rPr lang="en-US" altLang="zh-CN" dirty="0" smtClean="0"/>
+              <a:t>Step2.</a:t>
+            </a:r>
+            <a:r>
+              <a:rPr lang="zh-CN" altLang="en-US" dirty="0" smtClean="0"/>
+              <a:t>点击</a:t>
+            </a:r>
+            <a:r>
+              <a:rPr lang="en-US" altLang="zh-CN" dirty="0" smtClean="0"/>
+              <a:t>“</a:t>
+            </a:r>
+            <a:r>
+              <a:rPr lang="zh-CN" altLang="en-US" dirty="0" smtClean="0"/>
+              <a:t>解压图像</a:t>
+            </a:r>
+            <a:r>
+              <a:rPr lang="en-US" altLang="zh-CN" dirty="0" smtClean="0"/>
+              <a:t>”</a:t>
+            </a:r>
+            <a:r>
+              <a:rPr lang="zh-CN" altLang="en-US" dirty="0" smtClean="0"/>
+              <a:t>按钮</a:t>
+            </a:r>
+            <a:r>
+              <a:rPr lang="zh-CN" dirty="0" smtClean="0"/>
+              <a:t>开始解压文件，同时会弹出已解压图像的动态刷新。</a:t>
+            </a:r>
+            <a:endParaRPr lang="zh-CN" dirty="0" smtClean="0"/>
+          </a:p>
+        </p:txBody>
+      </p:sp>
+      <p:pic>
+        <p:nvPicPr>
+          <p:cNvPr id="5" name="图片 4"/>
+          <p:cNvPicPr>
+            <a:picLocks noChangeAspect="1"/>
+          </p:cNvPicPr>
+          <p:nvPr/>
+        </p:nvPicPr>
+        <p:blipFill>
+          <a:blip r:embed="rId1"/>
+          <a:stretch>
+            <a:fillRect/>
+          </a:stretch>
+        </p:blipFill>
+        <p:spPr>
+          <a:xfrm>
+            <a:off x="1721485" y="1639570"/>
+            <a:ext cx="8021955" cy="4513580"/>
+          </a:xfrm>
+          <a:prstGeom prst="rect">
+            <a:avLst/>
+          </a:prstGeom>
+        </p:spPr>
+      </p:pic>
+    </p:spTree>
+  </p:cSld>
+  <p:clrMapOvr>
+    <a:masterClrMapping/>
+  </p:clrMapOvr>
+</p:sld>
+</file>
+
+<file path=ppt/slides/slide15.xml><?xml version="1.0" encoding="utf-8"?>
+<p:sld xmlns:a="http://schemas.openxmlformats.org/drawingml/2006/main" xmlns:r="http://schemas.openxmlformats.org/officeDocument/2006/relationships" xmlns:p="http://schemas.openxmlformats.org/presentationml/2006/main">
+  <p:cSld>
+    <p:spTree>
+      <p:nvGrpSpPr>
+        <p:cNvPr id="1" name=""/>
+        <p:cNvGrpSpPr/>
+        <p:nvPr/>
+      </p:nvGrpSpPr>
+      <p:grpSpPr/>
+      <p:sp>
+        <p:nvSpPr>
+          <p:cNvPr id="3" name="文本框 2"/>
+          <p:cNvSpPr txBox="1"/>
+          <p:nvPr/>
+        </p:nvSpPr>
+        <p:spPr>
+          <a:xfrm>
+            <a:off x="1643380" y="885190"/>
+            <a:ext cx="2382520" cy="502920"/>
+          </a:xfrm>
+          <a:prstGeom prst="rect">
+            <a:avLst/>
+          </a:prstGeom>
+          <a:noFill/>
+        </p:spPr>
+        <p:txBody>
+          <a:bodyPr wrap="none" rtlCol="0">
+            <a:spAutoFit/>
+          </a:bodyPr>
+          <a:p>
+            <a:pPr>
+              <a:lnSpc>
+                <a:spcPct val="150000"/>
+              </a:lnSpc>
+            </a:pPr>
+            <a:r>
+              <a:rPr lang="zh-CN" dirty="0" smtClean="0"/>
+              <a:t>图像正在动态刷新</a:t>
+            </a:r>
+            <a:r>
+              <a:rPr lang="en-US" altLang="zh-CN" dirty="0" smtClean="0"/>
+              <a:t>……</a:t>
+            </a:r>
+            <a:endParaRPr lang="en-US" altLang="zh-CN" dirty="0" smtClean="0"/>
+          </a:p>
+        </p:txBody>
+      </p:sp>
+      <p:pic>
+        <p:nvPicPr>
+          <p:cNvPr id="7" name="图片 6"/>
+          <p:cNvPicPr>
+            <a:picLocks noChangeAspect="1"/>
+          </p:cNvPicPr>
+          <p:nvPr/>
+        </p:nvPicPr>
+        <p:blipFill>
+          <a:blip r:embed="rId1"/>
+          <a:stretch>
+            <a:fillRect/>
+          </a:stretch>
+        </p:blipFill>
+        <p:spPr>
+          <a:xfrm>
+            <a:off x="1721485" y="1638935"/>
+            <a:ext cx="8023225" cy="4514215"/>
+          </a:xfrm>
+          <a:prstGeom prst="rect">
+            <a:avLst/>
+          </a:prstGeom>
+        </p:spPr>
+      </p:pic>
+    </p:spTree>
+  </p:cSld>
+  <p:clrMapOvr>
+    <a:masterClrMapping/>
+  </p:clrMapOvr>
+</p:sld>
+</file>
+
+<file path=ppt/slides/slide16.xml><?xml version="1.0" encoding="utf-8"?>
+<p:sld xmlns:a="http://schemas.openxmlformats.org/drawingml/2006/main" xmlns:r="http://schemas.openxmlformats.org/officeDocument/2006/relationships" xmlns:p="http://schemas.openxmlformats.org/presentationml/2006/main">
+  <p:cSld>
+    <p:spTree>
+      <p:nvGrpSpPr>
+        <p:cNvPr id="1" name=""/>
+        <p:cNvGrpSpPr/>
+        <p:nvPr/>
+      </p:nvGrpSpPr>
+      <p:grpSpPr/>
+      <p:sp>
+        <p:nvSpPr>
+          <p:cNvPr id="3" name="文本框 2"/>
+          <p:cNvSpPr txBox="1"/>
+          <p:nvPr/>
+        </p:nvSpPr>
+        <p:spPr>
+          <a:xfrm>
+            <a:off x="908685" y="885190"/>
+            <a:ext cx="7272655" cy="502920"/>
+          </a:xfrm>
+          <a:prstGeom prst="rect">
+            <a:avLst/>
+          </a:prstGeom>
+          <a:noFill/>
+        </p:spPr>
+        <p:txBody>
+          <a:bodyPr wrap="none" rtlCol="0">
+            <a:spAutoFit/>
+          </a:bodyPr>
+          <a:p>
+            <a:pPr>
+              <a:lnSpc>
+                <a:spcPct val="150000"/>
+              </a:lnSpc>
+            </a:pPr>
+            <a:r>
+              <a:rPr lang="zh-CN" altLang="en-US" dirty="0" smtClean="0"/>
+              <a:t>解压完成</a:t>
+            </a:r>
+            <a:r>
+              <a:rPr lang="en-US" altLang="zh-CN" dirty="0" smtClean="0"/>
+              <a:t>-&gt;</a:t>
+            </a:r>
+            <a:r>
+              <a:rPr lang="zh-CN" altLang="en-US" dirty="0" smtClean="0"/>
+              <a:t>开始写数据库</a:t>
+            </a:r>
+            <a:r>
+              <a:rPr lang="en-US" altLang="zh-CN" dirty="0" smtClean="0"/>
+              <a:t>-&gt;</a:t>
+            </a:r>
+            <a:r>
+              <a:rPr lang="zh-CN" altLang="en-US" dirty="0" smtClean="0"/>
+              <a:t>写数据库完成</a:t>
+            </a:r>
+            <a:r>
+              <a:rPr lang="en-US" altLang="zh-CN" dirty="0" smtClean="0"/>
+              <a:t>-&gt;</a:t>
+            </a:r>
+            <a:r>
+              <a:rPr lang="zh-CN" altLang="en-US" dirty="0" smtClean="0"/>
+              <a:t>拼接图像</a:t>
+            </a:r>
+            <a:r>
+              <a:rPr lang="en-US" altLang="zh-CN" dirty="0" smtClean="0"/>
+              <a:t>-&gt;“</a:t>
+            </a:r>
+            <a:r>
+              <a:rPr lang="zh-CN" altLang="en-US" dirty="0" smtClean="0"/>
+              <a:t>操作完成！</a:t>
+            </a:r>
+            <a:r>
+              <a:rPr lang="en-US" altLang="zh-CN" dirty="0" smtClean="0"/>
+              <a:t>”</a:t>
+            </a:r>
+            <a:endParaRPr lang="en-US" altLang="zh-CN" dirty="0" smtClean="0"/>
+          </a:p>
+        </p:txBody>
+      </p:sp>
+      <p:pic>
+        <p:nvPicPr>
+          <p:cNvPr id="11" name="图片 10"/>
+          <p:cNvPicPr>
+            <a:picLocks noChangeAspect="1"/>
+          </p:cNvPicPr>
+          <p:nvPr/>
+        </p:nvPicPr>
+        <p:blipFill>
+          <a:blip r:embed="rId1"/>
+          <a:stretch>
+            <a:fillRect/>
+          </a:stretch>
+        </p:blipFill>
+        <p:spPr>
+          <a:xfrm>
+            <a:off x="1721485" y="1639570"/>
+            <a:ext cx="8023225" cy="4513580"/>
+          </a:xfrm>
+          <a:prstGeom prst="rect">
+            <a:avLst/>
+          </a:prstGeom>
+        </p:spPr>
+      </p:pic>
+    </p:spTree>
+  </p:cSld>
+  <p:clrMapOvr>
+    <a:masterClrMapping/>
+  </p:clrMapOvr>
+</p:sld>
+</file>
+
+<file path=ppt/slides/slide17.xml><?xml version="1.0" encoding="utf-8"?>
+<p:sld xmlns:a="http://schemas.openxmlformats.org/drawingml/2006/main" xmlns:r="http://schemas.openxmlformats.org/officeDocument/2006/relationships" xmlns:p="http://schemas.openxmlformats.org/presentationml/2006/main">
+  <p:cSld>
+    <p:spTree>
+      <p:nvGrpSpPr>
+        <p:cNvPr id="1" name=""/>
+        <p:cNvGrpSpPr/>
+        <p:nvPr/>
+      </p:nvGrpSpPr>
+      <p:grpSpPr>
+        <a:xfrm>
+          <a:off x="0" y="0"/>
+          <a:ext cx="0" cy="0"/>
+          <a:chOff x="0" y="0"/>
+          <a:chExt cx="0" cy="0"/>
+        </a:xfrm>
+      </p:grpSpPr>
+      <p:pic>
+        <p:nvPicPr>
+          <p:cNvPr id="12" name="图片 11"/>
+          <p:cNvPicPr>
+            <a:picLocks noChangeAspect="1"/>
+          </p:cNvPicPr>
+          <p:nvPr/>
+        </p:nvPicPr>
+        <p:blipFill>
+          <a:blip r:embed="rId1"/>
+          <a:stretch>
+            <a:fillRect/>
+          </a:stretch>
+        </p:blipFill>
+        <p:spPr>
+          <a:xfrm>
+            <a:off x="1721485" y="1639570"/>
+            <a:ext cx="8023225" cy="4513580"/>
+          </a:xfrm>
+          <a:prstGeom prst="rect">
+            <a:avLst/>
+          </a:prstGeom>
+        </p:spPr>
+      </p:pic>
+      <p:sp>
+        <p:nvSpPr>
+          <p:cNvPr id="13" name="文本框 12"/>
+          <p:cNvSpPr txBox="1"/>
+          <p:nvPr/>
+        </p:nvSpPr>
+        <p:spPr>
+          <a:xfrm>
+            <a:off x="908685" y="885190"/>
+            <a:ext cx="6884670" cy="502920"/>
+          </a:xfrm>
+          <a:prstGeom prst="rect">
+            <a:avLst/>
+          </a:prstGeom>
+          <a:noFill/>
+        </p:spPr>
+        <p:txBody>
+          <a:bodyPr wrap="none" rtlCol="0">
+            <a:spAutoFit/>
+          </a:bodyPr>
+          <a:p>
+            <a:pPr>
+              <a:lnSpc>
+                <a:spcPct val="150000"/>
+              </a:lnSpc>
+            </a:pPr>
+            <a:r>
+              <a:rPr lang="en-US" altLang="zh-CN" dirty="0" smtClean="0"/>
+              <a:t>“</a:t>
+            </a:r>
+            <a:r>
+              <a:rPr lang="zh-CN" dirty="0" smtClean="0"/>
+              <a:t>解压完成</a:t>
+            </a:r>
+            <a:r>
+              <a:rPr lang="en-US" altLang="zh-CN" dirty="0" smtClean="0"/>
+              <a:t>”</a:t>
+            </a:r>
+            <a:r>
+              <a:rPr lang="zh-CN" dirty="0" smtClean="0"/>
+              <a:t>同时动态图像也刷新完成，</a:t>
+            </a:r>
+            <a:r>
+              <a:rPr lang="en-US" altLang="zh-CN" dirty="0" smtClean="0"/>
+              <a:t>“</a:t>
+            </a:r>
+            <a:r>
+              <a:rPr lang="zh-CN" dirty="0" smtClean="0"/>
+              <a:t>操作完成</a:t>
+            </a:r>
+            <a:r>
+              <a:rPr lang="en-US" altLang="zh-CN" dirty="0" smtClean="0"/>
+              <a:t>”</a:t>
+            </a:r>
+            <a:r>
+              <a:rPr lang="zh-CN" dirty="0" smtClean="0"/>
+              <a:t>同时窗体关闭。</a:t>
+            </a:r>
+            <a:endParaRPr lang="zh-CN" dirty="0" smtClean="0"/>
+          </a:p>
+        </p:txBody>
+      </p:sp>
+    </p:spTree>
+  </p:cSld>
+  <p:clrMapOvr>
+    <a:masterClrMapping/>
+  </p:clrMapOvr>
+  <p:timing>
+    <p:tnLst>
+      <p:par>
+        <p:cTn id="1" dur="indefinite" restart="never" nodeType="tmRoot"/>
+      </p:par>
+    </p:tnLst>
+  </p:timing>
+</p:sld>
+</file>
+
+<file path=ppt/slides/slide18.xml><?xml version="1.0" encoding="utf-8"?>
+<p:sld xmlns:a="http://schemas.openxmlformats.org/drawingml/2006/main" xmlns:r="http://schemas.openxmlformats.org/officeDocument/2006/relationships" xmlns:p="http://schemas.openxmlformats.org/presentationml/2006/main">
+  <p:cSld>
+    <p:spTree>
+      <p:nvGrpSpPr>
+        <p:cNvPr id="1" name=""/>
+        <p:cNvGrpSpPr/>
+        <p:nvPr/>
+      </p:nvGrpSpPr>
+      <p:grpSpPr/>
+      <p:sp>
+        <p:nvSpPr>
+          <p:cNvPr id="3" name="文本框 2"/>
+          <p:cNvSpPr txBox="1"/>
+          <p:nvPr/>
+        </p:nvSpPr>
+        <p:spPr>
+          <a:xfrm>
+            <a:off x="908685" y="885190"/>
+            <a:ext cx="7909560" cy="502920"/>
+          </a:xfrm>
+          <a:prstGeom prst="rect">
+            <a:avLst/>
+          </a:prstGeom>
+          <a:noFill/>
+        </p:spPr>
+        <p:txBody>
+          <a:bodyPr wrap="none" rtlCol="0">
+            <a:spAutoFit/>
+          </a:bodyPr>
+          <a:p>
+            <a:pPr>
+              <a:lnSpc>
+                <a:spcPct val="150000"/>
+              </a:lnSpc>
+            </a:pPr>
+            <a:r>
+              <a:rPr lang="en-US" altLang="zh-CN" dirty="0" smtClean="0"/>
+              <a:t>“</a:t>
+            </a:r>
+            <a:r>
+              <a:rPr lang="zh-CN" dirty="0" smtClean="0"/>
+              <a:t>操作完成</a:t>
+            </a:r>
+            <a:r>
+              <a:rPr lang="en-US" altLang="zh-CN" dirty="0" smtClean="0"/>
+              <a:t>”</a:t>
+            </a:r>
+            <a:r>
+              <a:rPr lang="zh-CN" altLang="en-US" dirty="0" smtClean="0"/>
+              <a:t>自动跳转光谱分析</a:t>
+            </a:r>
+            <a:r>
+              <a:rPr lang="en-US" altLang="zh-CN" dirty="0" smtClean="0"/>
+              <a:t>-</a:t>
+            </a:r>
+            <a:r>
+              <a:rPr lang="zh-CN" altLang="en-US" dirty="0" smtClean="0"/>
+              <a:t>数据检索界面，可以进行光谱分析相关操作。</a:t>
+            </a:r>
+            <a:endParaRPr lang="zh-CN" altLang="en-US" dirty="0" smtClean="0"/>
+          </a:p>
+        </p:txBody>
+      </p:sp>
+      <p:pic>
+        <p:nvPicPr>
+          <p:cNvPr id="4" name="图片 3"/>
+          <p:cNvPicPr>
+            <a:picLocks noChangeAspect="1"/>
+          </p:cNvPicPr>
+          <p:nvPr/>
+        </p:nvPicPr>
+        <p:blipFill>
+          <a:blip r:embed="rId1"/>
+          <a:stretch>
+            <a:fillRect/>
+          </a:stretch>
+        </p:blipFill>
+        <p:spPr>
+          <a:xfrm>
+            <a:off x="1721485" y="1639570"/>
+            <a:ext cx="8023225" cy="4513580"/>
+          </a:xfrm>
+          <a:prstGeom prst="rect">
+            <a:avLst/>
+          </a:prstGeom>
+        </p:spPr>
+      </p:pic>
+    </p:spTree>
+  </p:cSld>
+  <p:clrMapOvr>
+    <a:masterClrMapping/>
+  </p:clrMapOvr>
+</p:sld>
+</file>
+
+<file path=ppt/slides/slide19.xml><?xml version="1.0" encoding="utf-8"?>
+<p:sld xmlns:a="http://schemas.openxmlformats.org/drawingml/2006/main" xmlns:r="http://schemas.openxmlformats.org/officeDocument/2006/relationships" xmlns:p="http://schemas.openxmlformats.org/presentationml/2006/main">
+  <p:cSld>
+    <p:spTree>
+      <p:nvGrpSpPr>
+        <p:cNvPr id="1" name=""/>
+        <p:cNvGrpSpPr/>
+        <p:nvPr/>
+      </p:nvGrpSpPr>
+      <p:grpSpPr/>
+      <p:sp>
+        <p:nvSpPr>
+          <p:cNvPr id="3" name="矩形 2"/>
+          <p:cNvSpPr/>
+          <p:nvPr/>
+        </p:nvSpPr>
+        <p:spPr>
+          <a:xfrm>
+            <a:off x="2458085" y="1962785"/>
+            <a:ext cx="7344410" cy="2148840"/>
+          </a:xfrm>
+          <a:prstGeom prst="rect">
+            <a:avLst/>
+          </a:prstGeom>
+        </p:spPr>
+        <p:txBody>
+          <a:bodyPr wrap="square">
+            <a:spAutoFit/>
+          </a:bodyPr>
+          <a:p>
+            <a:pPr>
+              <a:lnSpc>
+                <a:spcPct val="150000"/>
+              </a:lnSpc>
+            </a:pPr>
+            <a:r>
+              <a:rPr lang="en-US" altLang="zh-CN" sz="5000" dirty="0" smtClean="0">
+                <a:latin typeface="黑体" panose="02010609060101010101" pitchFamily="49" charset="-122"/>
+                <a:ea typeface="黑体" panose="02010609060101010101" pitchFamily="49" charset="-122"/>
+              </a:rPr>
+              <a:t>1.</a:t>
+            </a:r>
+            <a:r>
+              <a:rPr lang="zh-CN" sz="5000" dirty="0" smtClean="0">
+                <a:latin typeface="黑体" panose="02010609060101010101" pitchFamily="49" charset="-122"/>
+                <a:ea typeface="黑体" panose="02010609060101010101" pitchFamily="49" charset="-122"/>
+              </a:rPr>
+              <a:t>文件解压并展示</a:t>
+            </a:r>
+            <a:endParaRPr lang="zh-CN" sz="5000" dirty="0" smtClean="0">
+              <a:latin typeface="黑体" panose="02010609060101010101" pitchFamily="49" charset="-122"/>
+              <a:ea typeface="黑体" panose="02010609060101010101" pitchFamily="49" charset="-122"/>
+            </a:endParaRPr>
+          </a:p>
+          <a:p>
+            <a:pPr algn="r">
+              <a:lnSpc>
+                <a:spcPct val="150000"/>
+              </a:lnSpc>
+            </a:pPr>
+            <a:r>
+              <a:rPr lang="en-US" altLang="zh-CN" sz="4000" dirty="0">
+                <a:latin typeface="黑体" panose="02010609060101010101" pitchFamily="49" charset="-122"/>
+                <a:ea typeface="黑体" panose="02010609060101010101" pitchFamily="49" charset="-122"/>
+              </a:rPr>
+              <a:t>——</a:t>
+            </a:r>
+            <a:r>
+              <a:rPr lang="zh-CN" altLang="en-US" sz="4000" dirty="0">
+                <a:latin typeface="黑体" panose="02010609060101010101" pitchFamily="49" charset="-122"/>
+                <a:ea typeface="黑体" panose="02010609060101010101" pitchFamily="49" charset="-122"/>
+              </a:rPr>
+              <a:t>包长为</a:t>
+            </a:r>
+            <a:r>
+              <a:rPr lang="en-US" altLang="zh-CN" sz="4000" dirty="0">
+                <a:solidFill>
+                  <a:srgbClr val="FF0000"/>
+                </a:solidFill>
+                <a:latin typeface="黑体" panose="02010609060101010101" pitchFamily="49" charset="-122"/>
+                <a:ea typeface="黑体" panose="02010609060101010101" pitchFamily="49" charset="-122"/>
+              </a:rPr>
+              <a:t>280</a:t>
+            </a:r>
+            <a:r>
+              <a:rPr lang="zh-CN" altLang="en-US" sz="4000" dirty="0">
+                <a:latin typeface="黑体" panose="02010609060101010101" pitchFamily="49" charset="-122"/>
+                <a:ea typeface="黑体" panose="02010609060101010101" pitchFamily="49" charset="-122"/>
+              </a:rPr>
+              <a:t>字节文件</a:t>
+            </a:r>
+            <a:endParaRPr lang="zh-CN" altLang="en-US" sz="4000" dirty="0">
+              <a:latin typeface="黑体" panose="02010609060101010101" pitchFamily="49" charset="-122"/>
+              <a:ea typeface="黑体" panose="02010609060101010101" pitchFamily="49" charset="-122"/>
+            </a:endParaRPr>
+          </a:p>
+        </p:txBody>
+      </p:sp>
+      <p:sp>
+        <p:nvSpPr>
+          <p:cNvPr id="4" name="文本框 3"/>
+          <p:cNvSpPr txBox="1"/>
+          <p:nvPr/>
+        </p:nvSpPr>
+        <p:spPr>
+          <a:xfrm>
+            <a:off x="1764030" y="5026660"/>
+            <a:ext cx="9081770" cy="1051560"/>
+          </a:xfrm>
+          <a:prstGeom prst="rect">
+            <a:avLst/>
+          </a:prstGeom>
+          <a:noFill/>
+        </p:spPr>
+        <p:txBody>
+          <a:bodyPr wrap="none" rtlCol="0">
+            <a:spAutoFit/>
+          </a:bodyPr>
+          <a:p>
+            <a:pPr>
+              <a:lnSpc>
+                <a:spcPct val="150000"/>
+              </a:lnSpc>
+            </a:pPr>
+            <a:r>
+              <a:rPr lang="zh-CN" altLang="en-US" sz="1400" b="1" dirty="0" smtClean="0">
+                <a:solidFill>
+                  <a:schemeClr val="tx1"/>
+                </a:solidFill>
+              </a:rPr>
+              <a:t>说明：</a:t>
+            </a:r>
+            <a:endParaRPr lang="zh-CN" altLang="en-US" sz="1400" b="1" dirty="0" smtClean="0">
+              <a:solidFill>
+                <a:schemeClr val="tx1"/>
+              </a:solidFill>
+            </a:endParaRPr>
+          </a:p>
+          <a:p>
+            <a:pPr>
+              <a:lnSpc>
+                <a:spcPct val="150000"/>
+              </a:lnSpc>
+            </a:pPr>
+            <a:r>
+              <a:rPr lang="en-US" altLang="zh-CN" sz="1400" b="1" dirty="0" smtClean="0">
+                <a:solidFill>
+                  <a:schemeClr val="tx1"/>
+                </a:solidFill>
+              </a:rPr>
+              <a:t>	288</a:t>
+            </a:r>
+            <a:r>
+              <a:rPr lang="zh-CN" altLang="en-US" sz="1400" b="1" dirty="0" smtClean="0">
+                <a:solidFill>
+                  <a:schemeClr val="tx1"/>
+                </a:solidFill>
+              </a:rPr>
+              <a:t>文件为星上数据解包后的文件，因此不需要进行解包，直接进行解压图像；</a:t>
+            </a:r>
+            <a:endParaRPr lang="zh-CN" altLang="en-US" sz="1400" b="1" dirty="0" smtClean="0">
+              <a:solidFill>
+                <a:schemeClr val="tx1"/>
+              </a:solidFill>
+            </a:endParaRPr>
+          </a:p>
+          <a:p>
+            <a:pPr>
+              <a:lnSpc>
+                <a:spcPct val="150000"/>
+              </a:lnSpc>
+            </a:pPr>
+            <a:r>
+              <a:rPr lang="en-US" altLang="zh-CN" sz="1400" b="1" dirty="0" smtClean="0">
+                <a:solidFill>
+                  <a:schemeClr val="tx1"/>
+                </a:solidFill>
+              </a:rPr>
+              <a:t>	</a:t>
+            </a:r>
+            <a:r>
+              <a:rPr lang="zh-CN" altLang="en-US" sz="1400" b="1" dirty="0" smtClean="0">
+                <a:solidFill>
+                  <a:schemeClr val="tx1"/>
+                </a:solidFill>
+              </a:rPr>
+              <a:t>如果进行了解包操作，请在</a:t>
+            </a:r>
+            <a:r>
+              <a:rPr lang="en-US" altLang="zh-CN" sz="1400" b="1" dirty="0" smtClean="0">
+                <a:solidFill>
+                  <a:schemeClr val="tx1"/>
+                </a:solidFill>
+              </a:rPr>
+              <a:t>“</a:t>
+            </a:r>
+            <a:r>
+              <a:rPr lang="zh-CN" altLang="en-US" sz="1400" b="1" dirty="0" smtClean="0">
+                <a:solidFill>
+                  <a:schemeClr val="tx1"/>
+                </a:solidFill>
+              </a:rPr>
+              <a:t>文件检索</a:t>
+            </a:r>
+            <a:r>
+              <a:rPr lang="en-US" altLang="zh-CN" sz="1400" b="1" dirty="0" smtClean="0">
+                <a:solidFill>
+                  <a:schemeClr val="tx1"/>
+                </a:solidFill>
+              </a:rPr>
+              <a:t>”</a:t>
+            </a:r>
+            <a:r>
+              <a:rPr lang="zh-CN" altLang="en-US" sz="1400" b="1" dirty="0" smtClean="0">
+                <a:solidFill>
+                  <a:schemeClr val="tx1"/>
+                </a:solidFill>
+              </a:rPr>
+              <a:t>界面删除该文件记录，再进行解压图像操作，否则系统处理不正确。</a:t>
+            </a:r>
+            <a:endParaRPr lang="zh-CN" altLang="en-US" sz="1400" b="1" dirty="0" smtClean="0">
+              <a:solidFill>
+                <a:schemeClr val="tx1"/>
+              </a:solidFill>
+            </a:endParaRPr>
+          </a:p>
+        </p:txBody>
+      </p:sp>
+    </p:spTree>
+  </p:cSld>
+  <p:clrMapOvr>
+    <a:masterClrMapping/>
+  </p:clrMapOvr>
 </p:sld>
 </file>
 
@@ -6676,15 +8053,14 @@
               </a:rPr>
               <a:t>三、操作说明</a:t>
             </a:r>
+            <a:endParaRPr lang="zh-CN" altLang="en-US" sz="3600" dirty="0" smtClean="0">
+              <a:latin typeface="黑体" panose="02010609060101010101" pitchFamily="49" charset="-122"/>
+              <a:ea typeface="黑体" panose="02010609060101010101" pitchFamily="49" charset="-122"/>
+            </a:endParaRPr>
           </a:p>
         </p:txBody>
       </p:sp>
     </p:spTree>
-    <p:extLst>
-      <p:ext uri="{BB962C8B-B14F-4D97-AF65-F5344CB8AC3E}">
-        <p14:creationId xmlns:p14="http://schemas.microsoft.com/office/powerpoint/2010/main" val="1999825483"/>
-      </p:ext>
-    </p:extLst>
   </p:cSld>
   <p:clrMapOvr>
     <a:masterClrMapping/>
@@ -7016,6 +8392,766 @@
 </p:sld>
 </file>
 
+<file path=ppt/slides/slide20.xml><?xml version="1.0" encoding="utf-8"?>
+<p:sld xmlns:a="http://schemas.openxmlformats.org/drawingml/2006/main" xmlns:r="http://schemas.openxmlformats.org/officeDocument/2006/relationships" xmlns:p="http://schemas.openxmlformats.org/presentationml/2006/main">
+  <p:cSld>
+    <p:spTree>
+      <p:nvGrpSpPr>
+        <p:cNvPr id="1" name=""/>
+        <p:cNvGrpSpPr/>
+        <p:nvPr/>
+      </p:nvGrpSpPr>
+      <p:grpSpPr/>
+      <p:sp>
+        <p:nvSpPr>
+          <p:cNvPr id="3" name="文本框 2"/>
+          <p:cNvSpPr txBox="1"/>
+          <p:nvPr/>
+        </p:nvSpPr>
+        <p:spPr>
+          <a:xfrm>
+            <a:off x="908685" y="885190"/>
+            <a:ext cx="9987915" cy="502920"/>
+          </a:xfrm>
+          <a:prstGeom prst="rect">
+            <a:avLst/>
+          </a:prstGeom>
+          <a:noFill/>
+        </p:spPr>
+        <p:txBody>
+          <a:bodyPr wrap="none" rtlCol="0">
+            <a:spAutoFit/>
+          </a:bodyPr>
+          <a:p>
+            <a:pPr>
+              <a:lnSpc>
+                <a:spcPct val="150000"/>
+              </a:lnSpc>
+            </a:pPr>
+            <a:r>
+              <a:rPr lang="en-US" altLang="zh-CN" dirty="0" smtClean="0"/>
+              <a:t>“</a:t>
+            </a:r>
+            <a:r>
+              <a:rPr lang="zh-CN" altLang="en-US" dirty="0" smtClean="0"/>
+              <a:t>打开</a:t>
+            </a:r>
+            <a:r>
+              <a:rPr lang="en-US" altLang="zh-CN" dirty="0" smtClean="0"/>
+              <a:t>”</a:t>
+            </a:r>
+            <a:r>
+              <a:rPr lang="zh-CN" altLang="en-US" dirty="0" smtClean="0"/>
+              <a:t>文件（</a:t>
+            </a:r>
+            <a:r>
+              <a:rPr lang="en-US" altLang="zh-CN" dirty="0" smtClean="0"/>
+              <a:t>280</a:t>
+            </a:r>
+            <a:r>
+              <a:rPr lang="zh-CN" altLang="en-US" dirty="0" smtClean="0"/>
+              <a:t>包长格式文件）后进行</a:t>
+            </a:r>
+            <a:r>
+              <a:rPr lang="en-US" altLang="zh-CN" dirty="0" smtClean="0"/>
+              <a:t>“</a:t>
+            </a:r>
+            <a:r>
+              <a:rPr lang="zh-CN" altLang="en-US" dirty="0" smtClean="0"/>
+              <a:t>解压文件</a:t>
+            </a:r>
+            <a:r>
+              <a:rPr lang="en-US" altLang="zh-CN" dirty="0" smtClean="0"/>
+              <a:t>”</a:t>
+            </a:r>
+            <a:r>
+              <a:rPr lang="zh-CN" altLang="en-US" dirty="0" smtClean="0"/>
+              <a:t>前，勾选</a:t>
+            </a:r>
+            <a:r>
+              <a:rPr lang="en-US" altLang="zh-CN" dirty="0" smtClean="0"/>
+              <a:t>280</a:t>
+            </a:r>
+            <a:r>
+              <a:rPr lang="zh-CN" altLang="en-US" dirty="0" smtClean="0"/>
+              <a:t>，剩余操作同</a:t>
+            </a:r>
+            <a:r>
+              <a:rPr lang="en-US" altLang="zh-CN" dirty="0" smtClean="0"/>
+              <a:t>288</a:t>
+            </a:r>
+            <a:r>
+              <a:rPr lang="zh-CN" altLang="en-US" dirty="0" smtClean="0"/>
+              <a:t>完全一样。</a:t>
+            </a:r>
+            <a:endParaRPr lang="zh-CN" altLang="en-US" dirty="0" smtClean="0"/>
+          </a:p>
+        </p:txBody>
+      </p:sp>
+      <p:pic>
+        <p:nvPicPr>
+          <p:cNvPr id="5" name="图片 4"/>
+          <p:cNvPicPr>
+            <a:picLocks noChangeAspect="1"/>
+          </p:cNvPicPr>
+          <p:nvPr/>
+        </p:nvPicPr>
+        <p:blipFill>
+          <a:blip r:embed="rId1"/>
+          <a:stretch>
+            <a:fillRect/>
+          </a:stretch>
+        </p:blipFill>
+        <p:spPr>
+          <a:xfrm>
+            <a:off x="1721485" y="1639570"/>
+            <a:ext cx="8023860" cy="4513580"/>
+          </a:xfrm>
+          <a:prstGeom prst="rect">
+            <a:avLst/>
+          </a:prstGeom>
+        </p:spPr>
+      </p:pic>
+    </p:spTree>
+  </p:cSld>
+  <p:clrMapOvr>
+    <a:masterClrMapping/>
+  </p:clrMapOvr>
+</p:sld>
+</file>
+
+<file path=ppt/slides/slide21.xml><?xml version="1.0" encoding="utf-8"?>
+<p:sld xmlns:a="http://schemas.openxmlformats.org/drawingml/2006/main" xmlns:r="http://schemas.openxmlformats.org/officeDocument/2006/relationships" xmlns:p="http://schemas.openxmlformats.org/presentationml/2006/main">
+  <p:cSld>
+    <p:spTree>
+      <p:nvGrpSpPr>
+        <p:cNvPr id="1" name=""/>
+        <p:cNvGrpSpPr/>
+        <p:nvPr/>
+      </p:nvGrpSpPr>
+      <p:grpSpPr/>
+      <p:sp>
+        <p:nvSpPr>
+          <p:cNvPr id="3" name="矩形 2"/>
+          <p:cNvSpPr/>
+          <p:nvPr/>
+        </p:nvSpPr>
+        <p:spPr>
+          <a:xfrm>
+            <a:off x="2458085" y="1962785"/>
+            <a:ext cx="7344410" cy="2148840"/>
+          </a:xfrm>
+          <a:prstGeom prst="rect">
+            <a:avLst/>
+          </a:prstGeom>
+        </p:spPr>
+        <p:txBody>
+          <a:bodyPr wrap="square">
+            <a:spAutoFit/>
+          </a:bodyPr>
+          <a:p>
+            <a:pPr>
+              <a:lnSpc>
+                <a:spcPct val="150000"/>
+              </a:lnSpc>
+            </a:pPr>
+            <a:r>
+              <a:rPr lang="en-US" altLang="zh-CN" sz="5000" dirty="0" smtClean="0">
+                <a:latin typeface="黑体" panose="02010609060101010101" pitchFamily="49" charset="-122"/>
+                <a:ea typeface="黑体" panose="02010609060101010101" pitchFamily="49" charset="-122"/>
+              </a:rPr>
+              <a:t>3.</a:t>
+            </a:r>
+            <a:r>
+              <a:rPr lang="zh-CN" sz="5000" dirty="0" smtClean="0">
+                <a:latin typeface="黑体" panose="02010609060101010101" pitchFamily="49" charset="-122"/>
+                <a:ea typeface="黑体" panose="02010609060101010101" pitchFamily="49" charset="-122"/>
+              </a:rPr>
+              <a:t>文件管理</a:t>
+            </a:r>
+            <a:endParaRPr lang="zh-CN" sz="5000" dirty="0" smtClean="0">
+              <a:latin typeface="黑体" panose="02010609060101010101" pitchFamily="49" charset="-122"/>
+              <a:ea typeface="黑体" panose="02010609060101010101" pitchFamily="49" charset="-122"/>
+            </a:endParaRPr>
+          </a:p>
+          <a:p>
+            <a:pPr algn="r">
+              <a:lnSpc>
+                <a:spcPct val="150000"/>
+              </a:lnSpc>
+            </a:pPr>
+            <a:r>
+              <a:rPr lang="en-US" altLang="zh-CN" sz="4000" dirty="0">
+                <a:latin typeface="黑体" panose="02010609060101010101" pitchFamily="49" charset="-122"/>
+                <a:ea typeface="黑体" panose="02010609060101010101" pitchFamily="49" charset="-122"/>
+              </a:rPr>
+              <a:t>——</a:t>
+            </a:r>
+            <a:r>
+              <a:rPr lang="zh-CN" altLang="en-US" sz="4000" dirty="0">
+                <a:latin typeface="黑体" panose="02010609060101010101" pitchFamily="49" charset="-122"/>
+                <a:ea typeface="黑体" panose="02010609060101010101" pitchFamily="49" charset="-122"/>
+              </a:rPr>
+              <a:t>查看、删除、选定</a:t>
+            </a:r>
+            <a:endParaRPr lang="zh-CN" altLang="en-US" sz="4000" dirty="0">
+              <a:latin typeface="黑体" panose="02010609060101010101" pitchFamily="49" charset="-122"/>
+              <a:ea typeface="黑体" panose="02010609060101010101" pitchFamily="49" charset="-122"/>
+            </a:endParaRPr>
+          </a:p>
+        </p:txBody>
+      </p:sp>
+    </p:spTree>
+  </p:cSld>
+  <p:clrMapOvr>
+    <a:masterClrMapping/>
+  </p:clrMapOvr>
+</p:sld>
+</file>
+
+<file path=ppt/slides/slide22.xml><?xml version="1.0" encoding="utf-8"?>
+<p:sld xmlns:a="http://schemas.openxmlformats.org/drawingml/2006/main" xmlns:r="http://schemas.openxmlformats.org/officeDocument/2006/relationships" xmlns:p="http://schemas.openxmlformats.org/presentationml/2006/main">
+  <p:cSld>
+    <p:spTree>
+      <p:nvGrpSpPr>
+        <p:cNvPr id="1" name=""/>
+        <p:cNvGrpSpPr/>
+        <p:nvPr/>
+      </p:nvGrpSpPr>
+      <p:grpSpPr/>
+      <p:sp>
+        <p:nvSpPr>
+          <p:cNvPr id="3" name="文本框 2"/>
+          <p:cNvSpPr txBox="1"/>
+          <p:nvPr/>
+        </p:nvSpPr>
+        <p:spPr>
+          <a:xfrm>
+            <a:off x="908685" y="885190"/>
+            <a:ext cx="9530080" cy="731520"/>
+          </a:xfrm>
+          <a:prstGeom prst="rect">
+            <a:avLst/>
+          </a:prstGeom>
+          <a:noFill/>
+        </p:spPr>
+        <p:txBody>
+          <a:bodyPr wrap="none" rtlCol="0">
+            <a:spAutoFit/>
+          </a:bodyPr>
+          <a:p>
+            <a:pPr>
+              <a:lnSpc>
+                <a:spcPct val="150000"/>
+              </a:lnSpc>
+            </a:pPr>
+            <a:r>
+              <a:rPr lang="en-US" altLang="zh-CN" sz="1400" dirty="0" smtClean="0"/>
+              <a:t>Step1.</a:t>
+            </a:r>
+            <a:r>
+              <a:rPr lang="zh-CN" altLang="en-US" sz="1400" dirty="0" smtClean="0"/>
+              <a:t>点击</a:t>
+            </a:r>
+            <a:r>
+              <a:rPr lang="en-US" altLang="zh-CN" sz="1400" dirty="0" smtClean="0"/>
+              <a:t>“</a:t>
+            </a:r>
+            <a:r>
+              <a:rPr lang="zh-CN" altLang="en-US" sz="1400" dirty="0" smtClean="0"/>
+              <a:t>文件检索</a:t>
+            </a:r>
+            <a:r>
+              <a:rPr lang="en-US" altLang="zh-CN" sz="1400" dirty="0" smtClean="0"/>
+              <a:t>”</a:t>
+            </a:r>
+            <a:r>
+              <a:rPr lang="zh-CN" sz="1400" dirty="0" smtClean="0"/>
+              <a:t>后可以看到已经在从系统打开过的文件列表，点击</a:t>
+            </a:r>
+            <a:r>
+              <a:rPr lang="en-US" altLang="zh-CN" sz="1400" dirty="0" smtClean="0"/>
+              <a:t>“</a:t>
+            </a:r>
+            <a:r>
+              <a:rPr lang="zh-CN" altLang="en-US" sz="1400" dirty="0" smtClean="0"/>
+              <a:t>查找所有</a:t>
+            </a:r>
+            <a:r>
+              <a:rPr lang="en-US" altLang="zh-CN" sz="1400" dirty="0" smtClean="0"/>
+              <a:t>”</a:t>
+            </a:r>
+            <a:r>
+              <a:rPr lang="zh-CN" altLang="en-US" sz="1400" dirty="0" smtClean="0"/>
+              <a:t>，可刷新列表显示所有文件信息；</a:t>
+            </a:r>
+            <a:endParaRPr lang="zh-CN" altLang="en-US" sz="1400" dirty="0" smtClean="0"/>
+          </a:p>
+          <a:p>
+            <a:pPr>
+              <a:lnSpc>
+                <a:spcPct val="150000"/>
+              </a:lnSpc>
+            </a:pPr>
+            <a:r>
+              <a:rPr lang="en-US" altLang="zh-CN" sz="1400" dirty="0" smtClean="0"/>
+              <a:t>	  </a:t>
+            </a:r>
+            <a:r>
+              <a:rPr lang="zh-CN" sz="1400" dirty="0" smtClean="0"/>
+              <a:t>在</a:t>
+            </a:r>
+            <a:r>
+              <a:rPr lang="en-US" altLang="zh-CN" sz="1400" dirty="0" smtClean="0"/>
+              <a:t>“</a:t>
+            </a:r>
+            <a:r>
+              <a:rPr lang="zh-CN" altLang="en-US" sz="1400" dirty="0" smtClean="0"/>
+              <a:t>文件全称</a:t>
+            </a:r>
+            <a:r>
+              <a:rPr lang="en-US" altLang="zh-CN" sz="1400" dirty="0" smtClean="0"/>
+              <a:t>”</a:t>
+            </a:r>
+            <a:r>
+              <a:rPr lang="zh-CN" altLang="en-US" sz="1400" dirty="0" smtClean="0"/>
+              <a:t>输入文件名的一部分，系统</a:t>
+            </a:r>
+            <a:r>
+              <a:rPr lang="zh-CN" altLang="en-US" sz="1400" b="1" dirty="0" smtClean="0">
+                <a:solidFill>
+                  <a:schemeClr val="bg2">
+                    <a:lumMod val="40000"/>
+                    <a:lumOff val="60000"/>
+                  </a:schemeClr>
+                </a:solidFill>
+              </a:rPr>
+              <a:t>自动检索</a:t>
+            </a:r>
+            <a:r>
+              <a:rPr lang="zh-CN" altLang="en-US" sz="1400" dirty="0" smtClean="0"/>
+              <a:t>相关文件</a:t>
+            </a:r>
+            <a:r>
+              <a:rPr lang="zh-CN" altLang="en-US" sz="1400" dirty="0" smtClean="0"/>
+              <a:t>。</a:t>
+            </a:r>
+            <a:endParaRPr lang="zh-CN" altLang="en-US" sz="1400" dirty="0" smtClean="0"/>
+          </a:p>
+        </p:txBody>
+      </p:sp>
+      <p:pic>
+        <p:nvPicPr>
+          <p:cNvPr id="4" name="图片 3"/>
+          <p:cNvPicPr>
+            <a:picLocks noChangeAspect="1"/>
+          </p:cNvPicPr>
+          <p:nvPr/>
+        </p:nvPicPr>
+        <p:blipFill>
+          <a:blip r:embed="rId1"/>
+          <a:stretch>
+            <a:fillRect/>
+          </a:stretch>
+        </p:blipFill>
+        <p:spPr>
+          <a:xfrm>
+            <a:off x="1721485" y="1639570"/>
+            <a:ext cx="8023860" cy="4513580"/>
+          </a:xfrm>
+          <a:prstGeom prst="rect">
+            <a:avLst/>
+          </a:prstGeom>
+        </p:spPr>
+      </p:pic>
+    </p:spTree>
+  </p:cSld>
+  <p:clrMapOvr>
+    <a:masterClrMapping/>
+  </p:clrMapOvr>
+</p:sld>
+</file>
+
+<file path=ppt/slides/slide23.xml><?xml version="1.0" encoding="utf-8"?>
+<p:sld xmlns:a="http://schemas.openxmlformats.org/drawingml/2006/main" xmlns:r="http://schemas.openxmlformats.org/officeDocument/2006/relationships" xmlns:p="http://schemas.openxmlformats.org/presentationml/2006/main">
+  <p:cSld>
+    <p:spTree>
+      <p:nvGrpSpPr>
+        <p:cNvPr id="1" name=""/>
+        <p:cNvGrpSpPr/>
+        <p:nvPr/>
+      </p:nvGrpSpPr>
+      <p:grpSpPr/>
+      <p:sp>
+        <p:nvSpPr>
+          <p:cNvPr id="3" name="文本框 2"/>
+          <p:cNvSpPr txBox="1"/>
+          <p:nvPr/>
+        </p:nvSpPr>
+        <p:spPr>
+          <a:xfrm>
+            <a:off x="908685" y="885190"/>
+            <a:ext cx="9174480" cy="731520"/>
+          </a:xfrm>
+          <a:prstGeom prst="rect">
+            <a:avLst/>
+          </a:prstGeom>
+          <a:noFill/>
+        </p:spPr>
+        <p:txBody>
+          <a:bodyPr wrap="none" rtlCol="0">
+            <a:spAutoFit/>
+          </a:bodyPr>
+          <a:p>
+            <a:pPr>
+              <a:lnSpc>
+                <a:spcPct val="150000"/>
+              </a:lnSpc>
+            </a:pPr>
+            <a:r>
+              <a:rPr lang="en-US" altLang="zh-CN" sz="1400" dirty="0" smtClean="0"/>
+              <a:t>Step2.</a:t>
+            </a:r>
+            <a:r>
+              <a:rPr lang="zh-CN" altLang="en-US" sz="1400" dirty="0" smtClean="0"/>
+              <a:t>选中</a:t>
+            </a:r>
+            <a:r>
+              <a:rPr lang="en-US" altLang="zh-CN" sz="1400" dirty="0" smtClean="0"/>
+              <a:t>“</a:t>
+            </a:r>
+            <a:r>
+              <a:rPr lang="zh-CN" altLang="en-US" sz="1400" dirty="0" smtClean="0"/>
+              <a:t>文件列表</a:t>
+            </a:r>
+            <a:r>
+              <a:rPr lang="en-US" altLang="zh-CN" sz="1400" dirty="0" smtClean="0"/>
+              <a:t>”</a:t>
+            </a:r>
+            <a:r>
+              <a:rPr lang="zh-CN" altLang="en-US" sz="1400" dirty="0" smtClean="0"/>
+              <a:t>某条目后，</a:t>
+            </a:r>
+            <a:r>
+              <a:rPr lang="en-US" altLang="zh-CN" sz="1400" dirty="0" smtClean="0"/>
+              <a:t>“</a:t>
+            </a:r>
+            <a:r>
+              <a:rPr lang="zh-CN" altLang="en-US" sz="1400" dirty="0" smtClean="0"/>
+              <a:t>文件状态</a:t>
+            </a:r>
+            <a:r>
+              <a:rPr lang="en-US" altLang="zh-CN" sz="1400" dirty="0" smtClean="0"/>
+              <a:t>”</a:t>
+            </a:r>
+            <a:r>
+              <a:rPr lang="zh-CN" altLang="en-US" sz="1400" dirty="0" smtClean="0"/>
+              <a:t>显示选中文件的图像信息（帧数、起止时间、起止经纬、解压时间、</a:t>
+            </a:r>
+            <a:endParaRPr lang="zh-CN" altLang="en-US" sz="1400" dirty="0" smtClean="0"/>
+          </a:p>
+          <a:p>
+            <a:pPr>
+              <a:lnSpc>
+                <a:spcPct val="150000"/>
+              </a:lnSpc>
+            </a:pPr>
+            <a:r>
+              <a:rPr lang="en-US" altLang="zh-CN" sz="1400" dirty="0" smtClean="0"/>
+              <a:t>	  </a:t>
+            </a:r>
+            <a:r>
+              <a:rPr lang="zh-CN" altLang="en-US" sz="1400" dirty="0" smtClean="0"/>
+              <a:t>解压后路径、解包时间、解包后路径</a:t>
+            </a:r>
+            <a:r>
+              <a:rPr lang="zh-CN" altLang="en-US" sz="1400" dirty="0" smtClean="0"/>
+              <a:t>）；</a:t>
+            </a:r>
+            <a:endParaRPr lang="zh-CN" altLang="en-US" sz="1400" dirty="0" smtClean="0"/>
+          </a:p>
+        </p:txBody>
+      </p:sp>
+      <p:pic>
+        <p:nvPicPr>
+          <p:cNvPr id="7" name="图片 6"/>
+          <p:cNvPicPr>
+            <a:picLocks noChangeAspect="1"/>
+          </p:cNvPicPr>
+          <p:nvPr/>
+        </p:nvPicPr>
+        <p:blipFill>
+          <a:blip r:embed="rId1"/>
+          <a:stretch>
+            <a:fillRect/>
+          </a:stretch>
+        </p:blipFill>
+        <p:spPr>
+          <a:xfrm>
+            <a:off x="1721485" y="1639570"/>
+            <a:ext cx="8023860" cy="4513580"/>
+          </a:xfrm>
+          <a:prstGeom prst="rect">
+            <a:avLst/>
+          </a:prstGeom>
+        </p:spPr>
+      </p:pic>
+    </p:spTree>
+  </p:cSld>
+  <p:clrMapOvr>
+    <a:masterClrMapping/>
+  </p:clrMapOvr>
+</p:sld>
+</file>
+
+<file path=ppt/slides/slide24.xml><?xml version="1.0" encoding="utf-8"?>
+<p:sld xmlns:a="http://schemas.openxmlformats.org/drawingml/2006/main" xmlns:r="http://schemas.openxmlformats.org/officeDocument/2006/relationships" xmlns:p="http://schemas.openxmlformats.org/presentationml/2006/main">
+  <p:cSld>
+    <p:spTree>
+      <p:nvGrpSpPr>
+        <p:cNvPr id="1" name=""/>
+        <p:cNvGrpSpPr/>
+        <p:nvPr/>
+      </p:nvGrpSpPr>
+      <p:grpSpPr/>
+      <p:sp>
+        <p:nvSpPr>
+          <p:cNvPr id="3" name="文本框 2"/>
+          <p:cNvSpPr txBox="1"/>
+          <p:nvPr/>
+        </p:nvSpPr>
+        <p:spPr>
+          <a:xfrm>
+            <a:off x="908685" y="885190"/>
+            <a:ext cx="9024620" cy="731520"/>
+          </a:xfrm>
+          <a:prstGeom prst="rect">
+            <a:avLst/>
+          </a:prstGeom>
+          <a:noFill/>
+        </p:spPr>
+        <p:txBody>
+          <a:bodyPr wrap="none" rtlCol="0">
+            <a:spAutoFit/>
+          </a:bodyPr>
+          <a:p>
+            <a:pPr>
+              <a:lnSpc>
+                <a:spcPct val="150000"/>
+              </a:lnSpc>
+            </a:pPr>
+            <a:r>
+              <a:rPr lang="en-US" altLang="zh-CN" sz="1400" dirty="0" smtClean="0"/>
+              <a:t>Step3.</a:t>
+            </a:r>
+            <a:r>
+              <a:rPr lang="zh-CN" altLang="en-US" sz="1400" dirty="0" smtClean="0"/>
+              <a:t>点击</a:t>
+            </a:r>
+            <a:r>
+              <a:rPr lang="en-US" altLang="zh-CN" sz="1400" dirty="0" smtClean="0"/>
+              <a:t>“</a:t>
+            </a:r>
+            <a:r>
+              <a:rPr lang="zh-CN" altLang="en-US" sz="1400" dirty="0" smtClean="0"/>
+              <a:t>删除记录</a:t>
+            </a:r>
+            <a:r>
+              <a:rPr lang="en-US" altLang="zh-CN" sz="1400" dirty="0" smtClean="0"/>
+              <a:t>”</a:t>
+            </a:r>
+            <a:r>
+              <a:rPr lang="zh-CN" altLang="en-US" sz="1400" dirty="0" smtClean="0"/>
+              <a:t>可从本系统删除该文件的相关信息；删除时会提示</a:t>
+            </a:r>
+            <a:r>
+              <a:rPr lang="en-US" altLang="zh-CN" sz="1400" dirty="0" smtClean="0"/>
+              <a:t>“</a:t>
+            </a:r>
+            <a:r>
+              <a:rPr lang="zh-CN" altLang="en-US" sz="1400" dirty="0" smtClean="0"/>
+              <a:t>是否要同时删除文件</a:t>
+            </a:r>
+            <a:r>
+              <a:rPr lang="en-US" altLang="zh-CN" sz="1400" dirty="0" smtClean="0"/>
+              <a:t>”</a:t>
+            </a:r>
+            <a:r>
+              <a:rPr lang="zh-CN" altLang="en-US" sz="1400" dirty="0" smtClean="0"/>
+              <a:t>，</a:t>
+            </a:r>
+            <a:r>
+              <a:rPr lang="en-US" altLang="zh-CN" sz="1400" dirty="0" smtClean="0"/>
+              <a:t>“</a:t>
+            </a:r>
+            <a:r>
+              <a:rPr lang="zh-CN" altLang="en-US" sz="1400" dirty="0" smtClean="0"/>
+              <a:t>是</a:t>
+            </a:r>
+            <a:r>
+              <a:rPr lang="en-US" altLang="zh-CN" sz="1400" dirty="0" smtClean="0"/>
+              <a:t>”</a:t>
+            </a:r>
+            <a:r>
+              <a:rPr lang="zh-CN" altLang="en-US" sz="1400" dirty="0" smtClean="0"/>
+              <a:t>则删除系</a:t>
+            </a:r>
+            <a:endParaRPr lang="zh-CN" altLang="en-US" sz="1400" dirty="0" smtClean="0"/>
+          </a:p>
+          <a:p>
+            <a:pPr>
+              <a:lnSpc>
+                <a:spcPct val="150000"/>
+              </a:lnSpc>
+            </a:pPr>
+            <a:r>
+              <a:rPr lang="en-US" altLang="zh-CN" sz="1400" dirty="0" smtClean="0"/>
+              <a:t>	  </a:t>
+            </a:r>
+            <a:r>
+              <a:rPr lang="zh-CN" altLang="en-US" sz="1400" dirty="0" smtClean="0"/>
+              <a:t>统产生的处理文件。</a:t>
+            </a:r>
+            <a:endParaRPr lang="zh-CN" altLang="en-US" sz="1400" dirty="0" smtClean="0"/>
+          </a:p>
+        </p:txBody>
+      </p:sp>
+      <p:pic>
+        <p:nvPicPr>
+          <p:cNvPr id="4" name="图片 3"/>
+          <p:cNvPicPr>
+            <a:picLocks noChangeAspect="1"/>
+          </p:cNvPicPr>
+          <p:nvPr/>
+        </p:nvPicPr>
+        <p:blipFill>
+          <a:blip r:embed="rId1"/>
+          <a:stretch>
+            <a:fillRect/>
+          </a:stretch>
+        </p:blipFill>
+        <p:spPr>
+          <a:xfrm>
+            <a:off x="1721485" y="1639570"/>
+            <a:ext cx="8024495" cy="4514215"/>
+          </a:xfrm>
+          <a:prstGeom prst="rect">
+            <a:avLst/>
+          </a:prstGeom>
+        </p:spPr>
+      </p:pic>
+    </p:spTree>
+  </p:cSld>
+  <p:clrMapOvr>
+    <a:masterClrMapping/>
+  </p:clrMapOvr>
+</p:sld>
+</file>
+
+<file path=ppt/slides/slide25.xml><?xml version="1.0" encoding="utf-8"?>
+<p:sld xmlns:a="http://schemas.openxmlformats.org/drawingml/2006/main" xmlns:r="http://schemas.openxmlformats.org/officeDocument/2006/relationships" xmlns:p="http://schemas.openxmlformats.org/presentationml/2006/main">
+  <p:cSld>
+    <p:spTree>
+      <p:nvGrpSpPr>
+        <p:cNvPr id="1" name=""/>
+        <p:cNvGrpSpPr/>
+        <p:nvPr/>
+      </p:nvGrpSpPr>
+      <p:grpSpPr/>
+      <p:sp>
+        <p:nvSpPr>
+          <p:cNvPr id="3" name="文本框 2"/>
+          <p:cNvSpPr txBox="1"/>
+          <p:nvPr/>
+        </p:nvSpPr>
+        <p:spPr>
+          <a:xfrm>
+            <a:off x="908685" y="885190"/>
+            <a:ext cx="9110980" cy="502920"/>
+          </a:xfrm>
+          <a:prstGeom prst="rect">
+            <a:avLst/>
+          </a:prstGeom>
+          <a:noFill/>
+        </p:spPr>
+        <p:txBody>
+          <a:bodyPr wrap="none" rtlCol="0">
+            <a:spAutoFit/>
+          </a:bodyPr>
+          <a:p>
+            <a:pPr>
+              <a:lnSpc>
+                <a:spcPct val="150000"/>
+              </a:lnSpc>
+            </a:pPr>
+            <a:r>
+              <a:rPr lang="en-US" altLang="zh-CN" dirty="0" smtClean="0"/>
+              <a:t>Step4.</a:t>
+            </a:r>
+            <a:r>
+              <a:rPr lang="zh-CN" altLang="en-US" dirty="0" smtClean="0"/>
+              <a:t>点击</a:t>
+            </a:r>
+            <a:r>
+              <a:rPr lang="en-US" altLang="zh-CN" dirty="0" smtClean="0"/>
+              <a:t>“</a:t>
+            </a:r>
+            <a:r>
+              <a:rPr lang="zh-CN" dirty="0" smtClean="0"/>
+              <a:t>选定文件</a:t>
+            </a:r>
+            <a:r>
+              <a:rPr lang="en-US" altLang="zh-CN" dirty="0" smtClean="0"/>
+              <a:t>”</a:t>
+            </a:r>
+            <a:r>
+              <a:rPr lang="zh-CN" altLang="en-US" dirty="0" smtClean="0"/>
+              <a:t>自动跳转光谱分析</a:t>
+            </a:r>
+            <a:r>
+              <a:rPr lang="en-US" altLang="zh-CN" dirty="0" smtClean="0"/>
+              <a:t>-</a:t>
+            </a:r>
+            <a:r>
+              <a:rPr lang="zh-CN" altLang="en-US" dirty="0" smtClean="0"/>
+              <a:t>数据检索界面，可以进行光谱分析相关操作。</a:t>
+            </a:r>
+            <a:endParaRPr lang="zh-CN" altLang="en-US" dirty="0" smtClean="0"/>
+          </a:p>
+        </p:txBody>
+      </p:sp>
+      <p:pic>
+        <p:nvPicPr>
+          <p:cNvPr id="4" name="图片 3"/>
+          <p:cNvPicPr>
+            <a:picLocks noChangeAspect="1"/>
+          </p:cNvPicPr>
+          <p:nvPr/>
+        </p:nvPicPr>
+        <p:blipFill>
+          <a:blip r:embed="rId1"/>
+          <a:stretch>
+            <a:fillRect/>
+          </a:stretch>
+        </p:blipFill>
+        <p:spPr>
+          <a:xfrm>
+            <a:off x="1721485" y="1639570"/>
+            <a:ext cx="8023225" cy="4513580"/>
+          </a:xfrm>
+          <a:prstGeom prst="rect">
+            <a:avLst/>
+          </a:prstGeom>
+        </p:spPr>
+      </p:pic>
+    </p:spTree>
+  </p:cSld>
+  <p:clrMapOvr>
+    <a:masterClrMapping/>
+  </p:clrMapOvr>
+</p:sld>
+</file>
+
 <file path=ppt/slides/slide3.xml><?xml version="1.0" encoding="utf-8"?>
 <p:sld xmlns:a="http://schemas.openxmlformats.org/drawingml/2006/main" xmlns:r="http://schemas.openxmlformats.org/officeDocument/2006/relationships" xmlns:p="http://schemas.openxmlformats.org/presentationml/2006/main">
   <p:cSld>
@@ -7069,11 +9205,6 @@
         </p:txBody>
       </p:sp>
     </p:spTree>
-    <p:extLst>
-      <p:ext uri="{BB962C8B-B14F-4D97-AF65-F5344CB8AC3E}">
-        <p14:creationId xmlns:p14="http://schemas.microsoft.com/office/powerpoint/2010/main" val="1155865102"/>
-      </p:ext>
-    </p:extLst>
   </p:cSld>
   <p:clrMapOvr>
     <a:masterClrMapping/>
@@ -7114,7 +9245,7 @@
           <p:nvPr/>
         </p:nvPicPr>
         <p:blipFill>
-          <a:blip r:embed="rId2"/>
+          <a:blip r:embed="rId1"/>
           <a:stretch>
             <a:fillRect/>
           </a:stretch>
@@ -7398,6 +9529,7 @@
               <a:rPr lang="en-US" altLang="zh-CN" sz="1400" dirty="0" smtClean="0"/>
               <a:t>:</a:t>
             </a:r>
+            <a:endParaRPr lang="en-US" altLang="zh-CN" sz="1400" dirty="0" smtClean="0"/>
           </a:p>
           <a:p>
             <a:pPr>
@@ -7538,11 +9670,6 @@
         </p:txBody>
       </p:sp>
     </p:spTree>
-    <p:extLst>
-      <p:ext uri="{BB962C8B-B14F-4D97-AF65-F5344CB8AC3E}">
-        <p14:creationId xmlns:p14="http://schemas.microsoft.com/office/powerpoint/2010/main" val="3972702905"/>
-      </p:ext>
-    </p:extLst>
   </p:cSld>
   <p:clrMapOvr>
     <a:masterClrMapping/>
@@ -7610,11 +9737,6 @@
         </p:txBody>
       </p:sp>
     </p:spTree>
-    <p:extLst>
-      <p:ext uri="{BB962C8B-B14F-4D97-AF65-F5344CB8AC3E}">
-        <p14:creationId xmlns:p14="http://schemas.microsoft.com/office/powerpoint/2010/main" val="628414159"/>
-      </p:ext>
-    </p:extLst>
   </p:cSld>
   <p:clrMapOvr>
     <a:masterClrMapping/>
@@ -7655,7 +9777,7 @@
           <p:nvPr/>
         </p:nvPicPr>
         <p:blipFill>
-          <a:blip r:embed="rId2"/>
+          <a:blip r:embed="rId1"/>
           <a:stretch>
             <a:fillRect/>
           </a:stretch>
@@ -7678,8 +9800,8 @@
         </p:nvSpPr>
         <p:spPr>
           <a:xfrm>
-            <a:off x="636814" y="540523"/>
-            <a:ext cx="3655168" cy="637675"/>
+            <a:off x="809534" y="725308"/>
+            <a:ext cx="1452880" cy="548640"/>
           </a:xfrm>
           <a:prstGeom prst="rect">
             <a:avLst/>
@@ -7697,28 +9819,17 @@
               </a:lnSpc>
             </a:pPr>
             <a:r>
-              <a:rPr lang="zh-CN" altLang="en-US" sz="2800" dirty="0">
-                <a:latin typeface="黑体" panose="02010609060101010101" pitchFamily="49" charset="-122"/>
-                <a:ea typeface="黑体" panose="02010609060101010101" pitchFamily="49" charset="-122"/>
+              <a:rPr lang="en-US" altLang="zh-CN" sz="2000" dirty="0" smtClean="0">
+                <a:solidFill>
+                  <a:srgbClr val="FFFF00"/>
+                </a:solidFill>
+                <a:latin typeface="幼圆" panose="02010509060101010101" pitchFamily="49" charset="-122"/>
+                <a:ea typeface="幼圆" panose="02010509060101010101" pitchFamily="49" charset="-122"/>
               </a:rPr>
-              <a:t>一</a:t>
-            </a:r>
-            <a:r>
-              <a:rPr lang="zh-CN" altLang="en-US" sz="2800" dirty="0" smtClean="0">
-                <a:latin typeface="黑体" panose="02010609060101010101" pitchFamily="49" charset="-122"/>
-                <a:ea typeface="黑体" panose="02010609060101010101" pitchFamily="49" charset="-122"/>
-              </a:rPr>
-              <a:t>、系统概述</a:t>
-            </a:r>
-            <a:r>
-              <a:rPr lang="en-US" altLang="zh-CN" sz="2800" baseline="-25000" dirty="0" smtClean="0">
-                <a:latin typeface="黑体" panose="02010609060101010101" pitchFamily="49" charset="-122"/>
-                <a:ea typeface="黑体" panose="02010609060101010101" pitchFamily="49" charset="-122"/>
-              </a:rPr>
-              <a:t>   </a:t>
-            </a:r>
-            <a:r>
-              <a:rPr lang="zh-CN" altLang="en-US" sz="2800" baseline="-25000" dirty="0" smtClean="0">
+              <a:t>1.</a:t>
+            </a:r>
+            <a:r>
+              <a:rPr lang="zh-CN" altLang="en-US" sz="2000" dirty="0" smtClean="0">
                 <a:solidFill>
                   <a:srgbClr val="FFFF00"/>
                 </a:solidFill>
@@ -7727,7 +9838,7 @@
               </a:rPr>
               <a:t>数据管理</a:t>
             </a:r>
-            <a:endParaRPr lang="en-US" altLang="zh-CN" sz="2800" dirty="0">
+            <a:endParaRPr lang="zh-CN" altLang="en-US" sz="2000" dirty="0" smtClean="0">
               <a:solidFill>
                 <a:srgbClr val="FFFF00"/>
               </a:solidFill>
@@ -7740,6 +9851,30 @@
       <p:pic>
         <p:nvPicPr>
           <p:cNvPr id="4" name="图片 3"/>
+          <p:cNvPicPr>
+            <a:picLocks noChangeAspect="1"/>
+          </p:cNvPicPr>
+          <p:nvPr/>
+        </p:nvPicPr>
+        <p:blipFill>
+          <a:blip r:embed="rId2"/>
+          <a:stretch>
+            <a:fillRect/>
+          </a:stretch>
+        </p:blipFill>
+        <p:spPr>
+          <a:xfrm>
+            <a:off x="7466642" y="3091809"/>
+            <a:ext cx="3148711" cy="1772022"/>
+          </a:xfrm>
+          <a:prstGeom prst="rect">
+            <a:avLst/>
+          </a:prstGeom>
+        </p:spPr>
+      </p:pic>
+      <p:pic>
+        <p:nvPicPr>
+          <p:cNvPr id="5" name="图片 4"/>
           <p:cNvPicPr>
             <a:picLocks noChangeAspect="1"/>
           </p:cNvPicPr>
@@ -7753,38 +9888,14 @@
         </p:blipFill>
         <p:spPr>
           <a:xfrm>
-            <a:off x="7466642" y="3091809"/>
-            <a:ext cx="3148711" cy="1772022"/>
+            <a:off x="7466641" y="4926443"/>
+            <a:ext cx="3148711" cy="1772021"/>
           </a:xfrm>
           <a:prstGeom prst="rect">
             <a:avLst/>
           </a:prstGeom>
         </p:spPr>
       </p:pic>
-      <p:pic>
-        <p:nvPicPr>
-          <p:cNvPr id="5" name="图片 4"/>
-          <p:cNvPicPr>
-            <a:picLocks noChangeAspect="1"/>
-          </p:cNvPicPr>
-          <p:nvPr/>
-        </p:nvPicPr>
-        <p:blipFill>
-          <a:blip r:embed="rId4"/>
-          <a:stretch>
-            <a:fillRect/>
-          </a:stretch>
-        </p:blipFill>
-        <p:spPr>
-          <a:xfrm>
-            <a:off x="7466641" y="4926443"/>
-            <a:ext cx="3148711" cy="1772021"/>
-          </a:xfrm>
-          <a:prstGeom prst="rect">
-            <a:avLst/>
-          </a:prstGeom>
-        </p:spPr>
-      </p:pic>
       <p:sp>
         <p:nvSpPr>
           <p:cNvPr id="6" name="文本框 5"/>
@@ -7793,8 +9904,8 @@
         </p:nvSpPr>
         <p:spPr>
           <a:xfrm>
-            <a:off x="809625" y="2159813"/>
-            <a:ext cx="6487673" cy="2354491"/>
+            <a:off x="809625" y="2106473"/>
+            <a:ext cx="6742430" cy="3931920"/>
           </a:xfrm>
           <a:prstGeom prst="rect">
             <a:avLst/>
@@ -7855,6 +9966,42 @@
             <a:r>
               <a:rPr lang="zh-CN" altLang="en-US" sz="1400" dirty="0" smtClean="0"/>
               <a:t>包长未解压文件）</a:t>
+            </a:r>
+            <a:endParaRPr lang="en-US" altLang="zh-CN" sz="1400" dirty="0" smtClean="0"/>
+          </a:p>
+          <a:p>
+            <a:pPr>
+              <a:lnSpc>
+                <a:spcPct val="150000"/>
+              </a:lnSpc>
+            </a:pPr>
+            <a:endParaRPr lang="zh-CN" altLang="en-US" sz="1400" dirty="0" smtClean="0"/>
+          </a:p>
+          <a:p>
+            <a:pPr>
+              <a:lnSpc>
+                <a:spcPct val="150000"/>
+              </a:lnSpc>
+            </a:pPr>
+            <a:endParaRPr lang="zh-CN" altLang="en-US" sz="1400" dirty="0" smtClean="0"/>
+          </a:p>
+          <a:p>
+            <a:pPr>
+              <a:lnSpc>
+                <a:spcPct val="150000"/>
+              </a:lnSpc>
+            </a:pPr>
+            <a:endParaRPr lang="zh-CN" altLang="en-US" sz="1400" dirty="0" smtClean="0"/>
+          </a:p>
+          <a:p>
+            <a:pPr>
+              <a:lnSpc>
+                <a:spcPct val="150000"/>
+              </a:lnSpc>
+            </a:pPr>
+            <a:r>
+              <a:rPr lang="zh-CN" altLang="en-US" sz="1400" dirty="0" smtClean="0"/>
+              <a:t>数据存储：选择图像区域裁剪另存，存储路径由用户定义。</a:t>
             </a:r>
             <a:endParaRPr lang="en-US" altLang="zh-CN" sz="1400" dirty="0" smtClean="0"/>
           </a:p>
@@ -7872,11 +10019,7 @@
                 <a:spcPct val="150000"/>
               </a:lnSpc>
             </a:pPr>
-            <a:r>
-              <a:rPr lang="zh-CN" altLang="en-US" sz="1400" dirty="0" smtClean="0"/>
-              <a:t>数据存储：选择图像区域裁剪另存，存储路径由用户定义。</a:t>
-            </a:r>
-            <a:endParaRPr lang="en-US" altLang="zh-CN" sz="1400" dirty="0" smtClean="0"/>
+            <a:endParaRPr lang="zh-CN" altLang="en-US" sz="1400" dirty="0" smtClean="0"/>
           </a:p>
           <a:p>
             <a:pPr>
@@ -7884,7 +10027,7 @@
                 <a:spcPct val="150000"/>
               </a:lnSpc>
             </a:pPr>
-            <a:endParaRPr lang="en-US" altLang="zh-CN" sz="1400" dirty="0" smtClean="0"/>
+            <a:endParaRPr lang="zh-CN" altLang="en-US" sz="1400" dirty="0" smtClean="0"/>
           </a:p>
           <a:p>
             <a:pPr>
@@ -7892,11 +10035,7 @@
                 <a:spcPct val="150000"/>
               </a:lnSpc>
             </a:pPr>
-            <a:r>
-              <a:rPr lang="zh-CN" altLang="en-US" sz="1400" dirty="0" smtClean="0"/>
-              <a:t>文件检索：所有经过系统打开过的文件均被记录，可查询文件处理情况及处理后</a:t>
-            </a:r>
-            <a:endParaRPr lang="en-US" altLang="zh-CN" sz="1400" dirty="0" smtClean="0"/>
+            <a:endParaRPr lang="zh-CN" altLang="en-US" sz="1400" dirty="0" smtClean="0"/>
           </a:p>
           <a:p>
             <a:pPr>
@@ -7905,6 +10044,18 @@
               </a:lnSpc>
             </a:pPr>
             <a:r>
+              <a:rPr lang="zh-CN" altLang="en-US" sz="1400" dirty="0" smtClean="0"/>
+              <a:t>文件检索：所有经过系统打开过的文件均被记录，可查询文件处理情况及处理后</a:t>
+            </a:r>
+            <a:endParaRPr lang="en-US" altLang="zh-CN" sz="1400" dirty="0" smtClean="0"/>
+          </a:p>
+          <a:p>
+            <a:pPr>
+              <a:lnSpc>
+                <a:spcPct val="150000"/>
+              </a:lnSpc>
+            </a:pPr>
+            <a:r>
               <a:rPr lang="en-US" altLang="zh-CN" sz="1400" dirty="0"/>
               <a:t>	</a:t>
             </a:r>
@@ -7921,11 +10072,6 @@
         </p:txBody>
       </p:sp>
     </p:spTree>
-    <p:extLst>
-      <p:ext uri="{BB962C8B-B14F-4D97-AF65-F5344CB8AC3E}">
-        <p14:creationId xmlns:p14="http://schemas.microsoft.com/office/powerpoint/2010/main" val="1839795714"/>
-      </p:ext>
-    </p:extLst>
   </p:cSld>
   <p:clrMapOvr>
     <a:masterClrMapping/>
@@ -7959,73 +10105,6 @@
       </p:grpSpPr>
       <p:sp>
         <p:nvSpPr>
-          <p:cNvPr id="3" name="矩形 2"/>
-          <p:cNvSpPr/>
-          <p:nvPr/>
-        </p:nvSpPr>
-        <p:spPr>
-          <a:xfrm>
-            <a:off x="636814" y="540523"/>
-            <a:ext cx="3655168" cy="738664"/>
-          </a:xfrm>
-          <a:prstGeom prst="rect">
-            <a:avLst/>
-          </a:prstGeom>
-        </p:spPr>
-        <p:txBody>
-          <a:bodyPr wrap="none">
-            <a:spAutoFit/>
-          </a:bodyPr>
-          <a:lstStyle/>
-          <a:p>
-            <a:pPr>
-              <a:lnSpc>
-                <a:spcPct val="150000"/>
-              </a:lnSpc>
-            </a:pPr>
-            <a:r>
-              <a:rPr lang="zh-CN" altLang="en-US" sz="2800" dirty="0">
-                <a:latin typeface="黑体" panose="02010609060101010101" pitchFamily="49" charset="-122"/>
-                <a:ea typeface="黑体" panose="02010609060101010101" pitchFamily="49" charset="-122"/>
-              </a:rPr>
-              <a:t>一</a:t>
-            </a:r>
-            <a:r>
-              <a:rPr lang="zh-CN" altLang="en-US" sz="2800" dirty="0" smtClean="0">
-                <a:latin typeface="黑体" panose="02010609060101010101" pitchFamily="49" charset="-122"/>
-                <a:ea typeface="黑体" panose="02010609060101010101" pitchFamily="49" charset="-122"/>
-              </a:rPr>
-              <a:t>、系统概述</a:t>
-            </a:r>
-            <a:r>
-              <a:rPr lang="en-US" altLang="zh-CN" sz="2800" baseline="-25000" dirty="0" smtClean="0">
-                <a:latin typeface="黑体" panose="02010609060101010101" pitchFamily="49" charset="-122"/>
-                <a:ea typeface="黑体" panose="02010609060101010101" pitchFamily="49" charset="-122"/>
-              </a:rPr>
-              <a:t>   </a:t>
-            </a:r>
-            <a:r>
-              <a:rPr lang="zh-CN" altLang="en-US" sz="2800" baseline="-25000" dirty="0" smtClean="0">
-                <a:solidFill>
-                  <a:srgbClr val="FFFF00"/>
-                </a:solidFill>
-                <a:latin typeface="幼圆" panose="02010509060101010101" pitchFamily="49" charset="-122"/>
-                <a:ea typeface="幼圆" panose="02010509060101010101" pitchFamily="49" charset="-122"/>
-              </a:rPr>
-              <a:t>光谱分析</a:t>
-            </a:r>
-            <a:endParaRPr lang="en-US" altLang="zh-CN" sz="2800" dirty="0">
-              <a:solidFill>
-                <a:srgbClr val="FFFF00"/>
-              </a:solidFill>
-              <a:latin typeface="幼圆" panose="02010509060101010101" pitchFamily="49" charset="-122"/>
-              <a:ea typeface="幼圆" panose="02010509060101010101" pitchFamily="49" charset="-122"/>
-            </a:endParaRPr>
-          </a:p>
-        </p:txBody>
-      </p:sp>
-      <p:sp>
-        <p:nvSpPr>
           <p:cNvPr id="6" name="文本框 5"/>
           <p:cNvSpPr txBox="1"/>
           <p:nvPr/>
@@ -8122,6 +10201,30 @@
       <p:pic>
         <p:nvPicPr>
           <p:cNvPr id="7" name="图片 6"/>
+          <p:cNvPicPr>
+            <a:picLocks noChangeAspect="1"/>
+          </p:cNvPicPr>
+          <p:nvPr/>
+        </p:nvPicPr>
+        <p:blipFill>
+          <a:blip r:embed="rId1"/>
+          <a:stretch>
+            <a:fillRect/>
+          </a:stretch>
+        </p:blipFill>
+        <p:spPr>
+          <a:xfrm>
+            <a:off x="7096125" y="1343025"/>
+            <a:ext cx="4476750" cy="2519412"/>
+          </a:xfrm>
+          <a:prstGeom prst="rect">
+            <a:avLst/>
+          </a:prstGeom>
+        </p:spPr>
+      </p:pic>
+      <p:pic>
+        <p:nvPicPr>
+          <p:cNvPr id="8" name="图片 7"/>
           <p:cNvPicPr>
             <a:picLocks noChangeAspect="1"/>
           </p:cNvPicPr>
@@ -8135,7 +10238,7 @@
         </p:blipFill>
         <p:spPr>
           <a:xfrm>
-            <a:off x="7096125" y="1343025"/>
+            <a:off x="7096125" y="3971926"/>
             <a:ext cx="4476750" cy="2519412"/>
           </a:xfrm>
           <a:prstGeom prst="rect">
@@ -8143,36 +10246,62 @@
           </a:prstGeom>
         </p:spPr>
       </p:pic>
-      <p:pic>
-        <p:nvPicPr>
-          <p:cNvPr id="8" name="图片 7"/>
-          <p:cNvPicPr>
-            <a:picLocks noChangeAspect="1"/>
-          </p:cNvPicPr>
+      <p:sp>
+        <p:nvSpPr>
+          <p:cNvPr id="2" name="矩形 1"/>
+          <p:cNvSpPr/>
           <p:nvPr/>
-        </p:nvPicPr>
-        <p:blipFill>
-          <a:blip r:embed="rId3"/>
-          <a:stretch>
-            <a:fillRect/>
-          </a:stretch>
-        </p:blipFill>
-        <p:spPr>
-          <a:xfrm>
-            <a:off x="7096125" y="3971926"/>
-            <a:ext cx="4476750" cy="2519412"/>
+        </p:nvSpPr>
+        <p:spPr>
+          <a:xfrm>
+            <a:off x="809534" y="725308"/>
+            <a:ext cx="1452880" cy="548640"/>
           </a:xfrm>
           <a:prstGeom prst="rect">
             <a:avLst/>
           </a:prstGeom>
         </p:spPr>
-      </p:pic>
+        <p:txBody>
+          <a:bodyPr wrap="none">
+            <a:spAutoFit/>
+          </a:bodyPr>
+          <a:p>
+            <a:pPr>
+              <a:lnSpc>
+                <a:spcPct val="150000"/>
+              </a:lnSpc>
+            </a:pPr>
+            <a:r>
+              <a:rPr lang="en-US" altLang="zh-CN" sz="2000" dirty="0" smtClean="0">
+                <a:solidFill>
+                  <a:srgbClr val="FFFF00"/>
+                </a:solidFill>
+                <a:latin typeface="幼圆" panose="02010509060101010101" pitchFamily="49" charset="-122"/>
+                <a:ea typeface="幼圆" panose="02010509060101010101" pitchFamily="49" charset="-122"/>
+              </a:rPr>
+              <a:t>2.</a:t>
+            </a:r>
+            <a:r>
+              <a:rPr lang="zh-CN" altLang="en-US" sz="2000" dirty="0" smtClean="0">
+                <a:solidFill>
+                  <a:srgbClr val="FFFF00"/>
+                </a:solidFill>
+                <a:latin typeface="幼圆" panose="02010509060101010101" pitchFamily="49" charset="-122"/>
+                <a:ea typeface="幼圆" panose="02010509060101010101" pitchFamily="49" charset="-122"/>
+              </a:rPr>
+              <a:t>光谱分析</a:t>
+            </a:r>
+            <a:endParaRPr lang="zh-CN" altLang="en-US" sz="2000" dirty="0" smtClean="0">
+              <a:solidFill>
+                <a:srgbClr val="FFFF00"/>
+              </a:solidFill>
+              <a:latin typeface="幼圆" panose="02010509060101010101" pitchFamily="49" charset="-122"/>
+              <a:ea typeface="幼圆" panose="02010509060101010101" pitchFamily="49" charset="-122"/>
+            </a:endParaRPr>
+          </a:p>
+        </p:txBody>
+      </p:sp>
     </p:spTree>
-    <p:extLst>
-      <p:ext uri="{BB962C8B-B14F-4D97-AF65-F5344CB8AC3E}">
-        <p14:creationId xmlns:p14="http://schemas.microsoft.com/office/powerpoint/2010/main" val="2583372087"/>
-      </p:ext>
-    </p:extLst>
   </p:cSld>
   <p:clrMapOvr>
     <a:masterClrMapping/>
@@ -8206,73 +10335,6 @@
       </p:grpSpPr>
       <p:sp>
         <p:nvSpPr>
-          <p:cNvPr id="3" name="矩形 2"/>
-          <p:cNvSpPr/>
-          <p:nvPr/>
-        </p:nvSpPr>
-        <p:spPr>
-          <a:xfrm>
-            <a:off x="636814" y="540523"/>
-            <a:ext cx="3655168" cy="738664"/>
-          </a:xfrm>
-          <a:prstGeom prst="rect">
-            <a:avLst/>
-          </a:prstGeom>
-        </p:spPr>
-        <p:txBody>
-          <a:bodyPr wrap="none">
-            <a:spAutoFit/>
-          </a:bodyPr>
-          <a:lstStyle/>
-          <a:p>
-            <a:pPr>
-              <a:lnSpc>
-                <a:spcPct val="150000"/>
-              </a:lnSpc>
-            </a:pPr>
-            <a:r>
-              <a:rPr lang="zh-CN" altLang="en-US" sz="2800" dirty="0">
-                <a:latin typeface="黑体" panose="02010609060101010101" pitchFamily="49" charset="-122"/>
-                <a:ea typeface="黑体" panose="02010609060101010101" pitchFamily="49" charset="-122"/>
-              </a:rPr>
-              <a:t>一</a:t>
-            </a:r>
-            <a:r>
-              <a:rPr lang="zh-CN" altLang="en-US" sz="2800" dirty="0" smtClean="0">
-                <a:latin typeface="黑体" panose="02010609060101010101" pitchFamily="49" charset="-122"/>
-                <a:ea typeface="黑体" panose="02010609060101010101" pitchFamily="49" charset="-122"/>
-              </a:rPr>
-              <a:t>、系统概述</a:t>
-            </a:r>
-            <a:r>
-              <a:rPr lang="en-US" altLang="zh-CN" sz="2800" baseline="-25000" dirty="0" smtClean="0">
-                <a:latin typeface="黑体" panose="02010609060101010101" pitchFamily="49" charset="-122"/>
-                <a:ea typeface="黑体" panose="02010609060101010101" pitchFamily="49" charset="-122"/>
-              </a:rPr>
-              <a:t>   </a:t>
-            </a:r>
-            <a:r>
-              <a:rPr lang="zh-CN" altLang="en-US" sz="2800" baseline="-25000" dirty="0" smtClean="0">
-                <a:solidFill>
-                  <a:srgbClr val="FFFF00"/>
-                </a:solidFill>
-                <a:latin typeface="幼圆" panose="02010509060101010101" pitchFamily="49" charset="-122"/>
-                <a:ea typeface="幼圆" panose="02010509060101010101" pitchFamily="49" charset="-122"/>
-              </a:rPr>
-              <a:t>应用演示</a:t>
-            </a:r>
-            <a:endParaRPr lang="en-US" altLang="zh-CN" sz="2800" dirty="0">
-              <a:solidFill>
-                <a:srgbClr val="FFFF00"/>
-              </a:solidFill>
-              <a:latin typeface="幼圆" panose="02010509060101010101" pitchFamily="49" charset="-122"/>
-              <a:ea typeface="幼圆" panose="02010509060101010101" pitchFamily="49" charset="-122"/>
-            </a:endParaRPr>
-          </a:p>
-        </p:txBody>
-      </p:sp>
-      <p:sp>
-        <p:nvSpPr>
           <p:cNvPr id="6" name="文本框 5"/>
           <p:cNvSpPr txBox="1"/>
           <p:nvPr/>
@@ -8409,6 +10471,30 @@
       <p:pic>
         <p:nvPicPr>
           <p:cNvPr id="2" name="图片 1"/>
+          <p:cNvPicPr>
+            <a:picLocks noChangeAspect="1"/>
+          </p:cNvPicPr>
+          <p:nvPr/>
+        </p:nvPicPr>
+        <p:blipFill>
+          <a:blip r:embed="rId1"/>
+          <a:stretch>
+            <a:fillRect/>
+          </a:stretch>
+        </p:blipFill>
+        <p:spPr>
+          <a:xfrm>
+            <a:off x="7772400" y="1205252"/>
+            <a:ext cx="3124200" cy="1758228"/>
+          </a:xfrm>
+          <a:prstGeom prst="rect">
+            <a:avLst/>
+          </a:prstGeom>
+        </p:spPr>
+      </p:pic>
+      <p:pic>
+        <p:nvPicPr>
+          <p:cNvPr id="4" name="图片 3"/>
           <p:cNvPicPr>
             <a:picLocks noChangeAspect="1"/>
           </p:cNvPicPr>
@@ -8422,8 +10508,8 @@
         </p:blipFill>
         <p:spPr>
           <a:xfrm>
-            <a:off x="7772400" y="1205252"/>
-            <a:ext cx="3124200" cy="1758228"/>
+            <a:off x="7772401" y="3048000"/>
+            <a:ext cx="3124200" cy="1758227"/>
           </a:xfrm>
           <a:prstGeom prst="rect">
             <a:avLst/>
@@ -8432,7 +10518,7 @@
       </p:pic>
       <p:pic>
         <p:nvPicPr>
-          <p:cNvPr id="4" name="图片 3"/>
+          <p:cNvPr id="5" name="图片 4"/>
           <p:cNvPicPr>
             <a:picLocks noChangeAspect="1"/>
           </p:cNvPicPr>
@@ -8446,44 +10532,71 @@
         </p:blipFill>
         <p:spPr>
           <a:xfrm>
-            <a:off x="7772401" y="3048000"/>
-            <a:ext cx="3124200" cy="1758227"/>
+            <a:off x="7772400" y="4890516"/>
+            <a:ext cx="3124200" cy="1758228"/>
           </a:xfrm>
           <a:prstGeom prst="rect">
             <a:avLst/>
           </a:prstGeom>
         </p:spPr>
       </p:pic>
-      <p:pic>
-        <p:nvPicPr>
-          <p:cNvPr id="5" name="图片 4"/>
-          <p:cNvPicPr>
-            <a:picLocks noChangeAspect="1"/>
-          </p:cNvPicPr>
+      <p:sp>
+        <p:nvSpPr>
+          <p:cNvPr id="7" name="矩形 6"/>
+          <p:cNvSpPr/>
           <p:nvPr/>
-        </p:nvPicPr>
-        <p:blipFill>
-          <a:blip r:embed="rId4"/>
-          <a:stretch>
-            <a:fillRect/>
-          </a:stretch>
-        </p:blipFill>
-        <p:spPr>
-          <a:xfrm>
-            <a:off x="7772400" y="4890516"/>
-            <a:ext cx="3124200" cy="1758228"/>
+        </p:nvSpPr>
+        <p:spPr>
+          <a:xfrm>
+            <a:off x="809534" y="725308"/>
+            <a:ext cx="1452880" cy="548640"/>
           </a:xfrm>
           <a:prstGeom prst="rect">
             <a:avLst/>
           </a:prstGeom>
         </p:spPr>
-      </p:pic>
+        <p:txBody>
+          <a:bodyPr wrap="none">
+            <a:spAutoFit/>
+          </a:bodyPr>
+          <a:lstStyle/>
+          <a:p>
+            <a:pPr>
+              <a:lnSpc>
+                <a:spcPct val="150000"/>
+              </a:lnSpc>
+            </a:pPr>
+            <a:r>
+              <a:rPr lang="en-US" altLang="zh-CN" sz="2000" dirty="0" smtClean="0">
+                <a:solidFill>
+                  <a:srgbClr val="FFFF00"/>
+                </a:solidFill>
+                <a:latin typeface="幼圆" panose="02010509060101010101" pitchFamily="49" charset="-122"/>
+                <a:ea typeface="幼圆" panose="02010509060101010101" pitchFamily="49" charset="-122"/>
+              </a:rPr>
+              <a:t>3.</a:t>
+            </a:r>
+            <a:r>
+              <a:rPr lang="zh-CN" altLang="en-US" sz="2000" dirty="0" smtClean="0">
+                <a:solidFill>
+                  <a:srgbClr val="FFFF00"/>
+                </a:solidFill>
+                <a:latin typeface="幼圆" panose="02010509060101010101" pitchFamily="49" charset="-122"/>
+                <a:ea typeface="幼圆" panose="02010509060101010101" pitchFamily="49" charset="-122"/>
+              </a:rPr>
+              <a:t>应用演示</a:t>
+            </a:r>
+            <a:endParaRPr lang="zh-CN" altLang="en-US" sz="2000" dirty="0" smtClean="0">
+              <a:solidFill>
+                <a:srgbClr val="FFFF00"/>
+              </a:solidFill>
+              <a:latin typeface="幼圆" panose="02010509060101010101" pitchFamily="49" charset="-122"/>
+              <a:ea typeface="幼圆" panose="02010509060101010101" pitchFamily="49" charset="-122"/>
+            </a:endParaRPr>
+          </a:p>
+        </p:txBody>
+      </p:sp>
     </p:spTree>
-    <p:extLst>
-      <p:ext uri="{BB962C8B-B14F-4D97-AF65-F5344CB8AC3E}">
-        <p14:creationId xmlns:p14="http://schemas.microsoft.com/office/powerpoint/2010/main" val="2080210854"/>
-      </p:ext>
-    </p:extLst>
   </p:cSld>
   <p:clrMapOvr>
     <a:masterClrMapping/>
@@ -8517,73 +10630,6 @@
       </p:grpSpPr>
       <p:sp>
         <p:nvSpPr>
-          <p:cNvPr id="3" name="矩形 2"/>
-          <p:cNvSpPr/>
-          <p:nvPr/>
-        </p:nvSpPr>
-        <p:spPr>
-          <a:xfrm>
-            <a:off x="636814" y="540523"/>
-            <a:ext cx="3655168" cy="738664"/>
-          </a:xfrm>
-          <a:prstGeom prst="rect">
-            <a:avLst/>
-          </a:prstGeom>
-        </p:spPr>
-        <p:txBody>
-          <a:bodyPr wrap="none">
-            <a:spAutoFit/>
-          </a:bodyPr>
-          <a:lstStyle/>
-          <a:p>
-            <a:pPr>
-              <a:lnSpc>
-                <a:spcPct val="150000"/>
-              </a:lnSpc>
-            </a:pPr>
-            <a:r>
-              <a:rPr lang="zh-CN" altLang="en-US" sz="2800" dirty="0">
-                <a:latin typeface="黑体" panose="02010609060101010101" pitchFamily="49" charset="-122"/>
-                <a:ea typeface="黑体" panose="02010609060101010101" pitchFamily="49" charset="-122"/>
-              </a:rPr>
-              <a:t>一</a:t>
-            </a:r>
-            <a:r>
-              <a:rPr lang="zh-CN" altLang="en-US" sz="2800" dirty="0" smtClean="0">
-                <a:latin typeface="黑体" panose="02010609060101010101" pitchFamily="49" charset="-122"/>
-                <a:ea typeface="黑体" panose="02010609060101010101" pitchFamily="49" charset="-122"/>
-              </a:rPr>
-              <a:t>、系统概述</a:t>
-            </a:r>
-            <a:r>
-              <a:rPr lang="en-US" altLang="zh-CN" sz="2800" baseline="-25000" dirty="0" smtClean="0">
-                <a:latin typeface="黑体" panose="02010609060101010101" pitchFamily="49" charset="-122"/>
-                <a:ea typeface="黑体" panose="02010609060101010101" pitchFamily="49" charset="-122"/>
-              </a:rPr>
-              <a:t>   </a:t>
-            </a:r>
-            <a:r>
-              <a:rPr lang="zh-CN" altLang="en-US" sz="2800" baseline="-25000" dirty="0" smtClean="0">
-                <a:solidFill>
-                  <a:srgbClr val="FFFF00"/>
-                </a:solidFill>
-                <a:latin typeface="幼圆" panose="02010509060101010101" pitchFamily="49" charset="-122"/>
-                <a:ea typeface="幼圆" panose="02010509060101010101" pitchFamily="49" charset="-122"/>
-              </a:rPr>
-              <a:t>系统管理</a:t>
-            </a:r>
-            <a:endParaRPr lang="en-US" altLang="zh-CN" sz="2800" dirty="0">
-              <a:solidFill>
-                <a:srgbClr val="FFFF00"/>
-              </a:solidFill>
-              <a:latin typeface="幼圆" panose="02010509060101010101" pitchFamily="49" charset="-122"/>
-              <a:ea typeface="幼圆" panose="02010509060101010101" pitchFamily="49" charset="-122"/>
-            </a:endParaRPr>
-          </a:p>
-        </p:txBody>
-      </p:sp>
-      <p:sp>
-        <p:nvSpPr>
           <p:cNvPr id="6" name="文本框 5"/>
           <p:cNvSpPr txBox="1"/>
           <p:nvPr/>
@@ -8680,6 +10726,30 @@
       <p:pic>
         <p:nvPicPr>
           <p:cNvPr id="2" name="图片 1"/>
+          <p:cNvPicPr>
+            <a:picLocks noChangeAspect="1"/>
+          </p:cNvPicPr>
+          <p:nvPr/>
+        </p:nvPicPr>
+        <p:blipFill>
+          <a:blip r:embed="rId1"/>
+          <a:stretch>
+            <a:fillRect/>
+          </a:stretch>
+        </p:blipFill>
+        <p:spPr>
+          <a:xfrm>
+            <a:off x="7096125" y="1291024"/>
+            <a:ext cx="4476750" cy="2519412"/>
+          </a:xfrm>
+          <a:prstGeom prst="rect">
+            <a:avLst/>
+          </a:prstGeom>
+        </p:spPr>
+      </p:pic>
+      <p:pic>
+        <p:nvPicPr>
+          <p:cNvPr id="4" name="图片 3"/>
           <p:cNvPicPr>
             <a:picLocks noChangeAspect="1"/>
           </p:cNvPicPr>
@@ -8693,7 +10763,7 @@
         </p:blipFill>
         <p:spPr>
           <a:xfrm>
-            <a:off x="7096125" y="1291024"/>
+            <a:off x="7096125" y="3991591"/>
             <a:ext cx="4476750" cy="2519412"/>
           </a:xfrm>
           <a:prstGeom prst="rect">
@@ -8701,36 +10771,73 @@
           </a:prstGeom>
         </p:spPr>
       </p:pic>
-      <p:pic>
-        <p:nvPicPr>
-          <p:cNvPr id="4" name="图片 3"/>
-          <p:cNvPicPr>
-            <a:picLocks noChangeAspect="1"/>
-          </p:cNvPicPr>
+      <p:sp>
+        <p:nvSpPr>
+          <p:cNvPr id="5" name="矩形 4"/>
+          <p:cNvSpPr/>
           <p:nvPr/>
-        </p:nvPicPr>
-        <p:blipFill>
-          <a:blip r:embed="rId3"/>
-          <a:stretch>
-            <a:fillRect/>
-          </a:stretch>
-        </p:blipFill>
-        <p:spPr>
-          <a:xfrm>
-            <a:off x="7096125" y="3991591"/>
-            <a:ext cx="4476750" cy="2519412"/>
+        </p:nvSpPr>
+        <p:spPr>
+          <a:xfrm>
+            <a:off x="809534" y="725308"/>
+            <a:ext cx="1452880" cy="548640"/>
           </a:xfrm>
           <a:prstGeom prst="rect">
             <a:avLst/>
           </a:prstGeom>
         </p:spPr>
-      </p:pic>
+        <p:txBody>
+          <a:bodyPr wrap="none">
+            <a:spAutoFit/>
+          </a:bodyPr>
+          <a:lstStyle/>
+          <a:p>
+            <a:pPr>
+              <a:lnSpc>
+                <a:spcPct val="150000"/>
+              </a:lnSpc>
+            </a:pPr>
+            <a:r>
+              <a:rPr lang="en-US" altLang="zh-CN" sz="2000" dirty="0" smtClean="0">
+                <a:solidFill>
+                  <a:srgbClr val="FFFF00"/>
+                </a:solidFill>
+                <a:latin typeface="幼圆" panose="02010509060101010101" pitchFamily="49" charset="-122"/>
+                <a:ea typeface="幼圆" panose="02010509060101010101" pitchFamily="49" charset="-122"/>
+              </a:rPr>
+              <a:t>4.</a:t>
+            </a:r>
+            <a:r>
+              <a:rPr lang="zh-CN" altLang="en-US" sz="2000" dirty="0" smtClean="0">
+                <a:solidFill>
+                  <a:srgbClr val="FFFF00"/>
+                </a:solidFill>
+                <a:latin typeface="幼圆" panose="02010509060101010101" pitchFamily="49" charset="-122"/>
+                <a:ea typeface="幼圆" panose="02010509060101010101" pitchFamily="49" charset="-122"/>
+              </a:rPr>
+              <a:t>系统</a:t>
+            </a:r>
+            <a:r>
+              <a:rPr lang="zh-CN" altLang="en-US" sz="2000" dirty="0" smtClean="0">
+                <a:solidFill>
+                  <a:srgbClr val="FFFF00"/>
+                </a:solidFill>
+                <a:latin typeface="幼圆" panose="02010509060101010101" pitchFamily="49" charset="-122"/>
+                <a:ea typeface="幼圆" panose="02010509060101010101" pitchFamily="49" charset="-122"/>
+              </a:rPr>
+              <a:t>管理</a:t>
+            </a:r>
+            <a:endParaRPr lang="zh-CN" altLang="en-US" sz="2000" dirty="0" smtClean="0">
+              <a:solidFill>
+                <a:srgbClr val="FFFF00"/>
+              </a:solidFill>
+              <a:latin typeface="幼圆" panose="02010509060101010101" pitchFamily="49" charset="-122"/>
+              <a:ea typeface="幼圆" panose="02010509060101010101" pitchFamily="49" charset="-122"/>
+            </a:endParaRPr>
+          </a:p>
+        </p:txBody>
+      </p:sp>
     </p:spTree>
-    <p:extLst>
-      <p:ext uri="{BB962C8B-B14F-4D97-AF65-F5344CB8AC3E}">
-        <p14:creationId xmlns:p14="http://schemas.microsoft.com/office/powerpoint/2010/main" val="2387719978"/>
-      </p:ext>
-    </p:extLst>
   </p:cSld>
   <p:clrMapOvr>
     <a:masterClrMapping/>
@@ -8788,7 +10895,7 @@
     </a:clrScheme>
     <a:fontScheme name="Ion">
       <a:majorFont>
-        <a:latin typeface="Century Gothic" panose="020B0502020202020204"/>
+        <a:latin typeface="Century Gothic"/>
         <a:ea typeface=""/>
         <a:cs typeface=""/>
         <a:font script="Jpan" typeface="メイリオ"/>
@@ -8823,7 +10930,7 @@
         <a:font script="Geor" typeface="Sylfaen"/>
       </a:majorFont>
       <a:minorFont>
-        <a:latin typeface="Century Gothic" panose="020B0502020202020204"/>
+        <a:latin typeface="Century Gothic"/>
         <a:ea typeface=""/>
         <a:cs typeface=""/>
         <a:font script="Jpan" typeface="メイリオ"/>
@@ -8996,7 +11103,9 @@
               </a:schemeClr>
             </a:duotone>
           </a:blip>
-          <a:stretch/>
+          <a:stretch>
+            <a:fillRect/>
+          </a:stretch>
         </a:blipFill>
       </a:bgFillStyleLst>
     </a:fmtScheme>
@@ -9014,7 +11123,7 @@
           <a:lnSpc>
             <a:spcPct val="150000"/>
           </a:lnSpc>
-          <a:defRPr sz="1400" dirty="0" smtClean="0"/>
+          <a:defRPr lang="en-US" altLang="zh-CN" dirty="0" smtClean="0"/>
         </a:defPPr>
       </a:lstStyle>
     </a:txDef>
@@ -9022,7 +11131,7 @@
   <a:extraClrSchemeLst/>
   <a:extLst>
     <a:ext uri="{05A4C25C-085E-4340-85A3-A5531E510DB2}">
-      <thm15:themeFamily xmlns:thm15="http://schemas.microsoft.com/office/thememl/2012/main" name="Ion" id="{B8441ADB-2E43-4AF7-B97A-BD870242C6A8}" vid="{292E63A9-BB86-4E3D-B92A-7223C6510D2E}"/>
+      <thm15:themeFamily xmlns:thm15="http://schemas.microsoft.com/office/thememl/2012/main" name="Office Theme" id="{62F939B6-93AF-4DB8-9C6B-D6C7DFDC589F}" vid="{4A3C46E8-61CC-4603-A589-7422A47A8E4A}"/>
     </a:ext>
   </a:extLst>
 </a:theme>
@@ -9071,7 +11180,7 @@
     </a:clrScheme>
     <a:fontScheme name="Office">
       <a:majorFont>
-        <a:latin typeface="Calibri Light" panose="020F0302020204030204"/>
+        <a:latin typeface="Calibri Light"/>
         <a:ea typeface=""/>
         <a:cs typeface=""/>
         <a:font script="Jpan" typeface="ＭＳ Ｐゴシック"/>
@@ -9106,7 +11215,7 @@
         <a:font script="Geor" typeface="Sylfaen"/>
       </a:majorFont>
       <a:minorFont>
-        <a:latin typeface="Calibri" panose="020F0502020204030204"/>
+        <a:latin typeface="Calibri"/>
         <a:ea typeface=""/>
         <a:cs typeface=""/>
         <a:font script="Jpan" typeface="ＭＳ Ｐゴシック"/>
@@ -9332,7 +11441,7 @@
     </a:clrScheme>
     <a:fontScheme name="Office">
       <a:majorFont>
-        <a:latin typeface="Calibri Light" panose="020F0302020204030204"/>
+        <a:latin typeface="Calibri Light"/>
         <a:ea typeface=""/>
         <a:cs typeface=""/>
         <a:font script="Jpan" typeface="ＭＳ Ｐゴシック"/>
@@ -9367,7 +11476,7 @@
         <a:font script="Geor" typeface="Sylfaen"/>
       </a:majorFont>
       <a:minorFont>
-        <a:latin typeface="Calibri" panose="020F0502020204030204"/>
+        <a:latin typeface="Calibri"/>
         <a:ea typeface=""/>
         <a:cs typeface=""/>
         <a:font script="Jpan" typeface="ＭＳ Ｐゴシック"/>
